--- a/fuentes/contenidos/grado06/guion09/MA_06_09_CO_Mapa_Conceptual.pptx
+++ b/fuentes/contenidos/grado06/guion09/MA_06_09_CO_Mapa_Conceptual.pptx
@@ -8,7 +8,7 @@
     <p:sldId id="256" r:id="rId2"/>
   </p:sldIdLst>
   <p:sldSz cx="9144000" cy="6858000" type="letter"/>
-  <p:notesSz cx="6794500" cy="9918700"/>
+  <p:notesSz cx="7315200" cy="12344400"/>
   <p:defaultTextStyle>
     <a:defPPr>
       <a:defRPr lang="es-ES"/>
@@ -106,7 +106,18 @@
   </p:defaultTextStyle>
   <p:extLst>
     <p:ext uri="{EFAFB233-063F-42B5-8137-9DF3F51BA10A}">
-      <p15:sldGuideLst xmlns="" xmlns:p15="http://schemas.microsoft.com/office/powerpoint/2012/main"/>
+      <p15:sldGuideLst xmlns:p15="http://schemas.microsoft.com/office/powerpoint/2012/main">
+        <p15:guide id="1" orient="horz" pos="2160">
+          <p15:clr>
+            <a:srgbClr val="A4A3A4"/>
+          </p15:clr>
+        </p15:guide>
+        <p15:guide id="2" pos="2880">
+          <p15:clr>
+            <a:srgbClr val="A4A3A4"/>
+          </p15:clr>
+        </p15:guide>
+      </p15:sldGuideLst>
     </p:ext>
   </p:extLst>
 </p:presentation>
@@ -139,13 +150,6 @@
   <p:clrMapOvr>
     <a:masterClrMapping/>
   </p:clrMapOvr>
-  <p:timing>
-    <p:tnLst>
-      <p:par>
-        <p:cTn xmlns:p14="http://schemas.microsoft.com/office/powerpoint/2010/main" id="1" dur="indefinite" restart="never" nodeType="tmRoot"/>
-      </p:par>
-    </p:tnLst>
-  </p:timing>
 </p:sldLayout>
 </file>
 
@@ -176,13 +180,6 @@
   <p:clrMapOvr>
     <a:masterClrMapping/>
   </p:clrMapOvr>
-  <p:timing>
-    <p:tnLst>
-      <p:par>
-        <p:cTn xmlns:p14="http://schemas.microsoft.com/office/powerpoint/2010/main" id="1" dur="indefinite" restart="never" nodeType="tmRoot"/>
-      </p:par>
-    </p:tnLst>
-  </p:timing>
 </p:sldLayout>
 </file>
 
@@ -213,13 +210,6 @@
   <p:clrMapOvr>
     <a:masterClrMapping/>
   </p:clrMapOvr>
-  <p:timing>
-    <p:tnLst>
-      <p:par>
-        <p:cTn xmlns:p14="http://schemas.microsoft.com/office/powerpoint/2010/main" id="1" dur="indefinite" restart="never" nodeType="tmRoot"/>
-      </p:par>
-    </p:tnLst>
-  </p:timing>
 </p:sldLayout>
 </file>
 
@@ -250,13 +240,6 @@
   <p:clrMapOvr>
     <a:masterClrMapping/>
   </p:clrMapOvr>
-  <p:timing>
-    <p:tnLst>
-      <p:par>
-        <p:cTn xmlns:p14="http://schemas.microsoft.com/office/powerpoint/2010/main" id="1" dur="indefinite" restart="never" nodeType="tmRoot"/>
-      </p:par>
-    </p:tnLst>
-  </p:timing>
 </p:sldLayout>
 </file>
 
@@ -287,13 +270,6 @@
   <p:clrMapOvr>
     <a:masterClrMapping/>
   </p:clrMapOvr>
-  <p:timing>
-    <p:tnLst>
-      <p:par>
-        <p:cTn xmlns:p14="http://schemas.microsoft.com/office/powerpoint/2010/main" id="1" dur="indefinite" restart="never" nodeType="tmRoot"/>
-      </p:par>
-    </p:tnLst>
-  </p:timing>
 </p:sldLayout>
 </file>
 
@@ -324,13 +300,6 @@
   <p:clrMapOvr>
     <a:masterClrMapping/>
   </p:clrMapOvr>
-  <p:timing>
-    <p:tnLst>
-      <p:par>
-        <p:cTn xmlns:p14="http://schemas.microsoft.com/office/powerpoint/2010/main" id="1" dur="indefinite" restart="never" nodeType="tmRoot"/>
-      </p:par>
-    </p:tnLst>
-  </p:timing>
 </p:sldLayout>
 </file>
 
@@ -361,13 +330,6 @@
   <p:clrMapOvr>
     <a:masterClrMapping/>
   </p:clrMapOvr>
-  <p:timing>
-    <p:tnLst>
-      <p:par>
-        <p:cTn xmlns:p14="http://schemas.microsoft.com/office/powerpoint/2010/main" id="1" dur="indefinite" restart="never" nodeType="tmRoot"/>
-      </p:par>
-    </p:tnLst>
-  </p:timing>
 </p:sldLayout>
 </file>
 
@@ -398,13 +360,6 @@
   <p:clrMapOvr>
     <a:masterClrMapping/>
   </p:clrMapOvr>
-  <p:timing>
-    <p:tnLst>
-      <p:par>
-        <p:cTn xmlns:p14="http://schemas.microsoft.com/office/powerpoint/2010/main" id="1" dur="indefinite" restart="never" nodeType="tmRoot"/>
-      </p:par>
-    </p:tnLst>
-  </p:timing>
 </p:sldLayout>
 </file>
 
@@ -451,7 +406,7 @@
             <a:fld id="{5001C876-01F7-4317-94B9-1AE222133113}" type="datetimeFigureOut">
               <a:rPr lang="es-ES" smtClean="0"/>
               <a:pPr/>
-              <a:t>17/02/16</a:t>
+              <a:t>26/02/2016</a:t>
             </a:fld>
             <a:endParaRPr lang="es-ES"/>
           </a:p>
@@ -510,7 +465,7 @@
             <a:fld id="{58140F73-F5A2-4B82-A2FA-BF1850CF1309}" type="slidenum">
               <a:rPr lang="es-ES" smtClean="0"/>
               <a:pPr/>
-              <a:t>‹Nr.›</a:t>
+              <a:t>‹Nº›</a:t>
             </a:fld>
             <a:endParaRPr lang="es-ES"/>
           </a:p>
@@ -526,13 +481,6 @@
   <p:clrMapOvr>
     <a:masterClrMapping/>
   </p:clrMapOvr>
-  <p:timing>
-    <p:tnLst>
-      <p:par>
-        <p:cTn xmlns:p14="http://schemas.microsoft.com/office/powerpoint/2010/main" id="1" dur="indefinite" restart="never" nodeType="tmRoot"/>
-      </p:par>
-    </p:tnLst>
-  </p:timing>
 </p:sldLayout>
 </file>
 
@@ -563,13 +511,6 @@
   <p:clrMapOvr>
     <a:masterClrMapping/>
   </p:clrMapOvr>
-  <p:timing>
-    <p:tnLst>
-      <p:par>
-        <p:cTn xmlns:p14="http://schemas.microsoft.com/office/powerpoint/2010/main" id="1" dur="indefinite" restart="never" nodeType="tmRoot"/>
-      </p:par>
-    </p:tnLst>
-  </p:timing>
 </p:sldLayout>
 </file>
 
@@ -600,13 +541,6 @@
   <p:clrMapOvr>
     <a:masterClrMapping/>
   </p:clrMapOvr>
-  <p:timing>
-    <p:tnLst>
-      <p:par>
-        <p:cTn xmlns:p14="http://schemas.microsoft.com/office/powerpoint/2010/main" id="1" dur="indefinite" restart="never" nodeType="tmRoot"/>
-      </p:par>
-    </p:tnLst>
-  </p:timing>
 </p:sldLayout>
 </file>
 
@@ -656,16 +590,12 @@
           <a:p>
             <a:pPr algn="ctr"/>
             <a:r>
-              <a:rPr lang="es-ES" sz="1200" dirty="0" smtClean="0">
+              <a:rPr lang="es-ES" sz="1200" dirty="0">
                 <a:latin typeface="Arial" panose="020B0604020202020204" pitchFamily="34" charset="0"/>
                 <a:cs typeface="Arial" panose="020B0604020202020204" pitchFamily="34" charset="0"/>
               </a:rPr>
               <a:t>© Editorial Planeta Colombiana S.A., 2016.</a:t>
             </a:r>
-            <a:endParaRPr lang="es-ES" sz="1200" dirty="0">
-              <a:latin typeface="Arial" panose="020B0604020202020204" pitchFamily="34" charset="0"/>
-              <a:cs typeface="Arial" panose="020B0604020202020204" pitchFamily="34" charset="0"/>
-            </a:endParaRPr>
           </a:p>
         </p:txBody>
       </p:sp>
@@ -720,13 +650,6 @@
     <p:sldLayoutId id="2147483670" r:id="rId10"/>
     <p:sldLayoutId id="2147483671" r:id="rId11"/>
   </p:sldLayoutIdLst>
-  <p:timing>
-    <p:tnLst>
-      <p:par>
-        <p:cTn xmlns:p14="http://schemas.microsoft.com/office/powerpoint/2010/main" id="1" dur="indefinite" restart="never" nodeType="tmRoot"/>
-      </p:par>
-    </p:tnLst>
-  </p:timing>
   <p:txStyles>
     <p:titleStyle>
       <a:lvl1pPr algn="l" defTabSz="914400" rtl="0" eaLnBrk="1" latinLnBrk="0" hangingPunct="1">
@@ -1070,16 +993,12 @@
           <a:p>
             <a:pPr algn="ctr"/>
             <a:r>
-              <a:rPr lang="es-ES" sz="1600" dirty="0" smtClean="0">
+              <a:rPr lang="es-ES" sz="1600" dirty="0">
                 <a:latin typeface="Arial" panose="020B0604020202020204" pitchFamily="34" charset="0"/>
                 <a:cs typeface="Arial" panose="020B0604020202020204" pitchFamily="34" charset="0"/>
               </a:rPr>
               <a:t>Números enteros</a:t>
             </a:r>
-            <a:endParaRPr lang="es-ES" sz="1600" dirty="0">
-              <a:latin typeface="Arial" panose="020B0604020202020204" pitchFamily="34" charset="0"/>
-              <a:cs typeface="Arial" panose="020B0604020202020204" pitchFamily="34" charset="0"/>
-            </a:endParaRPr>
           </a:p>
         </p:txBody>
       </p:sp>
@@ -1091,8 +1010,8 @@
         </p:nvSpPr>
         <p:spPr>
           <a:xfrm>
-            <a:off x="816655" y="959578"/>
-            <a:ext cx="1124746" cy="439782"/>
+            <a:off x="678694" y="1002250"/>
+            <a:ext cx="2471907" cy="439782"/>
           </a:xfrm>
           <a:prstGeom prst="rect">
             <a:avLst/>
@@ -1133,16 +1052,12 @@
           <a:p>
             <a:pPr algn="ctr"/>
             <a:r>
-              <a:rPr lang="es-ES" sz="1200" b="1" dirty="0" smtClean="0">
+              <a:rPr lang="es-ES" sz="1200" b="1" dirty="0">
                 <a:latin typeface="Arial" panose="020B0604020202020204" pitchFamily="34" charset="0"/>
                 <a:cs typeface="Arial" panose="020B0604020202020204" pitchFamily="34" charset="0"/>
               </a:rPr>
               <a:t>Conjunto numérico</a:t>
             </a:r>
-            <a:endParaRPr lang="es-ES" sz="1200" b="1" dirty="0">
-              <a:latin typeface="Arial" panose="020B0604020202020204" pitchFamily="34" charset="0"/>
-              <a:cs typeface="Arial" panose="020B0604020202020204" pitchFamily="34" charset="0"/>
-            </a:endParaRPr>
           </a:p>
         </p:txBody>
       </p:sp>
@@ -1157,8 +1072,8 @@
         </p:nvCxnSpPr>
         <p:spPr>
           <a:xfrm rot="5400000">
-            <a:off x="2942357" y="-1133350"/>
-            <a:ext cx="244755" cy="3373726"/>
+            <a:off x="3209057" y="-866650"/>
+            <a:ext cx="244755" cy="2840326"/>
           </a:xfrm>
           <a:prstGeom prst="bentConnector3">
             <a:avLst/>
@@ -1192,7 +1107,7 @@
         </p:nvSpPr>
         <p:spPr>
           <a:xfrm>
-            <a:off x="820160" y="1459183"/>
+            <a:off x="1353560" y="1514047"/>
             <a:ext cx="1122431" cy="230832"/>
           </a:xfrm>
           <a:prstGeom prst="rect">
@@ -1208,16 +1123,12 @@
           <a:p>
             <a:pPr algn="ctr"/>
             <a:r>
-              <a:rPr lang="es-ES" sz="900" dirty="0" smtClean="0">
+              <a:rPr lang="es-ES" sz="900" dirty="0">
                 <a:latin typeface="Arial" panose="020B0604020202020204" pitchFamily="34" charset="0"/>
                 <a:cs typeface="Arial" panose="020B0604020202020204" pitchFamily="34" charset="0"/>
               </a:rPr>
               <a:t>se simboliza con</a:t>
             </a:r>
-            <a:endParaRPr lang="es-ES" sz="900" dirty="0">
-              <a:latin typeface="Arial" panose="020B0604020202020204" pitchFamily="34" charset="0"/>
-              <a:cs typeface="Arial" panose="020B0604020202020204" pitchFamily="34" charset="0"/>
-            </a:endParaRPr>
           </a:p>
         </p:txBody>
       </p:sp>
@@ -1232,8 +1143,8 @@
         </p:nvCxnSpPr>
         <p:spPr>
           <a:xfrm rot="16200000" flipH="1">
-            <a:off x="1350291" y="1428097"/>
-            <a:ext cx="59823" cy="2348"/>
+            <a:off x="1878705" y="1477975"/>
+            <a:ext cx="72015" cy="128"/>
           </a:xfrm>
           <a:prstGeom prst="bentConnector3">
             <a:avLst>
@@ -1269,8 +1180,8 @@
         </p:nvSpPr>
         <p:spPr>
           <a:xfrm>
-            <a:off x="819002" y="1730012"/>
-            <a:ext cx="1124746" cy="357473"/>
+            <a:off x="1234304" y="1784876"/>
+            <a:ext cx="1360943" cy="357473"/>
           </a:xfrm>
           <a:prstGeom prst="rect">
             <a:avLst/>
@@ -1326,7 +1237,7 @@
         </p:nvCxnSpPr>
         <p:spPr>
           <a:xfrm rot="5400000">
-            <a:off x="1327376" y="1679620"/>
+            <a:off x="1860776" y="1734484"/>
             <a:ext cx="108000" cy="1"/>
           </a:xfrm>
           <a:prstGeom prst="bentConnector3">
@@ -1363,7 +1274,7 @@
         </p:nvSpPr>
         <p:spPr>
           <a:xfrm>
-            <a:off x="821912" y="2230510"/>
+            <a:off x="1355312" y="2260990"/>
             <a:ext cx="1117174" cy="230836"/>
           </a:xfrm>
           <a:prstGeom prst="rect">
@@ -1379,29 +1290,28 @@
           <a:p>
             <a:pPr algn="ctr"/>
             <a:r>
-              <a:rPr lang="es-ES" sz="900" dirty="0" smtClean="0">
+              <a:rPr lang="es-ES" sz="900" dirty="0">
                 <a:latin typeface="Arial" panose="020B0604020202020204" pitchFamily="34" charset="0"/>
                 <a:cs typeface="Arial" panose="020B0604020202020204" pitchFamily="34" charset="0"/>
               </a:rPr>
               <a:t>está formado por</a:t>
             </a:r>
-            <a:endParaRPr lang="es-ES" sz="900" dirty="0">
-              <a:latin typeface="Arial" panose="020B0604020202020204" pitchFamily="34" charset="0"/>
-              <a:cs typeface="Arial" panose="020B0604020202020204" pitchFamily="34" charset="0"/>
-            </a:endParaRPr>
           </a:p>
         </p:txBody>
       </p:sp>
       <p:cxnSp>
         <p:nvCxnSpPr>
           <p:cNvPr id="68" name="Conector angular 67"/>
-          <p:cNvCxnSpPr/>
+          <p:cNvCxnSpPr>
+            <a:stCxn id="44" idx="2"/>
+            <a:endCxn id="67" idx="0"/>
+          </p:cNvCxnSpPr>
           <p:nvPr/>
         </p:nvCxnSpPr>
         <p:spPr>
           <a:xfrm rot="5400000">
-            <a:off x="1326937" y="2126378"/>
-            <a:ext cx="108000" cy="876"/>
+            <a:off x="1855018" y="2201231"/>
+            <a:ext cx="118641" cy="877"/>
           </a:xfrm>
           <a:prstGeom prst="bentConnector3">
             <a:avLst>
@@ -1437,8 +1347,8 @@
         </p:nvSpPr>
         <p:spPr>
           <a:xfrm>
-            <a:off x="820160" y="2498370"/>
-            <a:ext cx="1122431" cy="840813"/>
+            <a:off x="1235705" y="2629300"/>
+            <a:ext cx="1358141" cy="774050"/>
           </a:xfrm>
           <a:prstGeom prst="rect">
             <a:avLst/>
@@ -1484,17 +1394,7 @@
                 <a:latin typeface="Arial" panose="020B0604020202020204" pitchFamily="34" charset="0"/>
                 <a:cs typeface="Arial" panose="020B0604020202020204" pitchFamily="34" charset="0"/>
               </a:rPr>
-              <a:t>e</a:t>
-            </a:r>
-            <a:r>
-              <a:rPr lang="es-ES" sz="900" dirty="0" smtClean="0">
-                <a:solidFill>
-                  <a:schemeClr val="tx1"/>
-                </a:solidFill>
-                <a:latin typeface="Arial" panose="020B0604020202020204" pitchFamily="34" charset="0"/>
-                <a:cs typeface="Arial" panose="020B0604020202020204" pitchFamily="34" charset="0"/>
-              </a:rPr>
-              <a:t>nteros positivos</a:t>
+              <a:t>enteros positivos</a:t>
             </a:r>
           </a:p>
           <a:p>
@@ -1510,17 +1410,7 @@
                 <a:latin typeface="Arial" panose="020B0604020202020204" pitchFamily="34" charset="0"/>
                 <a:cs typeface="Arial" panose="020B0604020202020204" pitchFamily="34" charset="0"/>
               </a:rPr>
-              <a:t>e</a:t>
-            </a:r>
-            <a:r>
-              <a:rPr lang="es-ES" sz="900" dirty="0" smtClean="0">
-                <a:solidFill>
-                  <a:schemeClr val="tx1"/>
-                </a:solidFill>
-                <a:latin typeface="Arial" panose="020B0604020202020204" pitchFamily="34" charset="0"/>
-                <a:cs typeface="Arial" panose="020B0604020202020204" pitchFamily="34" charset="0"/>
-              </a:rPr>
-              <a:t>nteros negativos</a:t>
+              <a:t>enteros negativos</a:t>
             </a:r>
           </a:p>
           <a:p>
@@ -1529,7 +1419,7 @@
               <a:buChar char="•"/>
             </a:pPr>
             <a:r>
-              <a:rPr lang="es-ES" sz="900" dirty="0" smtClean="0">
+              <a:rPr lang="es-ES" sz="900" dirty="0">
                 <a:solidFill>
                   <a:schemeClr val="tx1"/>
                 </a:solidFill>
@@ -1538,13 +1428,6 @@
               </a:rPr>
               <a:t>cero</a:t>
             </a:r>
-            <a:endParaRPr lang="es-ES" sz="900" dirty="0">
-              <a:solidFill>
-                <a:schemeClr val="tx1"/>
-              </a:solidFill>
-              <a:latin typeface="Arial" panose="020B0604020202020204" pitchFamily="34" charset="0"/>
-              <a:cs typeface="Arial" panose="020B0604020202020204" pitchFamily="34" charset="0"/>
-            </a:endParaRPr>
           </a:p>
         </p:txBody>
       </p:sp>
@@ -1556,8 +1439,8 @@
         </p:nvSpPr>
         <p:spPr>
           <a:xfrm>
-            <a:off x="217661" y="3924243"/>
-            <a:ext cx="1122431" cy="353519"/>
+            <a:off x="728473" y="4182270"/>
+            <a:ext cx="1020392" cy="370314"/>
           </a:xfrm>
           <a:prstGeom prst="rect">
             <a:avLst/>
@@ -1598,25 +1481,8 @@
                 <a:latin typeface="Arial" panose="020B0604020202020204" pitchFamily="34" charset="0"/>
                 <a:cs typeface="Arial" panose="020B0604020202020204" pitchFamily="34" charset="0"/>
               </a:rPr>
-              <a:t>r</a:t>
+              <a:t>recta numérica</a:t>
             </a:r>
-            <a:r>
-              <a:rPr lang="es-ES" sz="900" dirty="0" smtClean="0">
-                <a:solidFill>
-                  <a:schemeClr val="tx1"/>
-                </a:solidFill>
-                <a:latin typeface="Arial" panose="020B0604020202020204" pitchFamily="34" charset="0"/>
-                <a:cs typeface="Arial" panose="020B0604020202020204" pitchFamily="34" charset="0"/>
-              </a:rPr>
-              <a:t>ecta numérica</a:t>
-            </a:r>
-            <a:endParaRPr lang="es-ES" sz="900" dirty="0">
-              <a:solidFill>
-                <a:schemeClr val="tx1"/>
-              </a:solidFill>
-              <a:latin typeface="Arial" panose="020B0604020202020204" pitchFamily="34" charset="0"/>
-              <a:cs typeface="Arial" panose="020B0604020202020204" pitchFamily="34" charset="0"/>
-            </a:endParaRPr>
           </a:p>
         </p:txBody>
       </p:sp>
@@ -1628,8 +1494,8 @@
         </p:nvSpPr>
         <p:spPr>
           <a:xfrm>
-            <a:off x="1478041" y="3934461"/>
-            <a:ext cx="1118927" cy="343301"/>
+            <a:off x="2078565" y="4182270"/>
+            <a:ext cx="1118927" cy="370314"/>
           </a:xfrm>
           <a:prstGeom prst="rect">
             <a:avLst/>
@@ -1670,25 +1536,8 @@
                 <a:latin typeface="Arial" panose="020B0604020202020204" pitchFamily="34" charset="0"/>
                 <a:cs typeface="Arial" panose="020B0604020202020204" pitchFamily="34" charset="0"/>
               </a:rPr>
-              <a:t>p</a:t>
+              <a:t>plano cartesiano</a:t>
             </a:r>
-            <a:r>
-              <a:rPr lang="es-ES" sz="900" dirty="0" smtClean="0">
-                <a:solidFill>
-                  <a:schemeClr val="tx1"/>
-                </a:solidFill>
-                <a:latin typeface="Arial" panose="020B0604020202020204" pitchFamily="34" charset="0"/>
-                <a:cs typeface="Arial" panose="020B0604020202020204" pitchFamily="34" charset="0"/>
-              </a:rPr>
-              <a:t>lano cartesiano</a:t>
-            </a:r>
-            <a:endParaRPr lang="es-ES" sz="900" dirty="0">
-              <a:solidFill>
-                <a:schemeClr val="tx1"/>
-              </a:solidFill>
-              <a:latin typeface="Arial" panose="020B0604020202020204" pitchFamily="34" charset="0"/>
-              <a:cs typeface="Arial" panose="020B0604020202020204" pitchFamily="34" charset="0"/>
-            </a:endParaRPr>
           </a:p>
         </p:txBody>
       </p:sp>
@@ -1700,8 +1549,8 @@
         </p:nvSpPr>
         <p:spPr>
           <a:xfrm>
-            <a:off x="821913" y="3504128"/>
-            <a:ext cx="1117174" cy="230832"/>
+            <a:off x="1350055" y="3590410"/>
+            <a:ext cx="1124746" cy="230832"/>
           </a:xfrm>
           <a:prstGeom prst="rect">
             <a:avLst/>
@@ -1720,32 +1569,24 @@
                 <a:latin typeface="Arial" panose="020B0604020202020204" pitchFamily="34" charset="0"/>
                 <a:cs typeface="Arial" panose="020B0604020202020204" pitchFamily="34" charset="0"/>
               </a:rPr>
-              <a:t>s</a:t>
+              <a:t>se ubican en</a:t>
             </a:r>
-            <a:r>
-              <a:rPr lang="es-ES" sz="900" dirty="0" smtClean="0">
-                <a:latin typeface="Arial" panose="020B0604020202020204" pitchFamily="34" charset="0"/>
-                <a:cs typeface="Arial" panose="020B0604020202020204" pitchFamily="34" charset="0"/>
-              </a:rPr>
-              <a:t>e ubican en</a:t>
-            </a:r>
-            <a:endParaRPr lang="es-ES" sz="900" dirty="0">
-              <a:latin typeface="Arial" panose="020B0604020202020204" pitchFamily="34" charset="0"/>
-              <a:cs typeface="Arial" panose="020B0604020202020204" pitchFamily="34" charset="0"/>
-            </a:endParaRPr>
           </a:p>
         </p:txBody>
       </p:sp>
       <p:cxnSp>
         <p:nvCxnSpPr>
           <p:cNvPr id="76" name="Conector angular 75"/>
-          <p:cNvCxnSpPr/>
+          <p:cNvCxnSpPr>
+            <a:stCxn id="67" idx="2"/>
+            <a:endCxn id="72" idx="0"/>
+          </p:cNvCxnSpPr>
           <p:nvPr/>
         </p:nvCxnSpPr>
         <p:spPr>
           <a:xfrm rot="16200000" flipH="1">
-            <a:off x="1326937" y="2445720"/>
-            <a:ext cx="108000" cy="877"/>
+            <a:off x="1845600" y="2560124"/>
+            <a:ext cx="137474" cy="877"/>
           </a:xfrm>
           <a:prstGeom prst="bentConnector3">
             <a:avLst>
@@ -1781,7 +1622,7 @@
         </p:nvSpPr>
         <p:spPr>
           <a:xfrm>
-            <a:off x="816655" y="675891"/>
+            <a:off x="1350055" y="675891"/>
             <a:ext cx="1122431" cy="230832"/>
           </a:xfrm>
           <a:prstGeom prst="rect">
@@ -1797,16 +1638,12 @@
           <a:p>
             <a:pPr algn="ctr"/>
             <a:r>
-              <a:rPr lang="es-ES" sz="900" dirty="0" smtClean="0">
+              <a:rPr lang="es-ES" sz="900" dirty="0">
                 <a:latin typeface="Arial" panose="020B0604020202020204" pitchFamily="34" charset="0"/>
                 <a:cs typeface="Arial" panose="020B0604020202020204" pitchFamily="34" charset="0"/>
               </a:rPr>
               <a:t>es un</a:t>
             </a:r>
-            <a:endParaRPr lang="es-ES" sz="900" dirty="0">
-              <a:latin typeface="Arial" panose="020B0604020202020204" pitchFamily="34" charset="0"/>
-              <a:cs typeface="Arial" panose="020B0604020202020204" pitchFamily="34" charset="0"/>
-            </a:endParaRPr>
           </a:p>
         </p:txBody>
       </p:sp>
@@ -1821,8 +1658,8 @@
         </p:nvCxnSpPr>
         <p:spPr>
           <a:xfrm rot="16200000" flipH="1">
-            <a:off x="1352022" y="932571"/>
-            <a:ext cx="52855" cy="1157"/>
+            <a:off x="1865196" y="952797"/>
+            <a:ext cx="95527" cy="3377"/>
           </a:xfrm>
           <a:prstGeom prst="bentConnector3">
             <a:avLst>
@@ -1858,8 +1695,8 @@
         </p:nvSpPr>
         <p:spPr>
           <a:xfrm>
-            <a:off x="5437812" y="958822"/>
-            <a:ext cx="1124746" cy="439782"/>
+            <a:off x="5204292" y="1027402"/>
+            <a:ext cx="2243888" cy="439782"/>
           </a:xfrm>
           <a:prstGeom prst="rect">
             <a:avLst/>
@@ -1900,16 +1737,12 @@
           <a:p>
             <a:pPr algn="ctr"/>
             <a:r>
-              <a:rPr lang="es-ES" sz="1200" b="1" dirty="0" smtClean="0">
+              <a:rPr lang="es-ES" sz="1200" b="1" dirty="0">
                 <a:latin typeface="Arial" panose="020B0604020202020204" pitchFamily="34" charset="0"/>
                 <a:cs typeface="Arial" panose="020B0604020202020204" pitchFamily="34" charset="0"/>
               </a:rPr>
               <a:t>Operaciones</a:t>
             </a:r>
-            <a:endParaRPr lang="es-ES" sz="1200" b="1" dirty="0">
-              <a:latin typeface="Arial" panose="020B0604020202020204" pitchFamily="34" charset="0"/>
-              <a:cs typeface="Arial" panose="020B0604020202020204" pitchFamily="34" charset="0"/>
-            </a:endParaRPr>
           </a:p>
         </p:txBody>
       </p:sp>
@@ -1921,8 +1754,8 @@
         </p:nvSpPr>
         <p:spPr>
           <a:xfrm>
-            <a:off x="5453208" y="1555267"/>
-            <a:ext cx="1124746" cy="357473"/>
+            <a:off x="5870448" y="1700047"/>
+            <a:ext cx="895332" cy="357473"/>
           </a:xfrm>
           <a:prstGeom prst="rect">
             <a:avLst/>
@@ -1965,25 +1798,8 @@
                 <a:latin typeface="Arial" panose="020B0604020202020204" pitchFamily="34" charset="0"/>
                 <a:cs typeface="Arial" panose="020B0604020202020204" pitchFamily="34" charset="0"/>
               </a:rPr>
-              <a:t>s</a:t>
+              <a:t>sustracción</a:t>
             </a:r>
-            <a:r>
-              <a:rPr lang="es-ES" sz="1050" dirty="0" smtClean="0">
-                <a:solidFill>
-                  <a:schemeClr val="bg1"/>
-                </a:solidFill>
-                <a:latin typeface="Arial" panose="020B0604020202020204" pitchFamily="34" charset="0"/>
-                <a:cs typeface="Arial" panose="020B0604020202020204" pitchFamily="34" charset="0"/>
-              </a:rPr>
-              <a:t>ustracción</a:t>
-            </a:r>
-            <a:endParaRPr lang="es-ES" sz="1050" dirty="0">
-              <a:solidFill>
-                <a:schemeClr val="bg1"/>
-              </a:solidFill>
-              <a:latin typeface="Arial" panose="020B0604020202020204" pitchFamily="34" charset="0"/>
-              <a:cs typeface="Arial" panose="020B0604020202020204" pitchFamily="34" charset="0"/>
-            </a:endParaRPr>
           </a:p>
         </p:txBody>
       </p:sp>
@@ -1995,8 +1811,8 @@
         </p:nvSpPr>
         <p:spPr>
           <a:xfrm>
-            <a:off x="5441555" y="2105766"/>
-            <a:ext cx="1117174" cy="230836"/>
+            <a:off x="5779679" y="2225146"/>
+            <a:ext cx="1076717" cy="230832"/>
           </a:xfrm>
           <a:prstGeom prst="rect">
             <a:avLst/>
@@ -2015,32 +1831,24 @@
                 <a:latin typeface="Arial" panose="020B0604020202020204" pitchFamily="34" charset="0"/>
                 <a:cs typeface="Arial" panose="020B0604020202020204" pitchFamily="34" charset="0"/>
               </a:rPr>
-              <a:t>s</a:t>
+              <a:t>se expresa como</a:t>
             </a:r>
-            <a:r>
-              <a:rPr lang="es-ES" sz="900" dirty="0" smtClean="0">
-                <a:latin typeface="Arial" panose="020B0604020202020204" pitchFamily="34" charset="0"/>
-                <a:cs typeface="Arial" panose="020B0604020202020204" pitchFamily="34" charset="0"/>
-              </a:rPr>
-              <a:t>e expresa como</a:t>
-            </a:r>
-            <a:endParaRPr lang="es-ES" sz="900" dirty="0">
-              <a:latin typeface="Arial" panose="020B0604020202020204" pitchFamily="34" charset="0"/>
-              <a:cs typeface="Arial" panose="020B0604020202020204" pitchFamily="34" charset="0"/>
-            </a:endParaRPr>
           </a:p>
         </p:txBody>
       </p:sp>
       <p:cxnSp>
         <p:nvCxnSpPr>
           <p:cNvPr id="223" name="Conector angular 222"/>
-          <p:cNvCxnSpPr/>
+          <p:cNvCxnSpPr>
+            <a:stCxn id="220" idx="2"/>
+            <a:endCxn id="222" idx="0"/>
+          </p:cNvCxnSpPr>
           <p:nvPr/>
         </p:nvCxnSpPr>
         <p:spPr>
           <a:xfrm rot="5400000">
-            <a:off x="5914827" y="1984740"/>
-            <a:ext cx="144000" cy="0"/>
+            <a:off x="6234263" y="2141295"/>
+            <a:ext cx="167626" cy="76"/>
           </a:xfrm>
           <a:prstGeom prst="bentConnector3">
             <a:avLst>
@@ -2076,8 +1884,8 @@
         </p:nvSpPr>
         <p:spPr>
           <a:xfrm>
-            <a:off x="5442509" y="2491576"/>
-            <a:ext cx="1122431" cy="343441"/>
+            <a:off x="5870448" y="2636356"/>
+            <a:ext cx="895333" cy="343441"/>
           </a:xfrm>
           <a:prstGeom prst="rect">
             <a:avLst/>
@@ -2113,7 +1921,7 @@
           <a:p>
             <a:pPr algn="ctr"/>
             <a:r>
-              <a:rPr lang="es-ES" sz="900" dirty="0" smtClean="0">
+              <a:rPr lang="es-ES" sz="900" dirty="0">
                 <a:solidFill>
                   <a:schemeClr val="tx1"/>
                 </a:solidFill>
@@ -2122,26 +1930,22 @@
               </a:rPr>
               <a:t>adición</a:t>
             </a:r>
-            <a:endParaRPr lang="es-ES" sz="900" dirty="0">
-              <a:solidFill>
-                <a:schemeClr val="tx1"/>
-              </a:solidFill>
-              <a:latin typeface="Arial" panose="020B0604020202020204" pitchFamily="34" charset="0"/>
-              <a:cs typeface="Arial" panose="020B0604020202020204" pitchFamily="34" charset="0"/>
-            </a:endParaRPr>
           </a:p>
         </p:txBody>
       </p:sp>
       <p:cxnSp>
         <p:nvCxnSpPr>
           <p:cNvPr id="261" name="Conector angular 260"/>
-          <p:cNvCxnSpPr/>
+          <p:cNvCxnSpPr>
+            <a:stCxn id="256" idx="2"/>
+            <a:endCxn id="184" idx="0"/>
+          </p:cNvCxnSpPr>
           <p:nvPr/>
         </p:nvCxnSpPr>
         <p:spPr>
           <a:xfrm rot="5400000">
-            <a:off x="5993483" y="2871017"/>
-            <a:ext cx="72000" cy="0"/>
+            <a:off x="6252129" y="3045245"/>
+            <a:ext cx="131435" cy="539"/>
           </a:xfrm>
           <a:prstGeom prst="bentConnector3">
             <a:avLst>
@@ -2177,8 +1981,8 @@
         </p:nvSpPr>
         <p:spPr>
           <a:xfrm>
-            <a:off x="5421529" y="690083"/>
-            <a:ext cx="1122431" cy="230832"/>
+            <a:off x="5755202" y="677131"/>
+            <a:ext cx="1151566" cy="230832"/>
           </a:xfrm>
           <a:prstGeom prst="rect">
             <a:avLst/>
@@ -2193,16 +1997,12 @@
           <a:p>
             <a:pPr algn="ctr"/>
             <a:r>
-              <a:rPr lang="es-ES" sz="900" dirty="0" smtClean="0">
+              <a:rPr lang="es-ES" sz="900" dirty="0">
                 <a:latin typeface="Arial" panose="020B0604020202020204" pitchFamily="34" charset="0"/>
                 <a:cs typeface="Arial" panose="020B0604020202020204" pitchFamily="34" charset="0"/>
               </a:rPr>
               <a:t>se efectúan </a:t>
             </a:r>
-            <a:endParaRPr lang="es-ES" sz="900" dirty="0">
-              <a:latin typeface="Arial" panose="020B0604020202020204" pitchFamily="34" charset="0"/>
-              <a:cs typeface="Arial" panose="020B0604020202020204" pitchFamily="34" charset="0"/>
-            </a:endParaRPr>
           </a:p>
         </p:txBody>
       </p:sp>
@@ -2214,8 +2014,8 @@
         </p:nvSpPr>
         <p:spPr>
           <a:xfrm>
-            <a:off x="7292869" y="1565301"/>
-            <a:ext cx="1080777" cy="357473"/>
+            <a:off x="7454529" y="1710081"/>
+            <a:ext cx="1087461" cy="357473"/>
           </a:xfrm>
           <a:prstGeom prst="rect">
             <a:avLst/>
@@ -2258,41 +2058,29 @@
                 <a:latin typeface="Arial" panose="020B0604020202020204" pitchFamily="34" charset="0"/>
                 <a:cs typeface="Arial" panose="020B0604020202020204" pitchFamily="34" charset="0"/>
               </a:rPr>
-              <a:t>m</a:t>
+              <a:t>multiplicación y división</a:t>
             </a:r>
-            <a:r>
-              <a:rPr lang="es-ES" sz="1050" dirty="0" smtClean="0">
-                <a:solidFill>
-                  <a:schemeClr val="bg1"/>
-                </a:solidFill>
-                <a:latin typeface="Arial" panose="020B0604020202020204" pitchFamily="34" charset="0"/>
-                <a:cs typeface="Arial" panose="020B0604020202020204" pitchFamily="34" charset="0"/>
-              </a:rPr>
-              <a:t>ultiplicación y división</a:t>
-            </a:r>
-            <a:endParaRPr lang="es-ES" sz="1050" dirty="0">
-              <a:solidFill>
-                <a:schemeClr val="bg1"/>
-              </a:solidFill>
-              <a:latin typeface="Arial" panose="020B0604020202020204" pitchFamily="34" charset="0"/>
-              <a:cs typeface="Arial" panose="020B0604020202020204" pitchFamily="34" charset="0"/>
-            </a:endParaRPr>
           </a:p>
         </p:txBody>
       </p:sp>
       <p:cxnSp>
         <p:nvCxnSpPr>
           <p:cNvPr id="336" name="Conector angular 335"/>
-          <p:cNvCxnSpPr/>
+          <p:cNvCxnSpPr>
+            <a:stCxn id="4" idx="2"/>
+            <a:endCxn id="274" idx="0"/>
+          </p:cNvCxnSpPr>
           <p:nvPr/>
         </p:nvCxnSpPr>
         <p:spPr>
           <a:xfrm rot="16200000" flipH="1">
-            <a:off x="5264899" y="-69287"/>
-            <a:ext cx="244754" cy="1245600"/>
+            <a:off x="5418294" y="-235561"/>
+            <a:ext cx="245995" cy="1579388"/>
           </a:xfrm>
           <a:prstGeom prst="bentConnector3">
-            <a:avLst/>
+            <a:avLst>
+              <a:gd name="adj1" fmla="val 50000"/>
+            </a:avLst>
           </a:prstGeom>
           <a:ln w="12700">
             <a:solidFill>
@@ -2318,17 +2106,20 @@
       <p:cxnSp>
         <p:nvCxnSpPr>
           <p:cNvPr id="135" name="Conector angular 134"/>
-          <p:cNvCxnSpPr/>
+          <p:cNvCxnSpPr>
+            <a:stCxn id="216" idx="2"/>
+            <a:endCxn id="220" idx="0"/>
+          </p:cNvCxnSpPr>
           <p:nvPr/>
         </p:nvCxnSpPr>
         <p:spPr>
-          <a:xfrm rot="16200000" flipH="1">
-            <a:off x="5953338" y="1493214"/>
-            <a:ext cx="108000" cy="877"/>
+          <a:xfrm rot="5400000">
+            <a:off x="6205744" y="1579554"/>
+            <a:ext cx="232863" cy="8122"/>
           </a:xfrm>
           <a:prstGeom prst="bentConnector3">
             <a:avLst>
-              <a:gd name="adj1" fmla="val -4026"/>
+              <a:gd name="adj1" fmla="val 50000"/>
             </a:avLst>
           </a:prstGeom>
           <a:ln w="12700">
@@ -2360,8 +2151,8 @@
         </p:nvSpPr>
         <p:spPr>
           <a:xfrm>
-            <a:off x="3571803" y="1566512"/>
-            <a:ext cx="1124746" cy="357473"/>
+            <a:off x="3964677" y="1711292"/>
+            <a:ext cx="1216483" cy="357473"/>
           </a:xfrm>
           <a:prstGeom prst="rect">
             <a:avLst/>
@@ -2404,38 +2195,24 @@
                 <a:latin typeface="Arial" panose="020B0604020202020204" pitchFamily="34" charset="0"/>
                 <a:cs typeface="Arial" panose="020B0604020202020204" pitchFamily="34" charset="0"/>
               </a:rPr>
-              <a:t>a</a:t>
+              <a:t>adición</a:t>
             </a:r>
-            <a:r>
-              <a:rPr lang="es-ES" sz="1050" dirty="0" smtClean="0">
-                <a:solidFill>
-                  <a:schemeClr val="bg1"/>
-                </a:solidFill>
-                <a:latin typeface="Arial" panose="020B0604020202020204" pitchFamily="34" charset="0"/>
-                <a:cs typeface="Arial" panose="020B0604020202020204" pitchFamily="34" charset="0"/>
-              </a:rPr>
-              <a:t>dición</a:t>
-            </a:r>
-            <a:endParaRPr lang="es-ES" sz="1050" dirty="0">
-              <a:solidFill>
-                <a:schemeClr val="bg1"/>
-              </a:solidFill>
-              <a:latin typeface="Arial" panose="020B0604020202020204" pitchFamily="34" charset="0"/>
-              <a:cs typeface="Arial" panose="020B0604020202020204" pitchFamily="34" charset="0"/>
-            </a:endParaRPr>
           </a:p>
         </p:txBody>
       </p:sp>
       <p:cxnSp>
         <p:nvCxnSpPr>
           <p:cNvPr id="138" name="Conector angular 137"/>
-          <p:cNvCxnSpPr/>
+          <p:cNvCxnSpPr>
+            <a:stCxn id="136" idx="2"/>
+            <a:endCxn id="139" idx="0"/>
+          </p:cNvCxnSpPr>
           <p:nvPr/>
         </p:nvCxnSpPr>
         <p:spPr>
           <a:xfrm rot="5400000">
-            <a:off x="4037123" y="1994484"/>
-            <a:ext cx="144000" cy="0"/>
+            <a:off x="4511890" y="2128816"/>
+            <a:ext cx="121081" cy="978"/>
           </a:xfrm>
           <a:prstGeom prst="bentConnector3">
             <a:avLst>
@@ -2471,8 +2248,8 @@
         </p:nvSpPr>
         <p:spPr>
           <a:xfrm>
-            <a:off x="3551003" y="2073006"/>
-            <a:ext cx="1117174" cy="230836"/>
+            <a:off x="3964676" y="2189846"/>
+            <a:ext cx="1214529" cy="230836"/>
           </a:xfrm>
           <a:prstGeom prst="rect">
             <a:avLst/>
@@ -2487,29 +2264,28 @@
           <a:p>
             <a:pPr algn="ctr"/>
             <a:r>
-              <a:rPr lang="es-ES" sz="900" dirty="0" smtClean="0">
+              <a:rPr lang="es-ES" sz="900" dirty="0">
                 <a:latin typeface="Arial" panose="020B0604020202020204" pitchFamily="34" charset="0"/>
                 <a:cs typeface="Arial" panose="020B0604020202020204" pitchFamily="34" charset="0"/>
               </a:rPr>
               <a:t>entre</a:t>
             </a:r>
-            <a:endParaRPr lang="es-ES" sz="900" dirty="0">
-              <a:latin typeface="Arial" panose="020B0604020202020204" pitchFamily="34" charset="0"/>
-              <a:cs typeface="Arial" panose="020B0604020202020204" pitchFamily="34" charset="0"/>
-            </a:endParaRPr>
           </a:p>
         </p:txBody>
       </p:sp>
       <p:cxnSp>
         <p:nvCxnSpPr>
           <p:cNvPr id="142" name="Conector angular 141"/>
-          <p:cNvCxnSpPr/>
+          <p:cNvCxnSpPr>
+            <a:stCxn id="139" idx="2"/>
+            <a:endCxn id="145" idx="0"/>
+          </p:cNvCxnSpPr>
           <p:nvPr/>
         </p:nvCxnSpPr>
         <p:spPr>
           <a:xfrm rot="5400000">
-            <a:off x="3752765" y="2066944"/>
-            <a:ext cx="152651" cy="610466"/>
+            <a:off x="4162945" y="2222414"/>
+            <a:ext cx="210729" cy="607264"/>
           </a:xfrm>
           <a:prstGeom prst="bentConnector3">
             <a:avLst>
@@ -2540,13 +2316,16 @@
       <p:cxnSp>
         <p:nvCxnSpPr>
           <p:cNvPr id="143" name="Conector angular 142"/>
-          <p:cNvCxnSpPr/>
+          <p:cNvCxnSpPr>
+            <a:stCxn id="139" idx="2"/>
+            <a:endCxn id="146" idx="0"/>
+          </p:cNvCxnSpPr>
           <p:nvPr/>
         </p:nvCxnSpPr>
         <p:spPr>
           <a:xfrm rot="16200000" flipH="1">
-            <a:off x="4377386" y="2052991"/>
-            <a:ext cx="152651" cy="638370"/>
+            <a:off x="4772253" y="2220369"/>
+            <a:ext cx="210953" cy="611577"/>
           </a:xfrm>
           <a:prstGeom prst="bentConnector3">
             <a:avLst>
@@ -2582,7 +2361,7 @@
         </p:nvSpPr>
         <p:spPr>
           <a:xfrm>
-            <a:off x="2974619" y="2486631"/>
+            <a:off x="3403461" y="2631411"/>
             <a:ext cx="1122431" cy="343441"/>
           </a:xfrm>
           <a:prstGeom prst="rect">
@@ -2592,6 +2371,1798 @@
             <a:schemeClr val="bg2">
               <a:lumMod val="90000"/>
             </a:schemeClr>
+          </a:solidFill>
+          <a:ln>
+            <a:solidFill>
+              <a:schemeClr val="tx1"/>
+            </a:solidFill>
+          </a:ln>
+        </p:spPr>
+        <p:style>
+          <a:lnRef idx="2">
+            <a:schemeClr val="accent6"/>
+          </a:lnRef>
+          <a:fillRef idx="1">
+            <a:schemeClr val="lt1"/>
+          </a:fillRef>
+          <a:effectRef idx="0">
+            <a:schemeClr val="accent6"/>
+          </a:effectRef>
+          <a:fontRef idx="minor">
+            <a:schemeClr val="dk1"/>
+          </a:fontRef>
+        </p:style>
+        <p:txBody>
+          <a:bodyPr rtlCol="0" anchor="ctr"/>
+          <a:lstStyle/>
+          <a:p>
+            <a:pPr algn="ctr"/>
+            <a:r>
+              <a:rPr lang="es-ES" sz="900" dirty="0">
+                <a:solidFill>
+                  <a:schemeClr val="tx1"/>
+                </a:solidFill>
+                <a:latin typeface="Arial" panose="020B0604020202020204" pitchFamily="34" charset="0"/>
+                <a:cs typeface="Arial" panose="020B0604020202020204" pitchFamily="34" charset="0"/>
+              </a:rPr>
+              <a:t>números del mismo signo</a:t>
+            </a:r>
+          </a:p>
+        </p:txBody>
+      </p:sp>
+      <p:sp>
+        <p:nvSpPr>
+          <p:cNvPr id="146" name="Rectángulo 145" descr="Nodo de tercer nivel"/>
+          <p:cNvSpPr/>
+          <p:nvPr/>
+        </p:nvSpPr>
+        <p:spPr>
+          <a:xfrm>
+            <a:off x="4618362" y="2631635"/>
+            <a:ext cx="1130311" cy="343441"/>
+          </a:xfrm>
+          <a:prstGeom prst="rect">
+            <a:avLst/>
+          </a:prstGeom>
+          <a:solidFill>
+            <a:schemeClr val="bg2">
+              <a:lumMod val="90000"/>
+            </a:schemeClr>
+          </a:solidFill>
+          <a:ln>
+            <a:solidFill>
+              <a:schemeClr val="tx1"/>
+            </a:solidFill>
+          </a:ln>
+        </p:spPr>
+        <p:style>
+          <a:lnRef idx="2">
+            <a:schemeClr val="accent6"/>
+          </a:lnRef>
+          <a:fillRef idx="1">
+            <a:schemeClr val="lt1"/>
+          </a:fillRef>
+          <a:effectRef idx="0">
+            <a:schemeClr val="accent6"/>
+          </a:effectRef>
+          <a:fontRef idx="minor">
+            <a:schemeClr val="dk1"/>
+          </a:fontRef>
+        </p:style>
+        <p:txBody>
+          <a:bodyPr rtlCol="0" anchor="ctr"/>
+          <a:lstStyle/>
+          <a:p>
+            <a:pPr algn="ctr"/>
+            <a:r>
+              <a:rPr lang="es-ES" sz="900" dirty="0">
+                <a:solidFill>
+                  <a:schemeClr val="tx1"/>
+                </a:solidFill>
+                <a:latin typeface="Arial" panose="020B0604020202020204" pitchFamily="34" charset="0"/>
+                <a:cs typeface="Arial" panose="020B0604020202020204" pitchFamily="34" charset="0"/>
+              </a:rPr>
+              <a:t>números de diferente signo</a:t>
+            </a:r>
+          </a:p>
+        </p:txBody>
+      </p:sp>
+      <p:cxnSp>
+        <p:nvCxnSpPr>
+          <p:cNvPr id="147" name="Conector angular 146"/>
+          <p:cNvCxnSpPr>
+            <a:stCxn id="145" idx="2"/>
+            <a:endCxn id="149" idx="0"/>
+          </p:cNvCxnSpPr>
+          <p:nvPr/>
+        </p:nvCxnSpPr>
+        <p:spPr>
+          <a:xfrm rot="5400000">
+            <a:off x="3907386" y="3032143"/>
+            <a:ext cx="114582" cy="1"/>
+          </a:xfrm>
+          <a:prstGeom prst="bentConnector3">
+            <a:avLst>
+              <a:gd name="adj1" fmla="val 50000"/>
+            </a:avLst>
+          </a:prstGeom>
+          <a:ln w="12700">
+            <a:solidFill>
+              <a:schemeClr val="tx1"/>
+            </a:solidFill>
+          </a:ln>
+        </p:spPr>
+        <p:style>
+          <a:lnRef idx="1">
+            <a:schemeClr val="accent1"/>
+          </a:lnRef>
+          <a:fillRef idx="0">
+            <a:schemeClr val="accent1"/>
+          </a:fillRef>
+          <a:effectRef idx="0">
+            <a:schemeClr val="accent1"/>
+          </a:effectRef>
+          <a:fontRef idx="minor">
+            <a:schemeClr val="tx1"/>
+          </a:fontRef>
+        </p:style>
+      </p:cxnSp>
+      <p:sp>
+        <p:nvSpPr>
+          <p:cNvPr id="149" name="CuadroTexto 148" descr="Conector entre nodos"/>
+          <p:cNvSpPr txBox="1"/>
+          <p:nvPr/>
+        </p:nvSpPr>
+        <p:spPr>
+          <a:xfrm>
+            <a:off x="3454480" y="3089434"/>
+            <a:ext cx="1020392" cy="230832"/>
+          </a:xfrm>
+          <a:prstGeom prst="rect">
+            <a:avLst/>
+          </a:prstGeom>
+          <a:noFill/>
+        </p:spPr>
+        <p:txBody>
+          <a:bodyPr wrap="square" rtlCol="0">
+            <a:spAutoFit/>
+          </a:bodyPr>
+          <a:lstStyle/>
+          <a:p>
+            <a:pPr algn="ctr"/>
+            <a:r>
+              <a:rPr lang="es-ES" sz="900" dirty="0">
+                <a:latin typeface="Arial" panose="020B0604020202020204" pitchFamily="34" charset="0"/>
+                <a:cs typeface="Arial" panose="020B0604020202020204" pitchFamily="34" charset="0"/>
+              </a:rPr>
+              <a:t>se adicionan</a:t>
+            </a:r>
+          </a:p>
+        </p:txBody>
+      </p:sp>
+      <p:cxnSp>
+        <p:nvCxnSpPr>
+          <p:cNvPr id="150" name="Conector angular 149"/>
+          <p:cNvCxnSpPr>
+            <a:stCxn id="149" idx="2"/>
+            <a:endCxn id="152" idx="0"/>
+          </p:cNvCxnSpPr>
+          <p:nvPr/>
+        </p:nvCxnSpPr>
+        <p:spPr>
+          <a:xfrm rot="16200000" flipH="1">
+            <a:off x="3921882" y="3363059"/>
+            <a:ext cx="85589" cy="1"/>
+          </a:xfrm>
+          <a:prstGeom prst="bentConnector3">
+            <a:avLst>
+              <a:gd name="adj1" fmla="val 50000"/>
+            </a:avLst>
+          </a:prstGeom>
+          <a:ln w="12700">
+            <a:solidFill>
+              <a:schemeClr val="tx1"/>
+            </a:solidFill>
+          </a:ln>
+        </p:spPr>
+        <p:style>
+          <a:lnRef idx="1">
+            <a:schemeClr val="accent1"/>
+          </a:lnRef>
+          <a:fillRef idx="0">
+            <a:schemeClr val="accent1"/>
+          </a:fillRef>
+          <a:effectRef idx="0">
+            <a:schemeClr val="accent1"/>
+          </a:effectRef>
+          <a:fontRef idx="minor">
+            <a:schemeClr val="tx1"/>
+          </a:fontRef>
+        </p:style>
+      </p:cxnSp>
+      <p:sp>
+        <p:nvSpPr>
+          <p:cNvPr id="152" name="Rectángulo 151" descr="Nodo de cuarto nivel&#10;"/>
+          <p:cNvSpPr/>
+          <p:nvPr/>
+        </p:nvSpPr>
+        <p:spPr>
+          <a:xfrm>
+            <a:off x="3403461" y="3405855"/>
+            <a:ext cx="1122431" cy="353519"/>
+          </a:xfrm>
+          <a:prstGeom prst="rect">
+            <a:avLst/>
+          </a:prstGeom>
+          <a:solidFill>
+            <a:schemeClr val="bg1"/>
+          </a:solidFill>
+          <a:ln>
+            <a:solidFill>
+              <a:schemeClr val="tx1"/>
+            </a:solidFill>
+          </a:ln>
+        </p:spPr>
+        <p:style>
+          <a:lnRef idx="2">
+            <a:schemeClr val="accent6"/>
+          </a:lnRef>
+          <a:fillRef idx="1">
+            <a:schemeClr val="lt1"/>
+          </a:fillRef>
+          <a:effectRef idx="0">
+            <a:schemeClr val="accent6"/>
+          </a:effectRef>
+          <a:fontRef idx="minor">
+            <a:schemeClr val="dk1"/>
+          </a:fontRef>
+        </p:style>
+        <p:txBody>
+          <a:bodyPr rtlCol="0" anchor="ctr"/>
+          <a:lstStyle/>
+          <a:p>
+            <a:pPr algn="ctr"/>
+            <a:r>
+              <a:rPr lang="es-ES" sz="900" dirty="0">
+                <a:solidFill>
+                  <a:schemeClr val="tx1"/>
+                </a:solidFill>
+                <a:latin typeface="Arial" panose="020B0604020202020204" pitchFamily="34" charset="0"/>
+                <a:cs typeface="Arial" panose="020B0604020202020204" pitchFamily="34" charset="0"/>
+              </a:rPr>
+              <a:t>valores absolutos de los sumandos</a:t>
+            </a:r>
+          </a:p>
+        </p:txBody>
+      </p:sp>
+      <p:sp>
+        <p:nvSpPr>
+          <p:cNvPr id="154" name="CuadroTexto 153" descr="Conector entre nodos"/>
+          <p:cNvSpPr txBox="1"/>
+          <p:nvPr/>
+        </p:nvSpPr>
+        <p:spPr>
+          <a:xfrm>
+            <a:off x="3454301" y="3875261"/>
+            <a:ext cx="1016795" cy="230832"/>
+          </a:xfrm>
+          <a:prstGeom prst="rect">
+            <a:avLst/>
+          </a:prstGeom>
+          <a:noFill/>
+        </p:spPr>
+        <p:txBody>
+          <a:bodyPr wrap="square" rtlCol="0">
+            <a:spAutoFit/>
+          </a:bodyPr>
+          <a:lstStyle/>
+          <a:p>
+            <a:pPr algn="ctr"/>
+            <a:r>
+              <a:rPr lang="es-ES" sz="900" dirty="0">
+                <a:latin typeface="Arial" panose="020B0604020202020204" pitchFamily="34" charset="0"/>
+                <a:cs typeface="Arial" panose="020B0604020202020204" pitchFamily="34" charset="0"/>
+              </a:rPr>
+              <a:t>y la</a:t>
+            </a:r>
+          </a:p>
+        </p:txBody>
+      </p:sp>
+      <p:sp>
+        <p:nvSpPr>
+          <p:cNvPr id="157" name="Rectángulo 156" descr="Nodo de quinto nivel"/>
+          <p:cNvSpPr/>
+          <p:nvPr/>
+        </p:nvSpPr>
+        <p:spPr>
+          <a:xfrm>
+            <a:off x="3403461" y="4182270"/>
+            <a:ext cx="1122431" cy="372711"/>
+          </a:xfrm>
+          <a:prstGeom prst="rect">
+            <a:avLst/>
+          </a:prstGeom>
+          <a:solidFill>
+            <a:schemeClr val="bg1"/>
+          </a:solidFill>
+          <a:ln>
+            <a:solidFill>
+              <a:schemeClr val="tx1"/>
+            </a:solidFill>
+          </a:ln>
+        </p:spPr>
+        <p:style>
+          <a:lnRef idx="2">
+            <a:schemeClr val="accent6"/>
+          </a:lnRef>
+          <a:fillRef idx="1">
+            <a:schemeClr val="lt1"/>
+          </a:fillRef>
+          <a:effectRef idx="0">
+            <a:schemeClr val="accent6"/>
+          </a:effectRef>
+          <a:fontRef idx="minor">
+            <a:schemeClr val="dk1"/>
+          </a:fontRef>
+        </p:style>
+        <p:txBody>
+          <a:bodyPr rtlCol="0" anchor="ctr"/>
+          <a:lstStyle/>
+          <a:p>
+            <a:pPr algn="ctr"/>
+            <a:r>
+              <a:rPr lang="es-ES" sz="900" dirty="0">
+                <a:solidFill>
+                  <a:schemeClr val="tx1"/>
+                </a:solidFill>
+                <a:latin typeface="Arial" panose="020B0604020202020204" pitchFamily="34" charset="0"/>
+                <a:cs typeface="Arial" panose="020B0604020202020204" pitchFamily="34" charset="0"/>
+              </a:rPr>
+              <a:t>suma</a:t>
+            </a:r>
+          </a:p>
+        </p:txBody>
+      </p:sp>
+      <p:cxnSp>
+        <p:nvCxnSpPr>
+          <p:cNvPr id="158" name="Conector angular 157"/>
+          <p:cNvCxnSpPr>
+            <a:stCxn id="152" idx="2"/>
+            <a:endCxn id="154" idx="0"/>
+          </p:cNvCxnSpPr>
+          <p:nvPr/>
+        </p:nvCxnSpPr>
+        <p:spPr>
+          <a:xfrm rot="5400000">
+            <a:off x="3905745" y="3816328"/>
+            <a:ext cx="115887" cy="1978"/>
+          </a:xfrm>
+          <a:prstGeom prst="bentConnector3">
+            <a:avLst>
+              <a:gd name="adj1" fmla="val 50000"/>
+            </a:avLst>
+          </a:prstGeom>
+          <a:ln w="12700">
+            <a:solidFill>
+              <a:schemeClr val="tx1"/>
+            </a:solidFill>
+          </a:ln>
+        </p:spPr>
+        <p:style>
+          <a:lnRef idx="1">
+            <a:schemeClr val="accent1"/>
+          </a:lnRef>
+          <a:fillRef idx="0">
+            <a:schemeClr val="accent1"/>
+          </a:fillRef>
+          <a:effectRef idx="0">
+            <a:schemeClr val="accent1"/>
+          </a:effectRef>
+          <a:fontRef idx="minor">
+            <a:schemeClr val="tx1"/>
+          </a:fontRef>
+        </p:style>
+      </p:cxnSp>
+      <p:cxnSp>
+        <p:nvCxnSpPr>
+          <p:cNvPr id="159" name="Conector angular 158"/>
+          <p:cNvCxnSpPr>
+            <a:stCxn id="154" idx="2"/>
+            <a:endCxn id="157" idx="0"/>
+          </p:cNvCxnSpPr>
+          <p:nvPr/>
+        </p:nvCxnSpPr>
+        <p:spPr>
+          <a:xfrm rot="16200000" flipH="1">
+            <a:off x="3925600" y="4143192"/>
+            <a:ext cx="76177" cy="1978"/>
+          </a:xfrm>
+          <a:prstGeom prst="bentConnector3">
+            <a:avLst>
+              <a:gd name="adj1" fmla="val 50000"/>
+            </a:avLst>
+          </a:prstGeom>
+          <a:ln w="12700">
+            <a:solidFill>
+              <a:schemeClr val="tx1"/>
+            </a:solidFill>
+          </a:ln>
+        </p:spPr>
+        <p:style>
+          <a:lnRef idx="1">
+            <a:schemeClr val="accent1"/>
+          </a:lnRef>
+          <a:fillRef idx="0">
+            <a:schemeClr val="accent1"/>
+          </a:fillRef>
+          <a:effectRef idx="0">
+            <a:schemeClr val="accent1"/>
+          </a:effectRef>
+          <a:fontRef idx="minor">
+            <a:schemeClr val="tx1"/>
+          </a:fontRef>
+        </p:style>
+      </p:cxnSp>
+      <p:cxnSp>
+        <p:nvCxnSpPr>
+          <p:cNvPr id="167" name="Conector angular 166"/>
+          <p:cNvCxnSpPr>
+            <a:stCxn id="75" idx="0"/>
+            <a:endCxn id="72" idx="2"/>
+          </p:cNvCxnSpPr>
+          <p:nvPr/>
+        </p:nvCxnSpPr>
+        <p:spPr>
+          <a:xfrm rot="5400000" flipH="1" flipV="1">
+            <a:off x="1820072" y="3495706"/>
+            <a:ext cx="187060" cy="2348"/>
+          </a:xfrm>
+          <a:prstGeom prst="bentConnector3">
+            <a:avLst>
+              <a:gd name="adj1" fmla="val 50000"/>
+            </a:avLst>
+          </a:prstGeom>
+          <a:ln w="12700">
+            <a:solidFill>
+              <a:schemeClr val="tx1"/>
+            </a:solidFill>
+          </a:ln>
+        </p:spPr>
+        <p:style>
+          <a:lnRef idx="1">
+            <a:schemeClr val="accent1"/>
+          </a:lnRef>
+          <a:fillRef idx="0">
+            <a:schemeClr val="accent1"/>
+          </a:fillRef>
+          <a:effectRef idx="0">
+            <a:schemeClr val="accent1"/>
+          </a:effectRef>
+          <a:fontRef idx="minor">
+            <a:schemeClr val="tx1"/>
+          </a:fontRef>
+        </p:style>
+      </p:cxnSp>
+      <p:cxnSp>
+        <p:nvCxnSpPr>
+          <p:cNvPr id="175" name="Conector angular 174"/>
+          <p:cNvCxnSpPr/>
+          <p:nvPr/>
+        </p:nvCxnSpPr>
+        <p:spPr>
+          <a:xfrm rot="5400000">
+            <a:off x="5132519" y="3039064"/>
+            <a:ext cx="72000" cy="0"/>
+          </a:xfrm>
+          <a:prstGeom prst="bentConnector3">
+            <a:avLst>
+              <a:gd name="adj1" fmla="val 148381"/>
+            </a:avLst>
+          </a:prstGeom>
+          <a:ln w="12700">
+            <a:solidFill>
+              <a:schemeClr val="tx1"/>
+            </a:solidFill>
+          </a:ln>
+        </p:spPr>
+        <p:style>
+          <a:lnRef idx="1">
+            <a:schemeClr val="accent1"/>
+          </a:lnRef>
+          <a:fillRef idx="0">
+            <a:schemeClr val="accent1"/>
+          </a:fillRef>
+          <a:effectRef idx="0">
+            <a:schemeClr val="accent1"/>
+          </a:effectRef>
+          <a:fontRef idx="minor">
+            <a:schemeClr val="tx1"/>
+          </a:fontRef>
+        </p:style>
+      </p:cxnSp>
+      <p:sp>
+        <p:nvSpPr>
+          <p:cNvPr id="176" name="CuadroTexto 175" descr="Conector entre nodos"/>
+          <p:cNvSpPr txBox="1"/>
+          <p:nvPr/>
+        </p:nvSpPr>
+        <p:spPr>
+          <a:xfrm>
+            <a:off x="4610740" y="3113001"/>
+            <a:ext cx="1117174" cy="230832"/>
+          </a:xfrm>
+          <a:prstGeom prst="rect">
+            <a:avLst/>
+          </a:prstGeom>
+          <a:noFill/>
+        </p:spPr>
+        <p:txBody>
+          <a:bodyPr wrap="square" rtlCol="0">
+            <a:spAutoFit/>
+          </a:bodyPr>
+          <a:lstStyle/>
+          <a:p>
+            <a:pPr algn="ctr"/>
+            <a:r>
+              <a:rPr lang="es-ES" sz="900" dirty="0">
+                <a:latin typeface="Arial" panose="020B0604020202020204" pitchFamily="34" charset="0"/>
+                <a:cs typeface="Arial" panose="020B0604020202020204" pitchFamily="34" charset="0"/>
+              </a:rPr>
+              <a:t>se sustraen</a:t>
+            </a:r>
+          </a:p>
+        </p:txBody>
+      </p:sp>
+      <p:cxnSp>
+        <p:nvCxnSpPr>
+          <p:cNvPr id="177" name="Conector angular 176"/>
+          <p:cNvCxnSpPr/>
+          <p:nvPr/>
+        </p:nvCxnSpPr>
+        <p:spPr>
+          <a:xfrm rot="16200000" flipH="1">
+            <a:off x="5115724" y="3419640"/>
+            <a:ext cx="152651" cy="876"/>
+          </a:xfrm>
+          <a:prstGeom prst="bentConnector3">
+            <a:avLst>
+              <a:gd name="adj1" fmla="val -9058"/>
+            </a:avLst>
+          </a:prstGeom>
+          <a:ln w="12700">
+            <a:solidFill>
+              <a:schemeClr val="tx1"/>
+            </a:solidFill>
+          </a:ln>
+        </p:spPr>
+        <p:style>
+          <a:lnRef idx="1">
+            <a:schemeClr val="accent1"/>
+          </a:lnRef>
+          <a:fillRef idx="0">
+            <a:schemeClr val="accent1"/>
+          </a:fillRef>
+          <a:effectRef idx="0">
+            <a:schemeClr val="accent1"/>
+          </a:effectRef>
+          <a:fontRef idx="minor">
+            <a:schemeClr val="tx1"/>
+          </a:fontRef>
+        </p:style>
+      </p:cxnSp>
+      <p:sp>
+        <p:nvSpPr>
+          <p:cNvPr id="179" name="Rectángulo 178" descr="Nodo de cuarto nivel&#10;"/>
+          <p:cNvSpPr/>
+          <p:nvPr/>
+        </p:nvSpPr>
+        <p:spPr>
+          <a:xfrm>
+            <a:off x="4618362" y="3403350"/>
+            <a:ext cx="1122431" cy="353519"/>
+          </a:xfrm>
+          <a:prstGeom prst="rect">
+            <a:avLst/>
+          </a:prstGeom>
+          <a:solidFill>
+            <a:schemeClr val="bg1"/>
+          </a:solidFill>
+          <a:ln>
+            <a:solidFill>
+              <a:schemeClr val="tx1"/>
+            </a:solidFill>
+          </a:ln>
+        </p:spPr>
+        <p:style>
+          <a:lnRef idx="2">
+            <a:schemeClr val="accent6"/>
+          </a:lnRef>
+          <a:fillRef idx="1">
+            <a:schemeClr val="lt1"/>
+          </a:fillRef>
+          <a:effectRef idx="0">
+            <a:schemeClr val="accent6"/>
+          </a:effectRef>
+          <a:fontRef idx="minor">
+            <a:schemeClr val="dk1"/>
+          </a:fontRef>
+        </p:style>
+        <p:txBody>
+          <a:bodyPr rtlCol="0" anchor="ctr"/>
+          <a:lstStyle/>
+          <a:p>
+            <a:pPr algn="ctr"/>
+            <a:r>
+              <a:rPr lang="es-ES" sz="900" dirty="0">
+                <a:solidFill>
+                  <a:schemeClr val="tx1"/>
+                </a:solidFill>
+                <a:latin typeface="Arial" panose="020B0604020202020204" pitchFamily="34" charset="0"/>
+                <a:cs typeface="Arial" panose="020B0604020202020204" pitchFamily="34" charset="0"/>
+              </a:rPr>
+              <a:t>valores absolutos de los sumandos</a:t>
+            </a:r>
+          </a:p>
+        </p:txBody>
+      </p:sp>
+      <p:cxnSp>
+        <p:nvCxnSpPr>
+          <p:cNvPr id="180" name="Conector angular 179"/>
+          <p:cNvCxnSpPr/>
+          <p:nvPr/>
+        </p:nvCxnSpPr>
+        <p:spPr>
+          <a:xfrm rot="5400000">
+            <a:off x="5130371" y="3800706"/>
+            <a:ext cx="72000" cy="0"/>
+          </a:xfrm>
+          <a:prstGeom prst="bentConnector3">
+            <a:avLst>
+              <a:gd name="adj1" fmla="val 148381"/>
+            </a:avLst>
+          </a:prstGeom>
+          <a:ln w="12700">
+            <a:solidFill>
+              <a:schemeClr val="tx1"/>
+            </a:solidFill>
+          </a:ln>
+        </p:spPr>
+        <p:style>
+          <a:lnRef idx="1">
+            <a:schemeClr val="accent1"/>
+          </a:lnRef>
+          <a:fillRef idx="0">
+            <a:schemeClr val="accent1"/>
+          </a:fillRef>
+          <a:effectRef idx="0">
+            <a:schemeClr val="accent1"/>
+          </a:effectRef>
+          <a:fontRef idx="minor">
+            <a:schemeClr val="tx1"/>
+          </a:fontRef>
+        </p:style>
+      </p:cxnSp>
+      <p:sp>
+        <p:nvSpPr>
+          <p:cNvPr id="181" name="CuadroTexto 180" descr="Conector entre nodos"/>
+          <p:cNvSpPr txBox="1"/>
+          <p:nvPr/>
+        </p:nvSpPr>
+        <p:spPr>
+          <a:xfrm>
+            <a:off x="4596222" y="3874731"/>
+            <a:ext cx="1117174" cy="230832"/>
+          </a:xfrm>
+          <a:prstGeom prst="rect">
+            <a:avLst/>
+          </a:prstGeom>
+          <a:noFill/>
+        </p:spPr>
+        <p:txBody>
+          <a:bodyPr wrap="square" rtlCol="0">
+            <a:spAutoFit/>
+          </a:bodyPr>
+          <a:lstStyle/>
+          <a:p>
+            <a:pPr algn="ctr"/>
+            <a:r>
+              <a:rPr lang="es-ES" sz="900" dirty="0">
+                <a:latin typeface="Arial" panose="020B0604020202020204" pitchFamily="34" charset="0"/>
+                <a:cs typeface="Arial" panose="020B0604020202020204" pitchFamily="34" charset="0"/>
+              </a:rPr>
+              <a:t>y la</a:t>
+            </a:r>
+          </a:p>
+        </p:txBody>
+      </p:sp>
+      <p:cxnSp>
+        <p:nvCxnSpPr>
+          <p:cNvPr id="182" name="Conector angular 181"/>
+          <p:cNvCxnSpPr/>
+          <p:nvPr/>
+        </p:nvCxnSpPr>
+        <p:spPr>
+          <a:xfrm rot="5400000">
+            <a:off x="5130371" y="4129531"/>
+            <a:ext cx="72000" cy="0"/>
+          </a:xfrm>
+          <a:prstGeom prst="bentConnector3">
+            <a:avLst>
+              <a:gd name="adj1" fmla="val 148381"/>
+            </a:avLst>
+          </a:prstGeom>
+          <a:ln w="12700">
+            <a:solidFill>
+              <a:schemeClr val="tx1"/>
+            </a:solidFill>
+          </a:ln>
+        </p:spPr>
+        <p:style>
+          <a:lnRef idx="1">
+            <a:schemeClr val="accent1"/>
+          </a:lnRef>
+          <a:fillRef idx="0">
+            <a:schemeClr val="accent1"/>
+          </a:fillRef>
+          <a:effectRef idx="0">
+            <a:schemeClr val="accent1"/>
+          </a:effectRef>
+          <a:fontRef idx="minor">
+            <a:schemeClr val="tx1"/>
+          </a:fontRef>
+        </p:style>
+      </p:cxnSp>
+      <p:sp>
+        <p:nvSpPr>
+          <p:cNvPr id="183" name="Rectángulo 182" descr="Nodo de quinto nivel"/>
+          <p:cNvSpPr/>
+          <p:nvPr/>
+        </p:nvSpPr>
+        <p:spPr>
+          <a:xfrm>
+            <a:off x="4613475" y="4182270"/>
+            <a:ext cx="1127319" cy="370316"/>
+          </a:xfrm>
+          <a:prstGeom prst="rect">
+            <a:avLst/>
+          </a:prstGeom>
+          <a:solidFill>
+            <a:schemeClr val="bg1"/>
+          </a:solidFill>
+          <a:ln>
+            <a:solidFill>
+              <a:schemeClr val="tx1"/>
+            </a:solidFill>
+          </a:ln>
+        </p:spPr>
+        <p:style>
+          <a:lnRef idx="2">
+            <a:schemeClr val="accent6"/>
+          </a:lnRef>
+          <a:fillRef idx="1">
+            <a:schemeClr val="lt1"/>
+          </a:fillRef>
+          <a:effectRef idx="0">
+            <a:schemeClr val="accent6"/>
+          </a:effectRef>
+          <a:fontRef idx="minor">
+            <a:schemeClr val="dk1"/>
+          </a:fontRef>
+        </p:style>
+        <p:txBody>
+          <a:bodyPr rtlCol="0" anchor="ctr"/>
+          <a:lstStyle/>
+          <a:p>
+            <a:pPr algn="ctr"/>
+            <a:r>
+              <a:rPr lang="es-ES" sz="900" dirty="0">
+                <a:solidFill>
+                  <a:schemeClr val="tx1"/>
+                </a:solidFill>
+                <a:latin typeface="Arial" panose="020B0604020202020204" pitchFamily="34" charset="0"/>
+                <a:cs typeface="Arial" panose="020B0604020202020204" pitchFamily="34" charset="0"/>
+              </a:rPr>
+              <a:t>suma</a:t>
+            </a:r>
+          </a:p>
+        </p:txBody>
+      </p:sp>
+      <p:sp>
+        <p:nvSpPr>
+          <p:cNvPr id="184" name="CuadroTexto 183" descr="Conector entre nodos"/>
+          <p:cNvSpPr txBox="1"/>
+          <p:nvPr/>
+        </p:nvSpPr>
+        <p:spPr>
+          <a:xfrm>
+            <a:off x="5869372" y="3111232"/>
+            <a:ext cx="896407" cy="230832"/>
+          </a:xfrm>
+          <a:prstGeom prst="rect">
+            <a:avLst/>
+          </a:prstGeom>
+          <a:noFill/>
+        </p:spPr>
+        <p:txBody>
+          <a:bodyPr wrap="square" rtlCol="0">
+            <a:spAutoFit/>
+          </a:bodyPr>
+          <a:lstStyle/>
+          <a:p>
+            <a:pPr algn="ctr"/>
+            <a:r>
+              <a:rPr lang="es-ES" sz="900" dirty="0">
+                <a:latin typeface="Arial" panose="020B0604020202020204" pitchFamily="34" charset="0"/>
+                <a:cs typeface="Arial" panose="020B0604020202020204" pitchFamily="34" charset="0"/>
+              </a:rPr>
+              <a:t>entre el </a:t>
+            </a:r>
+          </a:p>
+        </p:txBody>
+      </p:sp>
+      <p:cxnSp>
+        <p:nvCxnSpPr>
+          <p:cNvPr id="185" name="Conector angular 184"/>
+          <p:cNvCxnSpPr>
+            <a:stCxn id="184" idx="2"/>
+            <a:endCxn id="187" idx="0"/>
+          </p:cNvCxnSpPr>
+          <p:nvPr/>
+        </p:nvCxnSpPr>
+        <p:spPr>
+          <a:xfrm rot="16200000" flipH="1">
+            <a:off x="6285762" y="3373877"/>
+            <a:ext cx="63919" cy="291"/>
+          </a:xfrm>
+          <a:prstGeom prst="bentConnector3">
+            <a:avLst>
+              <a:gd name="adj1" fmla="val 50000"/>
+            </a:avLst>
+          </a:prstGeom>
+          <a:ln w="12700">
+            <a:solidFill>
+              <a:schemeClr val="tx1"/>
+            </a:solidFill>
+          </a:ln>
+        </p:spPr>
+        <p:style>
+          <a:lnRef idx="1">
+            <a:schemeClr val="accent1"/>
+          </a:lnRef>
+          <a:fillRef idx="0">
+            <a:schemeClr val="accent1"/>
+          </a:fillRef>
+          <a:effectRef idx="0">
+            <a:schemeClr val="accent1"/>
+          </a:effectRef>
+          <a:fontRef idx="minor">
+            <a:schemeClr val="tx1"/>
+          </a:fontRef>
+        </p:style>
+      </p:cxnSp>
+      <p:sp>
+        <p:nvSpPr>
+          <p:cNvPr id="187" name="Rectángulo 186" descr="Nodo de cuarto nivel&#10;"/>
+          <p:cNvSpPr/>
+          <p:nvPr/>
+        </p:nvSpPr>
+        <p:spPr>
+          <a:xfrm>
+            <a:off x="5869953" y="3405983"/>
+            <a:ext cx="895827" cy="353519"/>
+          </a:xfrm>
+          <a:prstGeom prst="rect">
+            <a:avLst/>
+          </a:prstGeom>
+          <a:solidFill>
+            <a:schemeClr val="bg1"/>
+          </a:solidFill>
+          <a:ln>
+            <a:solidFill>
+              <a:schemeClr val="tx1"/>
+            </a:solidFill>
+          </a:ln>
+        </p:spPr>
+        <p:style>
+          <a:lnRef idx="2">
+            <a:schemeClr val="accent6"/>
+          </a:lnRef>
+          <a:fillRef idx="1">
+            <a:schemeClr val="lt1"/>
+          </a:fillRef>
+          <a:effectRef idx="0">
+            <a:schemeClr val="accent6"/>
+          </a:effectRef>
+          <a:fontRef idx="minor">
+            <a:schemeClr val="dk1"/>
+          </a:fontRef>
+        </p:style>
+        <p:txBody>
+          <a:bodyPr rtlCol="0" anchor="ctr"/>
+          <a:lstStyle/>
+          <a:p>
+            <a:pPr algn="ctr"/>
+            <a:r>
+              <a:rPr lang="es-ES" sz="900" dirty="0">
+                <a:solidFill>
+                  <a:schemeClr val="tx1"/>
+                </a:solidFill>
+                <a:latin typeface="Arial" panose="020B0604020202020204" pitchFamily="34" charset="0"/>
+                <a:cs typeface="Arial" panose="020B0604020202020204" pitchFamily="34" charset="0"/>
+              </a:rPr>
+              <a:t>minuendo</a:t>
+            </a:r>
+          </a:p>
+        </p:txBody>
+      </p:sp>
+      <p:cxnSp>
+        <p:nvCxnSpPr>
+          <p:cNvPr id="191" name="Conector angular 190"/>
+          <p:cNvCxnSpPr>
+            <a:stCxn id="187" idx="2"/>
+            <a:endCxn id="195" idx="0"/>
+          </p:cNvCxnSpPr>
+          <p:nvPr/>
+        </p:nvCxnSpPr>
+        <p:spPr>
+          <a:xfrm rot="5400000">
+            <a:off x="6243959" y="3833120"/>
+            <a:ext cx="147527" cy="291"/>
+          </a:xfrm>
+          <a:prstGeom prst="bentConnector3">
+            <a:avLst>
+              <a:gd name="adj1" fmla="val 50000"/>
+            </a:avLst>
+          </a:prstGeom>
+          <a:ln w="12700">
+            <a:solidFill>
+              <a:schemeClr val="tx1"/>
+            </a:solidFill>
+          </a:ln>
+        </p:spPr>
+        <p:style>
+          <a:lnRef idx="1">
+            <a:schemeClr val="accent1"/>
+          </a:lnRef>
+          <a:fillRef idx="0">
+            <a:schemeClr val="accent1"/>
+          </a:fillRef>
+          <a:effectRef idx="0">
+            <a:schemeClr val="accent1"/>
+          </a:effectRef>
+          <a:fontRef idx="minor">
+            <a:schemeClr val="tx1"/>
+          </a:fontRef>
+        </p:style>
+      </p:cxnSp>
+      <p:cxnSp>
+        <p:nvCxnSpPr>
+          <p:cNvPr id="194" name="Conector angular 193"/>
+          <p:cNvCxnSpPr>
+            <a:stCxn id="222" idx="2"/>
+            <a:endCxn id="256" idx="0"/>
+          </p:cNvCxnSpPr>
+          <p:nvPr/>
+        </p:nvCxnSpPr>
+        <p:spPr>
+          <a:xfrm rot="16200000" flipH="1">
+            <a:off x="6227887" y="2546128"/>
+            <a:ext cx="180378" cy="77"/>
+          </a:xfrm>
+          <a:prstGeom prst="bentConnector3">
+            <a:avLst>
+              <a:gd name="adj1" fmla="val 50000"/>
+            </a:avLst>
+          </a:prstGeom>
+          <a:ln w="12700">
+            <a:solidFill>
+              <a:schemeClr val="tx1"/>
+            </a:solidFill>
+          </a:ln>
+        </p:spPr>
+        <p:style>
+          <a:lnRef idx="1">
+            <a:schemeClr val="accent1"/>
+          </a:lnRef>
+          <a:fillRef idx="0">
+            <a:schemeClr val="accent1"/>
+          </a:fillRef>
+          <a:effectRef idx="0">
+            <a:schemeClr val="accent1"/>
+          </a:effectRef>
+          <a:fontRef idx="minor">
+            <a:schemeClr val="tx1"/>
+          </a:fontRef>
+        </p:style>
+      </p:cxnSp>
+      <p:sp>
+        <p:nvSpPr>
+          <p:cNvPr id="195" name="CuadroTexto 194" descr="Conector entre nodos"/>
+          <p:cNvSpPr txBox="1"/>
+          <p:nvPr/>
+        </p:nvSpPr>
+        <p:spPr>
+          <a:xfrm>
+            <a:off x="5869372" y="3907029"/>
+            <a:ext cx="896408" cy="230832"/>
+          </a:xfrm>
+          <a:prstGeom prst="rect">
+            <a:avLst/>
+          </a:prstGeom>
+          <a:noFill/>
+        </p:spPr>
+        <p:txBody>
+          <a:bodyPr wrap="square" rtlCol="0">
+            <a:spAutoFit/>
+          </a:bodyPr>
+          <a:lstStyle/>
+          <a:p>
+            <a:pPr algn="ctr"/>
+            <a:r>
+              <a:rPr lang="es-ES" sz="900" dirty="0">
+                <a:latin typeface="Arial" panose="020B0604020202020204" pitchFamily="34" charset="0"/>
+                <a:cs typeface="Arial" panose="020B0604020202020204" pitchFamily="34" charset="0"/>
+              </a:rPr>
+              <a:t>y el </a:t>
+            </a:r>
+          </a:p>
+        </p:txBody>
+      </p:sp>
+      <p:sp>
+        <p:nvSpPr>
+          <p:cNvPr id="197" name="Rectángulo 196" descr="Nodo de quinto nivel"/>
+          <p:cNvSpPr/>
+          <p:nvPr/>
+        </p:nvSpPr>
+        <p:spPr>
+          <a:xfrm>
+            <a:off x="5869953" y="4203441"/>
+            <a:ext cx="896357" cy="353519"/>
+          </a:xfrm>
+          <a:prstGeom prst="rect">
+            <a:avLst/>
+          </a:prstGeom>
+          <a:solidFill>
+            <a:schemeClr val="bg1"/>
+          </a:solidFill>
+          <a:ln>
+            <a:solidFill>
+              <a:schemeClr val="tx1"/>
+            </a:solidFill>
+          </a:ln>
+        </p:spPr>
+        <p:style>
+          <a:lnRef idx="2">
+            <a:schemeClr val="accent6"/>
+          </a:lnRef>
+          <a:fillRef idx="1">
+            <a:schemeClr val="lt1"/>
+          </a:fillRef>
+          <a:effectRef idx="0">
+            <a:schemeClr val="accent6"/>
+          </a:effectRef>
+          <a:fontRef idx="minor">
+            <a:schemeClr val="dk1"/>
+          </a:fontRef>
+        </p:style>
+        <p:txBody>
+          <a:bodyPr rtlCol="0" anchor="ctr"/>
+          <a:lstStyle/>
+          <a:p>
+            <a:pPr algn="ctr"/>
+            <a:r>
+              <a:rPr lang="es-ES" sz="900" dirty="0">
+                <a:solidFill>
+                  <a:schemeClr val="tx1"/>
+                </a:solidFill>
+                <a:latin typeface="Arial" panose="020B0604020202020204" pitchFamily="34" charset="0"/>
+                <a:cs typeface="Arial" panose="020B0604020202020204" pitchFamily="34" charset="0"/>
+              </a:rPr>
+              <a:t>opuesto del sustraendo</a:t>
+            </a:r>
+          </a:p>
+        </p:txBody>
+      </p:sp>
+      <p:cxnSp>
+        <p:nvCxnSpPr>
+          <p:cNvPr id="198" name="Conector angular 197"/>
+          <p:cNvCxnSpPr>
+            <a:stCxn id="195" idx="2"/>
+            <a:endCxn id="197" idx="0"/>
+          </p:cNvCxnSpPr>
+          <p:nvPr/>
+        </p:nvCxnSpPr>
+        <p:spPr>
+          <a:xfrm rot="16200000" flipH="1">
+            <a:off x="6285064" y="4170373"/>
+            <a:ext cx="65580" cy="556"/>
+          </a:xfrm>
+          <a:prstGeom prst="bentConnector3">
+            <a:avLst>
+              <a:gd name="adj1" fmla="val 50000"/>
+            </a:avLst>
+          </a:prstGeom>
+          <a:ln w="12700">
+            <a:solidFill>
+              <a:schemeClr val="tx1"/>
+            </a:solidFill>
+          </a:ln>
+        </p:spPr>
+        <p:style>
+          <a:lnRef idx="1">
+            <a:schemeClr val="accent1"/>
+          </a:lnRef>
+          <a:fillRef idx="0">
+            <a:schemeClr val="accent1"/>
+          </a:fillRef>
+          <a:effectRef idx="0">
+            <a:schemeClr val="accent1"/>
+          </a:effectRef>
+          <a:fontRef idx="minor">
+            <a:schemeClr val="tx1"/>
+          </a:fontRef>
+        </p:style>
+      </p:cxnSp>
+      <p:cxnSp>
+        <p:nvCxnSpPr>
+          <p:cNvPr id="199" name="Conector angular 198"/>
+          <p:cNvCxnSpPr>
+            <a:stCxn id="280" idx="2"/>
+            <a:endCxn id="200" idx="0"/>
+          </p:cNvCxnSpPr>
+          <p:nvPr/>
+        </p:nvCxnSpPr>
+        <p:spPr>
+          <a:xfrm rot="5400000">
+            <a:off x="7931635" y="2131005"/>
+            <a:ext cx="130076" cy="3175"/>
+          </a:xfrm>
+          <a:prstGeom prst="bentConnector3">
+            <a:avLst>
+              <a:gd name="adj1" fmla="val 50000"/>
+            </a:avLst>
+          </a:prstGeom>
+          <a:ln w="12700">
+            <a:solidFill>
+              <a:schemeClr val="tx1"/>
+            </a:solidFill>
+          </a:ln>
+        </p:spPr>
+        <p:style>
+          <a:lnRef idx="1">
+            <a:schemeClr val="accent1"/>
+          </a:lnRef>
+          <a:fillRef idx="0">
+            <a:schemeClr val="accent1"/>
+          </a:fillRef>
+          <a:effectRef idx="0">
+            <a:schemeClr val="accent1"/>
+          </a:effectRef>
+          <a:fontRef idx="minor">
+            <a:schemeClr val="tx1"/>
+          </a:fontRef>
+        </p:style>
+      </p:cxnSp>
+      <p:sp>
+        <p:nvSpPr>
+          <p:cNvPr id="200" name="CuadroTexto 199" descr="Conector entre nodos"/>
+          <p:cNvSpPr txBox="1"/>
+          <p:nvPr/>
+        </p:nvSpPr>
+        <p:spPr>
+          <a:xfrm>
+            <a:off x="7448180" y="2197630"/>
+            <a:ext cx="1093810" cy="230836"/>
+          </a:xfrm>
+          <a:prstGeom prst="rect">
+            <a:avLst/>
+          </a:prstGeom>
+          <a:noFill/>
+        </p:spPr>
+        <p:txBody>
+          <a:bodyPr wrap="square" rtlCol="0">
+            <a:spAutoFit/>
+          </a:bodyPr>
+          <a:lstStyle/>
+          <a:p>
+            <a:pPr algn="ctr"/>
+            <a:r>
+              <a:rPr lang="es-ES" sz="900" dirty="0">
+                <a:latin typeface="Arial" panose="020B0604020202020204" pitchFamily="34" charset="0"/>
+                <a:cs typeface="Arial" panose="020B0604020202020204" pitchFamily="34" charset="0"/>
+              </a:rPr>
+              <a:t>entre</a:t>
+            </a:r>
+          </a:p>
+        </p:txBody>
+      </p:sp>
+      <p:cxnSp>
+        <p:nvCxnSpPr>
+          <p:cNvPr id="201" name="Conector angular 200"/>
+          <p:cNvCxnSpPr>
+            <a:stCxn id="200" idx="2"/>
+            <a:endCxn id="203" idx="0"/>
+          </p:cNvCxnSpPr>
+          <p:nvPr/>
+        </p:nvCxnSpPr>
+        <p:spPr>
+          <a:xfrm rot="5400000">
+            <a:off x="7618814" y="2266521"/>
+            <a:ext cx="214327" cy="538216"/>
+          </a:xfrm>
+          <a:prstGeom prst="bentConnector3">
+            <a:avLst>
+              <a:gd name="adj1" fmla="val 50000"/>
+            </a:avLst>
+          </a:prstGeom>
+          <a:ln w="12700">
+            <a:solidFill>
+              <a:schemeClr val="tx1"/>
+            </a:solidFill>
+          </a:ln>
+        </p:spPr>
+        <p:style>
+          <a:lnRef idx="1">
+            <a:schemeClr val="accent1"/>
+          </a:lnRef>
+          <a:fillRef idx="0">
+            <a:schemeClr val="accent1"/>
+          </a:fillRef>
+          <a:effectRef idx="0">
+            <a:schemeClr val="accent1"/>
+          </a:effectRef>
+          <a:fontRef idx="minor">
+            <a:schemeClr val="tx1"/>
+          </a:fontRef>
+        </p:style>
+      </p:cxnSp>
+      <p:cxnSp>
+        <p:nvCxnSpPr>
+          <p:cNvPr id="202" name="Conector angular 201"/>
+          <p:cNvCxnSpPr>
+            <a:stCxn id="200" idx="2"/>
+            <a:endCxn id="207" idx="0"/>
+          </p:cNvCxnSpPr>
+          <p:nvPr/>
+        </p:nvCxnSpPr>
+        <p:spPr>
+          <a:xfrm rot="16200000" flipH="1">
+            <a:off x="8162095" y="2261456"/>
+            <a:ext cx="216257" cy="550276"/>
+          </a:xfrm>
+          <a:prstGeom prst="bentConnector3">
+            <a:avLst>
+              <a:gd name="adj1" fmla="val 50000"/>
+            </a:avLst>
+          </a:prstGeom>
+          <a:ln w="12700">
+            <a:solidFill>
+              <a:schemeClr val="tx1"/>
+            </a:solidFill>
+          </a:ln>
+        </p:spPr>
+        <p:style>
+          <a:lnRef idx="1">
+            <a:schemeClr val="accent1"/>
+          </a:lnRef>
+          <a:fillRef idx="0">
+            <a:schemeClr val="accent1"/>
+          </a:fillRef>
+          <a:effectRef idx="0">
+            <a:schemeClr val="accent1"/>
+          </a:effectRef>
+          <a:fontRef idx="minor">
+            <a:schemeClr val="tx1"/>
+          </a:fontRef>
+        </p:style>
+      </p:cxnSp>
+      <p:sp>
+        <p:nvSpPr>
+          <p:cNvPr id="203" name="Rectángulo 202" descr="Nodo de tercer nivel"/>
+          <p:cNvSpPr/>
+          <p:nvPr/>
+        </p:nvSpPr>
+        <p:spPr>
+          <a:xfrm>
+            <a:off x="6956195" y="2642793"/>
+            <a:ext cx="1001348" cy="343441"/>
+          </a:xfrm>
+          <a:prstGeom prst="rect">
+            <a:avLst/>
+          </a:prstGeom>
+          <a:solidFill>
+            <a:schemeClr val="bg2">
+              <a:lumMod val="90000"/>
+            </a:schemeClr>
+          </a:solidFill>
+          <a:ln>
+            <a:solidFill>
+              <a:schemeClr val="tx1"/>
+            </a:solidFill>
+          </a:ln>
+        </p:spPr>
+        <p:style>
+          <a:lnRef idx="2">
+            <a:schemeClr val="accent6"/>
+          </a:lnRef>
+          <a:fillRef idx="1">
+            <a:schemeClr val="lt1"/>
+          </a:fillRef>
+          <a:effectRef idx="0">
+            <a:schemeClr val="accent6"/>
+          </a:effectRef>
+          <a:fontRef idx="minor">
+            <a:schemeClr val="dk1"/>
+          </a:fontRef>
+        </p:style>
+        <p:txBody>
+          <a:bodyPr rtlCol="0" anchor="ctr"/>
+          <a:lstStyle/>
+          <a:p>
+            <a:pPr algn="ctr"/>
+            <a:r>
+              <a:rPr lang="es-ES" sz="900" dirty="0">
+                <a:solidFill>
+                  <a:schemeClr val="tx1"/>
+                </a:solidFill>
+                <a:latin typeface="Arial" panose="020B0604020202020204" pitchFamily="34" charset="0"/>
+                <a:cs typeface="Arial" panose="020B0604020202020204" pitchFamily="34" charset="0"/>
+              </a:rPr>
+              <a:t>números del mismo signo</a:t>
+            </a:r>
+          </a:p>
+        </p:txBody>
+      </p:sp>
+      <p:sp>
+        <p:nvSpPr>
+          <p:cNvPr id="207" name="Rectángulo 206" descr="Nodo de tercer nivel"/>
+          <p:cNvSpPr/>
+          <p:nvPr/>
+        </p:nvSpPr>
+        <p:spPr>
+          <a:xfrm>
+            <a:off x="8035165" y="2644723"/>
+            <a:ext cx="1020392" cy="343441"/>
+          </a:xfrm>
+          <a:prstGeom prst="rect">
+            <a:avLst/>
+          </a:prstGeom>
+          <a:solidFill>
+            <a:schemeClr val="bg2">
+              <a:lumMod val="90000"/>
+            </a:schemeClr>
+          </a:solidFill>
+          <a:ln>
+            <a:solidFill>
+              <a:schemeClr val="tx1"/>
+            </a:solidFill>
+          </a:ln>
+        </p:spPr>
+        <p:style>
+          <a:lnRef idx="2">
+            <a:schemeClr val="accent6"/>
+          </a:lnRef>
+          <a:fillRef idx="1">
+            <a:schemeClr val="lt1"/>
+          </a:fillRef>
+          <a:effectRef idx="0">
+            <a:schemeClr val="accent6"/>
+          </a:effectRef>
+          <a:fontRef idx="minor">
+            <a:schemeClr val="dk1"/>
+          </a:fontRef>
+        </p:style>
+        <p:txBody>
+          <a:bodyPr rtlCol="0" anchor="ctr"/>
+          <a:lstStyle/>
+          <a:p>
+            <a:pPr algn="ctr"/>
+            <a:r>
+              <a:rPr lang="es-ES" sz="900" dirty="0">
+                <a:solidFill>
+                  <a:schemeClr val="tx1"/>
+                </a:solidFill>
+                <a:latin typeface="Arial" panose="020B0604020202020204" pitchFamily="34" charset="0"/>
+                <a:cs typeface="Arial" panose="020B0604020202020204" pitchFamily="34" charset="0"/>
+              </a:rPr>
+              <a:t>números de diferente signo</a:t>
+            </a:r>
+          </a:p>
+        </p:txBody>
+      </p:sp>
+      <p:cxnSp>
+        <p:nvCxnSpPr>
+          <p:cNvPr id="208" name="Conector angular 207"/>
+          <p:cNvCxnSpPr>
+            <a:stCxn id="203" idx="2"/>
+            <a:endCxn id="209" idx="0"/>
+          </p:cNvCxnSpPr>
+          <p:nvPr/>
+        </p:nvCxnSpPr>
+        <p:spPr>
+          <a:xfrm rot="5400000">
+            <a:off x="7408269" y="3032496"/>
+            <a:ext cx="94862" cy="2339"/>
+          </a:xfrm>
+          <a:prstGeom prst="bentConnector3">
+            <a:avLst>
+              <a:gd name="adj1" fmla="val 50000"/>
+            </a:avLst>
+          </a:prstGeom>
+          <a:ln w="12700">
+            <a:solidFill>
+              <a:schemeClr val="tx1"/>
+            </a:solidFill>
+          </a:ln>
+        </p:spPr>
+        <p:style>
+          <a:lnRef idx="1">
+            <a:schemeClr val="accent1"/>
+          </a:lnRef>
+          <a:fillRef idx="0">
+            <a:schemeClr val="accent1"/>
+          </a:fillRef>
+          <a:effectRef idx="0">
+            <a:schemeClr val="accent1"/>
+          </a:effectRef>
+          <a:fontRef idx="minor">
+            <a:schemeClr val="tx1"/>
+          </a:fontRef>
+        </p:style>
+      </p:cxnSp>
+      <p:sp>
+        <p:nvSpPr>
+          <p:cNvPr id="209" name="CuadroTexto 208" descr="Conector entre nodos"/>
+          <p:cNvSpPr txBox="1"/>
+          <p:nvPr/>
+        </p:nvSpPr>
+        <p:spPr>
+          <a:xfrm>
+            <a:off x="6956195" y="3081096"/>
+            <a:ext cx="996669" cy="209847"/>
+          </a:xfrm>
+          <a:prstGeom prst="rect">
+            <a:avLst/>
+          </a:prstGeom>
+          <a:noFill/>
+        </p:spPr>
+        <p:txBody>
+          <a:bodyPr wrap="square" rtlCol="0">
+            <a:spAutoFit/>
+          </a:bodyPr>
+          <a:lstStyle/>
+          <a:p>
+            <a:pPr algn="ctr"/>
+            <a:r>
+              <a:rPr lang="es-ES" sz="900" dirty="0">
+                <a:latin typeface="Arial" panose="020B0604020202020204" pitchFamily="34" charset="0"/>
+                <a:cs typeface="Arial" panose="020B0604020202020204" pitchFamily="34" charset="0"/>
+              </a:rPr>
+              <a:t>el</a:t>
+            </a:r>
+          </a:p>
+        </p:txBody>
+      </p:sp>
+      <p:sp>
+        <p:nvSpPr>
+          <p:cNvPr id="213" name="CuadroTexto 212" descr="Conector entre nodos"/>
+          <p:cNvSpPr txBox="1"/>
+          <p:nvPr/>
+        </p:nvSpPr>
+        <p:spPr>
+          <a:xfrm>
+            <a:off x="8030666" y="3087580"/>
+            <a:ext cx="1024890" cy="190770"/>
+          </a:xfrm>
+          <a:prstGeom prst="rect">
+            <a:avLst/>
+          </a:prstGeom>
+          <a:noFill/>
+        </p:spPr>
+        <p:txBody>
+          <a:bodyPr wrap="square" rtlCol="0">
+            <a:spAutoFit/>
+          </a:bodyPr>
+          <a:lstStyle/>
+          <a:p>
+            <a:pPr algn="ctr"/>
+            <a:r>
+              <a:rPr lang="es-ES" sz="900" dirty="0">
+                <a:latin typeface="Arial" panose="020B0604020202020204" pitchFamily="34" charset="0"/>
+                <a:cs typeface="Arial" panose="020B0604020202020204" pitchFamily="34" charset="0"/>
+              </a:rPr>
+              <a:t>el</a:t>
+            </a:r>
+          </a:p>
+        </p:txBody>
+      </p:sp>
+      <p:cxnSp>
+        <p:nvCxnSpPr>
+          <p:cNvPr id="214" name="Conector angular 213"/>
+          <p:cNvCxnSpPr>
+            <a:stCxn id="207" idx="2"/>
+            <a:endCxn id="213" idx="0"/>
+          </p:cNvCxnSpPr>
+          <p:nvPr/>
+        </p:nvCxnSpPr>
+        <p:spPr>
+          <a:xfrm rot="5400000">
+            <a:off x="8494528" y="3036747"/>
+            <a:ext cx="99416" cy="2250"/>
+          </a:xfrm>
+          <a:prstGeom prst="bentConnector3">
+            <a:avLst>
+              <a:gd name="adj1" fmla="val 50000"/>
+            </a:avLst>
+          </a:prstGeom>
+          <a:ln w="12700">
+            <a:solidFill>
+              <a:schemeClr val="tx1"/>
+            </a:solidFill>
+          </a:ln>
+        </p:spPr>
+        <p:style>
+          <a:lnRef idx="1">
+            <a:schemeClr val="accent1"/>
+          </a:lnRef>
+          <a:fillRef idx="0">
+            <a:schemeClr val="accent1"/>
+          </a:fillRef>
+          <a:effectRef idx="0">
+            <a:schemeClr val="accent1"/>
+          </a:effectRef>
+          <a:fontRef idx="minor">
+            <a:schemeClr val="tx1"/>
+          </a:fontRef>
+        </p:style>
+      </p:cxnSp>
+      <p:sp>
+        <p:nvSpPr>
+          <p:cNvPr id="215" name="CuadroTexto 214" descr="Conector entre nodos"/>
+          <p:cNvSpPr txBox="1"/>
+          <p:nvPr/>
+        </p:nvSpPr>
+        <p:spPr>
+          <a:xfrm>
+            <a:off x="6956195" y="3890119"/>
+            <a:ext cx="996670" cy="230832"/>
+          </a:xfrm>
+          <a:prstGeom prst="rect">
+            <a:avLst/>
+          </a:prstGeom>
+          <a:noFill/>
+        </p:spPr>
+        <p:txBody>
+          <a:bodyPr wrap="square" rtlCol="0">
+            <a:spAutoFit/>
+          </a:bodyPr>
+          <a:lstStyle/>
+          <a:p>
+            <a:pPr algn="ctr"/>
+            <a:r>
+              <a:rPr lang="es-ES" sz="900" dirty="0">
+                <a:latin typeface="Arial" panose="020B0604020202020204" pitchFamily="34" charset="0"/>
+                <a:cs typeface="Arial" panose="020B0604020202020204" pitchFamily="34" charset="0"/>
+              </a:rPr>
+              <a:t>es un</a:t>
+            </a:r>
+          </a:p>
+        </p:txBody>
+      </p:sp>
+      <p:sp>
+        <p:nvSpPr>
+          <p:cNvPr id="241" name="Rectángulo 240" descr="Nodo de cuarto nivel&#10;"/>
+          <p:cNvSpPr/>
+          <p:nvPr/>
+        </p:nvSpPr>
+        <p:spPr>
+          <a:xfrm>
+            <a:off x="6956195" y="3403350"/>
+            <a:ext cx="1001348" cy="353519"/>
+          </a:xfrm>
+          <a:prstGeom prst="rect">
+            <a:avLst/>
+          </a:prstGeom>
+          <a:solidFill>
+            <a:schemeClr val="bg1"/>
+          </a:solidFill>
+          <a:ln>
+            <a:solidFill>
+              <a:schemeClr val="tx1"/>
+            </a:solidFill>
+          </a:ln>
+        </p:spPr>
+        <p:style>
+          <a:lnRef idx="2">
+            <a:schemeClr val="accent6"/>
+          </a:lnRef>
+          <a:fillRef idx="1">
+            <a:schemeClr val="lt1"/>
+          </a:fillRef>
+          <a:effectRef idx="0">
+            <a:schemeClr val="accent6"/>
+          </a:effectRef>
+          <a:fontRef idx="minor">
+            <a:schemeClr val="dk1"/>
+          </a:fontRef>
+        </p:style>
+        <p:txBody>
+          <a:bodyPr rtlCol="0" anchor="ctr"/>
+          <a:lstStyle/>
+          <a:p>
+            <a:pPr algn="ctr"/>
+            <a:r>
+              <a:rPr lang="es-ES" sz="900" dirty="0">
+                <a:solidFill>
+                  <a:schemeClr val="tx1"/>
+                </a:solidFill>
+                <a:latin typeface="Arial" panose="020B0604020202020204" pitchFamily="34" charset="0"/>
+                <a:cs typeface="Arial" panose="020B0604020202020204" pitchFamily="34" charset="0"/>
+              </a:rPr>
+              <a:t>resultado</a:t>
+            </a:r>
+          </a:p>
+        </p:txBody>
+      </p:sp>
+      <p:sp>
+        <p:nvSpPr>
+          <p:cNvPr id="242" name="Rectángulo 241" descr="Nodo de quinto nivel"/>
+          <p:cNvSpPr/>
+          <p:nvPr/>
+        </p:nvSpPr>
+        <p:spPr>
+          <a:xfrm>
+            <a:off x="6956195" y="4203316"/>
+            <a:ext cx="996670" cy="353519"/>
+          </a:xfrm>
+          <a:prstGeom prst="rect">
+            <a:avLst/>
+          </a:prstGeom>
+          <a:solidFill>
+            <a:schemeClr val="bg1"/>
+          </a:solidFill>
+          <a:ln>
+            <a:solidFill>
+              <a:schemeClr val="tx1"/>
+            </a:solidFill>
+          </a:ln>
+        </p:spPr>
+        <p:style>
+          <a:lnRef idx="2">
+            <a:schemeClr val="accent6"/>
+          </a:lnRef>
+          <a:fillRef idx="1">
+            <a:schemeClr val="lt1"/>
+          </a:fillRef>
+          <a:effectRef idx="0">
+            <a:schemeClr val="accent6"/>
+          </a:effectRef>
+          <a:fontRef idx="minor">
+            <a:schemeClr val="dk1"/>
+          </a:fontRef>
+        </p:style>
+        <p:txBody>
+          <a:bodyPr rtlCol="0" anchor="ctr"/>
+          <a:lstStyle/>
+          <a:p>
+            <a:pPr algn="ctr"/>
+            <a:r>
+              <a:rPr lang="es-ES" sz="900" dirty="0">
+                <a:solidFill>
+                  <a:schemeClr val="tx1"/>
+                </a:solidFill>
+                <a:latin typeface="Arial" panose="020B0604020202020204" pitchFamily="34" charset="0"/>
+                <a:cs typeface="Arial" panose="020B0604020202020204" pitchFamily="34" charset="0"/>
+              </a:rPr>
+              <a:t>número entero positivo</a:t>
+            </a:r>
+          </a:p>
+        </p:txBody>
+      </p:sp>
+      <p:sp>
+        <p:nvSpPr>
+          <p:cNvPr id="246" name="Rectángulo 245" descr="Nodo de cuarto nivel&#10;"/>
+          <p:cNvSpPr/>
+          <p:nvPr/>
+        </p:nvSpPr>
+        <p:spPr>
+          <a:xfrm>
+            <a:off x="8035164" y="3403349"/>
+            <a:ext cx="1020393" cy="353519"/>
+          </a:xfrm>
+          <a:prstGeom prst="rect">
+            <a:avLst/>
+          </a:prstGeom>
+          <a:solidFill>
+            <a:schemeClr val="bg1"/>
+          </a:solidFill>
+          <a:ln>
+            <a:solidFill>
+              <a:schemeClr val="tx1"/>
+            </a:solidFill>
+          </a:ln>
+        </p:spPr>
+        <p:style>
+          <a:lnRef idx="2">
+            <a:schemeClr val="accent6"/>
+          </a:lnRef>
+          <a:fillRef idx="1">
+            <a:schemeClr val="lt1"/>
+          </a:fillRef>
+          <a:effectRef idx="0">
+            <a:schemeClr val="accent6"/>
+          </a:effectRef>
+          <a:fontRef idx="minor">
+            <a:schemeClr val="dk1"/>
+          </a:fontRef>
+        </p:style>
+        <p:txBody>
+          <a:bodyPr rtlCol="0" anchor="ctr"/>
+          <a:lstStyle/>
+          <a:p>
+            <a:pPr algn="ctr"/>
+            <a:r>
+              <a:rPr lang="es-ES" sz="900" dirty="0">
+                <a:solidFill>
+                  <a:schemeClr val="tx1"/>
+                </a:solidFill>
+                <a:latin typeface="Arial" panose="020B0604020202020204" pitchFamily="34" charset="0"/>
+                <a:cs typeface="Arial" panose="020B0604020202020204" pitchFamily="34" charset="0"/>
+              </a:rPr>
+              <a:t>resultado</a:t>
+            </a:r>
+          </a:p>
+        </p:txBody>
+      </p:sp>
+      <p:sp>
+        <p:nvSpPr>
+          <p:cNvPr id="247" name="CuadroTexto 246" descr="Conector entre nodos"/>
+          <p:cNvSpPr txBox="1"/>
+          <p:nvPr/>
+        </p:nvSpPr>
+        <p:spPr>
+          <a:xfrm>
+            <a:off x="8035163" y="3894520"/>
+            <a:ext cx="1020393" cy="190770"/>
+          </a:xfrm>
+          <a:prstGeom prst="rect">
+            <a:avLst/>
+          </a:prstGeom>
+          <a:noFill/>
+        </p:spPr>
+        <p:txBody>
+          <a:bodyPr wrap="square" rtlCol="0">
+            <a:spAutoFit/>
+          </a:bodyPr>
+          <a:lstStyle/>
+          <a:p>
+            <a:pPr algn="ctr"/>
+            <a:r>
+              <a:rPr lang="es-ES" sz="900" dirty="0">
+                <a:latin typeface="Arial" panose="020B0604020202020204" pitchFamily="34" charset="0"/>
+                <a:cs typeface="Arial" panose="020B0604020202020204" pitchFamily="34" charset="0"/>
+              </a:rPr>
+              <a:t>es un</a:t>
+            </a:r>
+          </a:p>
+        </p:txBody>
+      </p:sp>
+      <p:sp>
+        <p:nvSpPr>
+          <p:cNvPr id="250" name="Rectángulo 249" descr="Nodo de quinto nivel"/>
+          <p:cNvSpPr/>
+          <p:nvPr/>
+        </p:nvSpPr>
+        <p:spPr>
+          <a:xfrm>
+            <a:off x="8030666" y="4201462"/>
+            <a:ext cx="1024891" cy="353519"/>
+          </a:xfrm>
+          <a:prstGeom prst="rect">
+            <a:avLst/>
+          </a:prstGeom>
+          <a:solidFill>
+            <a:schemeClr val="bg1"/>
           </a:solidFill>
           <a:ln>
             <a:solidFill>
@@ -2629,43 +4200,44 @@
               <a:t>n</a:t>
             </a:r>
             <a:r>
-              <a:rPr lang="es-ES" sz="900" dirty="0" smtClean="0">
+              <a:rPr lang="es-ES" sz="900">
                 <a:solidFill>
                   <a:schemeClr val="tx1"/>
                 </a:solidFill>
                 <a:latin typeface="Arial" panose="020B0604020202020204" pitchFamily="34" charset="0"/>
                 <a:cs typeface="Arial" panose="020B0604020202020204" pitchFamily="34" charset="0"/>
               </a:rPr>
-              <a:t>úmeros del mismo signo</a:t>
+              <a:t>úmero </a:t>
             </a:r>
-            <a:endParaRPr lang="es-ES" sz="900" dirty="0">
-              <a:solidFill>
-                <a:schemeClr val="tx1"/>
-              </a:solidFill>
-              <a:latin typeface="Arial" panose="020B0604020202020204" pitchFamily="34" charset="0"/>
-              <a:cs typeface="Arial" panose="020B0604020202020204" pitchFamily="34" charset="0"/>
-            </a:endParaRPr>
+            <a:r>
+              <a:rPr lang="es-ES" sz="900" dirty="0">
+                <a:solidFill>
+                  <a:schemeClr val="tx1"/>
+                </a:solidFill>
+                <a:latin typeface="Arial" panose="020B0604020202020204" pitchFamily="34" charset="0"/>
+                <a:cs typeface="Arial" panose="020B0604020202020204" pitchFamily="34" charset="0"/>
+              </a:rPr>
+              <a:t>entero negativo</a:t>
+            </a:r>
           </a:p>
         </p:txBody>
       </p:sp>
       <p:sp>
         <p:nvSpPr>
-          <p:cNvPr id="146" name="Rectángulo 145" descr="Nodo de tercer nivel"/>
+          <p:cNvPr id="252" name="Rectángulo 251" descr="Nodo de quinto nivel"/>
           <p:cNvSpPr/>
           <p:nvPr/>
         </p:nvSpPr>
         <p:spPr>
           <a:xfrm>
-            <a:off x="4210988" y="2486855"/>
-            <a:ext cx="1122431" cy="343441"/>
+            <a:off x="3403461" y="5044147"/>
+            <a:ext cx="1122431" cy="427450"/>
           </a:xfrm>
           <a:prstGeom prst="rect">
             <a:avLst/>
           </a:prstGeom>
           <a:solidFill>
-            <a:schemeClr val="bg2">
-              <a:lumMod val="90000"/>
-            </a:schemeClr>
+            <a:schemeClr val="bg1"/>
           </a:solidFill>
           <a:ln>
             <a:solidFill>
@@ -2700,75 +4272,21 @@
                 <a:latin typeface="Arial" panose="020B0604020202020204" pitchFamily="34" charset="0"/>
                 <a:cs typeface="Arial" panose="020B0604020202020204" pitchFamily="34" charset="0"/>
               </a:rPr>
-              <a:t>n</a:t>
+              <a:t>signo de los sumandos</a:t>
             </a:r>
-            <a:r>
-              <a:rPr lang="es-ES" sz="900" dirty="0" smtClean="0">
-                <a:solidFill>
-                  <a:schemeClr val="tx1"/>
-                </a:solidFill>
-                <a:latin typeface="Arial" panose="020B0604020202020204" pitchFamily="34" charset="0"/>
-                <a:cs typeface="Arial" panose="020B0604020202020204" pitchFamily="34" charset="0"/>
-              </a:rPr>
-              <a:t>úmeros de diferente signo</a:t>
-            </a:r>
-            <a:endParaRPr lang="es-ES" sz="900" dirty="0">
-              <a:solidFill>
-                <a:schemeClr val="tx1"/>
-              </a:solidFill>
-              <a:latin typeface="Arial" panose="020B0604020202020204" pitchFamily="34" charset="0"/>
-              <a:cs typeface="Arial" panose="020B0604020202020204" pitchFamily="34" charset="0"/>
-            </a:endParaRPr>
           </a:p>
         </p:txBody>
       </p:sp>
-      <p:cxnSp>
-        <p:nvCxnSpPr>
-          <p:cNvPr id="147" name="Conector angular 146"/>
-          <p:cNvCxnSpPr/>
-          <p:nvPr/>
-        </p:nvCxnSpPr>
-        <p:spPr>
-          <a:xfrm rot="5400000">
-            <a:off x="3513615" y="2868884"/>
-            <a:ext cx="72000" cy="0"/>
-          </a:xfrm>
-          <a:prstGeom prst="bentConnector3">
-            <a:avLst>
-              <a:gd name="adj1" fmla="val 148381"/>
-            </a:avLst>
-          </a:prstGeom>
-          <a:ln w="12700">
-            <a:solidFill>
-              <a:schemeClr val="tx1"/>
-            </a:solidFill>
-          </a:ln>
-        </p:spPr>
-        <p:style>
-          <a:lnRef idx="1">
-            <a:schemeClr val="accent1"/>
-          </a:lnRef>
-          <a:fillRef idx="0">
-            <a:schemeClr val="accent1"/>
-          </a:fillRef>
-          <a:effectRef idx="0">
-            <a:schemeClr val="accent1"/>
-          </a:effectRef>
-          <a:fontRef idx="minor">
-            <a:schemeClr val="tx1"/>
-          </a:fontRef>
-        </p:style>
-      </p:cxnSp>
       <p:sp>
         <p:nvSpPr>
-          <p:cNvPr id="149" name="CuadroTexto 148" descr="Conector entre nodos"/>
+          <p:cNvPr id="255" name="CuadroTexto 254" descr="Conector entre nodos"/>
           <p:cNvSpPr txBox="1"/>
           <p:nvPr/>
         </p:nvSpPr>
         <p:spPr>
           <a:xfrm>
-            <a:off x="3016024" y="2944654"/>
-            <a:ext cx="1117174" cy="230832"/>
+            <a:off x="3403461" y="4681029"/>
+            <a:ext cx="1122430" cy="230832"/>
           </a:xfrm>
           <a:prstGeom prst="rect">
             <a:avLst/>
@@ -2787,459 +4305,21 @@
                 <a:latin typeface="Arial" panose="020B0604020202020204" pitchFamily="34" charset="0"/>
                 <a:cs typeface="Arial" panose="020B0604020202020204" pitchFamily="34" charset="0"/>
               </a:rPr>
-              <a:t>s</a:t>
+              <a:t>queda con el</a:t>
             </a:r>
-            <a:r>
-              <a:rPr lang="es-ES" sz="900" dirty="0" smtClean="0">
-                <a:latin typeface="Arial" panose="020B0604020202020204" pitchFamily="34" charset="0"/>
-                <a:cs typeface="Arial" panose="020B0604020202020204" pitchFamily="34" charset="0"/>
-              </a:rPr>
-              <a:t>e adicionan</a:t>
-            </a:r>
-            <a:endParaRPr lang="es-ES" sz="900" dirty="0">
-              <a:latin typeface="Arial" panose="020B0604020202020204" pitchFamily="34" charset="0"/>
-              <a:cs typeface="Arial" panose="020B0604020202020204" pitchFamily="34" charset="0"/>
-            </a:endParaRPr>
-          </a:p>
-        </p:txBody>
-      </p:sp>
-      <p:cxnSp>
-        <p:nvCxnSpPr>
-          <p:cNvPr id="150" name="Conector angular 149"/>
-          <p:cNvCxnSpPr/>
-          <p:nvPr/>
-        </p:nvCxnSpPr>
-        <p:spPr>
-          <a:xfrm rot="16200000" flipH="1">
-            <a:off x="3472852" y="3249460"/>
-            <a:ext cx="152651" cy="876"/>
-          </a:xfrm>
-          <a:prstGeom prst="bentConnector3">
-            <a:avLst>
-              <a:gd name="adj1" fmla="val 50000"/>
-            </a:avLst>
-          </a:prstGeom>
-          <a:ln w="12700">
-            <a:solidFill>
-              <a:schemeClr val="tx1"/>
-            </a:solidFill>
-          </a:ln>
-        </p:spPr>
-        <p:style>
-          <a:lnRef idx="1">
-            <a:schemeClr val="accent1"/>
-          </a:lnRef>
-          <a:fillRef idx="0">
-            <a:schemeClr val="accent1"/>
-          </a:fillRef>
-          <a:effectRef idx="0">
-            <a:schemeClr val="accent1"/>
-          </a:effectRef>
-          <a:fontRef idx="minor">
-            <a:schemeClr val="tx1"/>
-          </a:fontRef>
-        </p:style>
-      </p:cxnSp>
-      <p:sp>
-        <p:nvSpPr>
-          <p:cNvPr id="152" name="Rectángulo 151" descr="Nodo de cuarto nivel&#10;"/>
-          <p:cNvSpPr/>
-          <p:nvPr/>
-        </p:nvSpPr>
-        <p:spPr>
-          <a:xfrm>
-            <a:off x="2995029" y="3261075"/>
-            <a:ext cx="1122431" cy="353519"/>
-          </a:xfrm>
-          <a:prstGeom prst="rect">
-            <a:avLst/>
-          </a:prstGeom>
-          <a:solidFill>
-            <a:schemeClr val="bg1"/>
-          </a:solidFill>
-          <a:ln>
-            <a:solidFill>
-              <a:schemeClr val="tx1"/>
-            </a:solidFill>
-          </a:ln>
-        </p:spPr>
-        <p:style>
-          <a:lnRef idx="2">
-            <a:schemeClr val="accent6"/>
-          </a:lnRef>
-          <a:fillRef idx="1">
-            <a:schemeClr val="lt1"/>
-          </a:fillRef>
-          <a:effectRef idx="0">
-            <a:schemeClr val="accent6"/>
-          </a:effectRef>
-          <a:fontRef idx="minor">
-            <a:schemeClr val="dk1"/>
-          </a:fontRef>
-        </p:style>
-        <p:txBody>
-          <a:bodyPr rtlCol="0" anchor="ctr"/>
-          <a:lstStyle/>
-          <a:p>
-            <a:pPr algn="ctr"/>
-            <a:r>
-              <a:rPr lang="es-ES" sz="900" dirty="0" smtClean="0">
-                <a:solidFill>
-                  <a:schemeClr val="tx1"/>
-                </a:solidFill>
-                <a:latin typeface="Arial" panose="020B0604020202020204" pitchFamily="34" charset="0"/>
-                <a:cs typeface="Arial" panose="020B0604020202020204" pitchFamily="34" charset="0"/>
-              </a:rPr>
-              <a:t>valores absolutos de los sumandos</a:t>
-            </a:r>
-            <a:endParaRPr lang="es-ES" sz="900" dirty="0">
-              <a:solidFill>
-                <a:schemeClr val="tx1"/>
-              </a:solidFill>
-              <a:latin typeface="Arial" panose="020B0604020202020204" pitchFamily="34" charset="0"/>
-              <a:cs typeface="Arial" panose="020B0604020202020204" pitchFamily="34" charset="0"/>
-            </a:endParaRPr>
           </a:p>
         </p:txBody>
       </p:sp>
       <p:sp>
         <p:nvSpPr>
-          <p:cNvPr id="154" name="CuadroTexto 153" descr="Conector entre nodos"/>
-          <p:cNvSpPr txBox="1"/>
+          <p:cNvPr id="276" name="Rectángulo 275" descr="Nodo de quinto nivel"/>
+          <p:cNvSpPr/>
           <p:nvPr/>
         </p:nvSpPr>
         <p:spPr>
           <a:xfrm>
-            <a:off x="3027822" y="3730481"/>
-            <a:ext cx="1117174" cy="230832"/>
-          </a:xfrm>
-          <a:prstGeom prst="rect">
-            <a:avLst/>
-          </a:prstGeom>
-          <a:noFill/>
-        </p:spPr>
-        <p:txBody>
-          <a:bodyPr wrap="square" rtlCol="0">
-            <a:spAutoFit/>
-          </a:bodyPr>
-          <a:lstStyle/>
-          <a:p>
-            <a:pPr algn="ctr"/>
-            <a:r>
-              <a:rPr lang="es-ES" sz="900" dirty="0" smtClean="0">
-                <a:latin typeface="Arial" panose="020B0604020202020204" pitchFamily="34" charset="0"/>
-                <a:cs typeface="Arial" panose="020B0604020202020204" pitchFamily="34" charset="0"/>
-              </a:rPr>
-              <a:t>y la</a:t>
-            </a:r>
-            <a:endParaRPr lang="es-ES" sz="900" dirty="0">
-              <a:latin typeface="Arial" panose="020B0604020202020204" pitchFamily="34" charset="0"/>
-              <a:cs typeface="Arial" panose="020B0604020202020204" pitchFamily="34" charset="0"/>
-            </a:endParaRPr>
-          </a:p>
-        </p:txBody>
-      </p:sp>
-      <p:sp>
-        <p:nvSpPr>
-          <p:cNvPr id="157" name="Rectángulo 156" descr="Nodo de quinto nivel"/>
-          <p:cNvSpPr/>
-          <p:nvPr/>
-        </p:nvSpPr>
-        <p:spPr>
-          <a:xfrm>
-            <a:off x="3009127" y="4037490"/>
-            <a:ext cx="1118927" cy="372711"/>
-          </a:xfrm>
-          <a:prstGeom prst="rect">
-            <a:avLst/>
-          </a:prstGeom>
-          <a:solidFill>
-            <a:schemeClr val="bg1"/>
-          </a:solidFill>
-          <a:ln>
-            <a:solidFill>
-              <a:schemeClr val="tx1"/>
-            </a:solidFill>
-          </a:ln>
-        </p:spPr>
-        <p:style>
-          <a:lnRef idx="2">
-            <a:schemeClr val="accent6"/>
-          </a:lnRef>
-          <a:fillRef idx="1">
-            <a:schemeClr val="lt1"/>
-          </a:fillRef>
-          <a:effectRef idx="0">
-            <a:schemeClr val="accent6"/>
-          </a:effectRef>
-          <a:fontRef idx="minor">
-            <a:schemeClr val="dk1"/>
-          </a:fontRef>
-        </p:style>
-        <p:txBody>
-          <a:bodyPr rtlCol="0" anchor="ctr"/>
-          <a:lstStyle/>
-          <a:p>
-            <a:pPr algn="ctr"/>
-            <a:r>
-              <a:rPr lang="es-ES" sz="900" dirty="0" smtClean="0">
-                <a:solidFill>
-                  <a:schemeClr val="tx1"/>
-                </a:solidFill>
-                <a:latin typeface="Arial" panose="020B0604020202020204" pitchFamily="34" charset="0"/>
-                <a:cs typeface="Arial" panose="020B0604020202020204" pitchFamily="34" charset="0"/>
-              </a:rPr>
-              <a:t>suma</a:t>
-            </a:r>
-            <a:endParaRPr lang="es-ES" sz="900" dirty="0">
-              <a:solidFill>
-                <a:schemeClr val="tx1"/>
-              </a:solidFill>
-              <a:latin typeface="Arial" panose="020B0604020202020204" pitchFamily="34" charset="0"/>
-              <a:cs typeface="Arial" panose="020B0604020202020204" pitchFamily="34" charset="0"/>
-            </a:endParaRPr>
-          </a:p>
-        </p:txBody>
-      </p:sp>
-      <p:cxnSp>
-        <p:nvCxnSpPr>
-          <p:cNvPr id="158" name="Conector angular 157"/>
-          <p:cNvCxnSpPr/>
-          <p:nvPr/>
-        </p:nvCxnSpPr>
-        <p:spPr>
-          <a:xfrm rot="5400000">
-            <a:off x="3537225" y="3656284"/>
-            <a:ext cx="72000" cy="0"/>
-          </a:xfrm>
-          <a:prstGeom prst="bentConnector3">
-            <a:avLst>
-              <a:gd name="adj1" fmla="val 148381"/>
-            </a:avLst>
-          </a:prstGeom>
-          <a:ln w="12700">
-            <a:solidFill>
-              <a:schemeClr val="tx1"/>
-            </a:solidFill>
-          </a:ln>
-        </p:spPr>
-        <p:style>
-          <a:lnRef idx="1">
-            <a:schemeClr val="accent1"/>
-          </a:lnRef>
-          <a:fillRef idx="0">
-            <a:schemeClr val="accent1"/>
-          </a:fillRef>
-          <a:effectRef idx="0">
-            <a:schemeClr val="accent1"/>
-          </a:effectRef>
-          <a:fontRef idx="minor">
-            <a:schemeClr val="tx1"/>
-          </a:fontRef>
-        </p:style>
-      </p:cxnSp>
-      <p:cxnSp>
-        <p:nvCxnSpPr>
-          <p:cNvPr id="159" name="Conector angular 158"/>
-          <p:cNvCxnSpPr/>
-          <p:nvPr/>
-        </p:nvCxnSpPr>
-        <p:spPr>
-          <a:xfrm rot="5400000">
-            <a:off x="3560835" y="3961442"/>
-            <a:ext cx="72000" cy="0"/>
-          </a:xfrm>
-          <a:prstGeom prst="bentConnector3">
-            <a:avLst>
-              <a:gd name="adj1" fmla="val 148381"/>
-            </a:avLst>
-          </a:prstGeom>
-          <a:ln w="12700">
-            <a:solidFill>
-              <a:schemeClr val="tx1"/>
-            </a:solidFill>
-          </a:ln>
-        </p:spPr>
-        <p:style>
-          <a:lnRef idx="1">
-            <a:schemeClr val="accent1"/>
-          </a:lnRef>
-          <a:fillRef idx="0">
-            <a:schemeClr val="accent1"/>
-          </a:fillRef>
-          <a:effectRef idx="0">
-            <a:schemeClr val="accent1"/>
-          </a:effectRef>
-          <a:fontRef idx="minor">
-            <a:schemeClr val="tx1"/>
-          </a:fontRef>
-        </p:style>
-      </p:cxnSp>
-      <p:cxnSp>
-        <p:nvCxnSpPr>
-          <p:cNvPr id="167" name="Conector angular 166"/>
-          <p:cNvCxnSpPr/>
-          <p:nvPr/>
-        </p:nvCxnSpPr>
-        <p:spPr>
-          <a:xfrm rot="5400000" flipH="1" flipV="1">
-            <a:off x="1335783" y="3376824"/>
-            <a:ext cx="108000" cy="877"/>
-          </a:xfrm>
-          <a:prstGeom prst="bentConnector3">
-            <a:avLst>
-              <a:gd name="adj1" fmla="val -54995"/>
-            </a:avLst>
-          </a:prstGeom>
-          <a:ln w="12700">
-            <a:solidFill>
-              <a:schemeClr val="tx1"/>
-            </a:solidFill>
-          </a:ln>
-        </p:spPr>
-        <p:style>
-          <a:lnRef idx="1">
-            <a:schemeClr val="accent1"/>
-          </a:lnRef>
-          <a:fillRef idx="0">
-            <a:schemeClr val="accent1"/>
-          </a:fillRef>
-          <a:effectRef idx="0">
-            <a:schemeClr val="accent1"/>
-          </a:effectRef>
-          <a:fontRef idx="minor">
-            <a:schemeClr val="tx1"/>
-          </a:fontRef>
-        </p:style>
-      </p:cxnSp>
-      <p:cxnSp>
-        <p:nvCxnSpPr>
-          <p:cNvPr id="175" name="Conector angular 174"/>
-          <p:cNvCxnSpPr/>
-          <p:nvPr/>
-        </p:nvCxnSpPr>
-        <p:spPr>
-          <a:xfrm rot="5400000">
-            <a:off x="4785047" y="2894284"/>
-            <a:ext cx="72000" cy="0"/>
-          </a:xfrm>
-          <a:prstGeom prst="bentConnector3">
-            <a:avLst>
-              <a:gd name="adj1" fmla="val 148381"/>
-            </a:avLst>
-          </a:prstGeom>
-          <a:ln w="12700">
-            <a:solidFill>
-              <a:schemeClr val="tx1"/>
-            </a:solidFill>
-          </a:ln>
-        </p:spPr>
-        <p:style>
-          <a:lnRef idx="1">
-            <a:schemeClr val="accent1"/>
-          </a:lnRef>
-          <a:fillRef idx="0">
-            <a:schemeClr val="accent1"/>
-          </a:fillRef>
-          <a:effectRef idx="0">
-            <a:schemeClr val="accent1"/>
-          </a:effectRef>
-          <a:fontRef idx="minor">
-            <a:schemeClr val="tx1"/>
-          </a:fontRef>
-        </p:style>
-      </p:cxnSp>
-      <p:sp>
-        <p:nvSpPr>
-          <p:cNvPr id="176" name="CuadroTexto 175" descr="Conector entre nodos"/>
-          <p:cNvSpPr txBox="1"/>
-          <p:nvPr/>
-        </p:nvSpPr>
-        <p:spPr>
-          <a:xfrm>
-            <a:off x="4263268" y="2968221"/>
-            <a:ext cx="1117174" cy="230832"/>
-          </a:xfrm>
-          <a:prstGeom prst="rect">
-            <a:avLst/>
-          </a:prstGeom>
-          <a:noFill/>
-        </p:spPr>
-        <p:txBody>
-          <a:bodyPr wrap="square" rtlCol="0">
-            <a:spAutoFit/>
-          </a:bodyPr>
-          <a:lstStyle/>
-          <a:p>
-            <a:pPr algn="ctr"/>
-            <a:r>
-              <a:rPr lang="es-ES" sz="900" dirty="0">
-                <a:latin typeface="Arial" panose="020B0604020202020204" pitchFamily="34" charset="0"/>
-                <a:cs typeface="Arial" panose="020B0604020202020204" pitchFamily="34" charset="0"/>
-              </a:rPr>
-              <a:t>s</a:t>
-            </a:r>
-            <a:r>
-              <a:rPr lang="es-ES" sz="900" dirty="0" smtClean="0">
-                <a:latin typeface="Arial" panose="020B0604020202020204" pitchFamily="34" charset="0"/>
-                <a:cs typeface="Arial" panose="020B0604020202020204" pitchFamily="34" charset="0"/>
-              </a:rPr>
-              <a:t>e sustraen</a:t>
-            </a:r>
-            <a:endParaRPr lang="es-ES" sz="900" dirty="0">
-              <a:latin typeface="Arial" panose="020B0604020202020204" pitchFamily="34" charset="0"/>
-              <a:cs typeface="Arial" panose="020B0604020202020204" pitchFamily="34" charset="0"/>
-            </a:endParaRPr>
-          </a:p>
-        </p:txBody>
-      </p:sp>
-      <p:cxnSp>
-        <p:nvCxnSpPr>
-          <p:cNvPr id="177" name="Conector angular 176"/>
-          <p:cNvCxnSpPr/>
-          <p:nvPr/>
-        </p:nvCxnSpPr>
-        <p:spPr>
-          <a:xfrm rot="16200000" flipH="1">
-            <a:off x="4768252" y="3274860"/>
-            <a:ext cx="152651" cy="876"/>
-          </a:xfrm>
-          <a:prstGeom prst="bentConnector3">
-            <a:avLst>
-              <a:gd name="adj1" fmla="val -9058"/>
-            </a:avLst>
-          </a:prstGeom>
-          <a:ln w="12700">
-            <a:solidFill>
-              <a:schemeClr val="tx1"/>
-            </a:solidFill>
-          </a:ln>
-        </p:spPr>
-        <p:style>
-          <a:lnRef idx="1">
-            <a:schemeClr val="accent1"/>
-          </a:lnRef>
-          <a:fillRef idx="0">
-            <a:schemeClr val="accent1"/>
-          </a:fillRef>
-          <a:effectRef idx="0">
-            <a:schemeClr val="accent1"/>
-          </a:effectRef>
-          <a:fontRef idx="minor">
-            <a:schemeClr val="tx1"/>
-          </a:fontRef>
-        </p:style>
-      </p:cxnSp>
-      <p:sp>
-        <p:nvSpPr>
-          <p:cNvPr id="179" name="Rectángulo 178" descr="Nodo de cuarto nivel&#10;"/>
-          <p:cNvSpPr/>
-          <p:nvPr/>
-        </p:nvSpPr>
-        <p:spPr>
-          <a:xfrm>
-            <a:off x="4270890" y="3258570"/>
-            <a:ext cx="1122431" cy="353519"/>
+            <a:off x="4618362" y="5044963"/>
+            <a:ext cx="1122431" cy="426634"/>
           </a:xfrm>
           <a:prstGeom prst="rect">
             <a:avLst/>
@@ -3280,403 +4360,20 @@
                 <a:latin typeface="Arial" panose="020B0604020202020204" pitchFamily="34" charset="0"/>
                 <a:cs typeface="Arial" panose="020B0604020202020204" pitchFamily="34" charset="0"/>
               </a:rPr>
-              <a:t>valores absolutos de los sumandos</a:t>
+              <a:t>signo del sumando</a:t>
             </a:r>
-          </a:p>
-        </p:txBody>
-      </p:sp>
-      <p:cxnSp>
-        <p:nvCxnSpPr>
-          <p:cNvPr id="180" name="Conector angular 179"/>
-          <p:cNvCxnSpPr/>
-          <p:nvPr/>
-        </p:nvCxnSpPr>
-        <p:spPr>
-          <a:xfrm rot="5400000">
-            <a:off x="4782899" y="3655926"/>
-            <a:ext cx="72000" cy="0"/>
-          </a:xfrm>
-          <a:prstGeom prst="bentConnector3">
-            <a:avLst>
-              <a:gd name="adj1" fmla="val 148381"/>
-            </a:avLst>
-          </a:prstGeom>
-          <a:ln w="12700">
-            <a:solidFill>
-              <a:schemeClr val="tx1"/>
-            </a:solidFill>
-          </a:ln>
-        </p:spPr>
-        <p:style>
-          <a:lnRef idx="1">
-            <a:schemeClr val="accent1"/>
-          </a:lnRef>
-          <a:fillRef idx="0">
-            <a:schemeClr val="accent1"/>
-          </a:fillRef>
-          <a:effectRef idx="0">
-            <a:schemeClr val="accent1"/>
-          </a:effectRef>
-          <a:fontRef idx="minor">
-            <a:schemeClr val="tx1"/>
-          </a:fontRef>
-        </p:style>
-      </p:cxnSp>
-      <p:sp>
-        <p:nvSpPr>
-          <p:cNvPr id="181" name="CuadroTexto 180" descr="Conector entre nodos"/>
-          <p:cNvSpPr txBox="1"/>
-          <p:nvPr/>
-        </p:nvSpPr>
-        <p:spPr>
-          <a:xfrm>
-            <a:off x="4248750" y="3729951"/>
-            <a:ext cx="1117174" cy="230832"/>
-          </a:xfrm>
-          <a:prstGeom prst="rect">
-            <a:avLst/>
-          </a:prstGeom>
-          <a:noFill/>
-        </p:spPr>
-        <p:txBody>
-          <a:bodyPr wrap="square" rtlCol="0">
-            <a:spAutoFit/>
-          </a:bodyPr>
-          <a:lstStyle/>
-          <a:p>
-            <a:pPr algn="ctr"/>
-            <a:r>
-              <a:rPr lang="es-ES" sz="900" dirty="0" smtClean="0">
-                <a:latin typeface="Arial" panose="020B0604020202020204" pitchFamily="34" charset="0"/>
-                <a:cs typeface="Arial" panose="020B0604020202020204" pitchFamily="34" charset="0"/>
-              </a:rPr>
-              <a:t>y la</a:t>
-            </a:r>
-            <a:endParaRPr lang="es-ES" sz="900" dirty="0">
-              <a:latin typeface="Arial" panose="020B0604020202020204" pitchFamily="34" charset="0"/>
-              <a:cs typeface="Arial" panose="020B0604020202020204" pitchFamily="34" charset="0"/>
-            </a:endParaRPr>
-          </a:p>
-        </p:txBody>
-      </p:sp>
-      <p:cxnSp>
-        <p:nvCxnSpPr>
-          <p:cNvPr id="182" name="Conector angular 181"/>
-          <p:cNvCxnSpPr/>
-          <p:nvPr/>
-        </p:nvCxnSpPr>
-        <p:spPr>
-          <a:xfrm rot="5400000">
-            <a:off x="4782899" y="3984751"/>
-            <a:ext cx="72000" cy="0"/>
-          </a:xfrm>
-          <a:prstGeom prst="bentConnector3">
-            <a:avLst>
-              <a:gd name="adj1" fmla="val 148381"/>
-            </a:avLst>
-          </a:prstGeom>
-          <a:ln w="12700">
-            <a:solidFill>
-              <a:schemeClr val="tx1"/>
-            </a:solidFill>
-          </a:ln>
-        </p:spPr>
-        <p:style>
-          <a:lnRef idx="1">
-            <a:schemeClr val="accent1"/>
-          </a:lnRef>
-          <a:fillRef idx="0">
-            <a:schemeClr val="accent1"/>
-          </a:fillRef>
-          <a:effectRef idx="0">
-            <a:schemeClr val="accent1"/>
-          </a:effectRef>
-          <a:fontRef idx="minor">
-            <a:schemeClr val="tx1"/>
-          </a:fontRef>
-        </p:style>
-      </p:cxnSp>
-      <p:sp>
-        <p:nvSpPr>
-          <p:cNvPr id="183" name="Rectángulo 182" descr="Nodo de quinto nivel"/>
-          <p:cNvSpPr/>
-          <p:nvPr/>
-        </p:nvSpPr>
-        <p:spPr>
-          <a:xfrm>
-            <a:off x="4282274" y="4037490"/>
-            <a:ext cx="1118927" cy="370316"/>
-          </a:xfrm>
-          <a:prstGeom prst="rect">
-            <a:avLst/>
-          </a:prstGeom>
-          <a:solidFill>
-            <a:schemeClr val="bg1"/>
-          </a:solidFill>
-          <a:ln>
-            <a:solidFill>
-              <a:schemeClr val="tx1"/>
-            </a:solidFill>
-          </a:ln>
-        </p:spPr>
-        <p:style>
-          <a:lnRef idx="2">
-            <a:schemeClr val="accent6"/>
-          </a:lnRef>
-          <a:fillRef idx="1">
-            <a:schemeClr val="lt1"/>
-          </a:fillRef>
-          <a:effectRef idx="0">
-            <a:schemeClr val="accent6"/>
-          </a:effectRef>
-          <a:fontRef idx="minor">
-            <a:schemeClr val="dk1"/>
-          </a:fontRef>
-        </p:style>
-        <p:txBody>
-          <a:bodyPr rtlCol="0" anchor="ctr"/>
-          <a:lstStyle/>
-          <a:p>
-            <a:pPr algn="ctr"/>
-            <a:r>
-              <a:rPr lang="es-ES" sz="900" dirty="0" smtClean="0">
-                <a:solidFill>
-                  <a:schemeClr val="tx1"/>
-                </a:solidFill>
-                <a:latin typeface="Arial" panose="020B0604020202020204" pitchFamily="34" charset="0"/>
-                <a:cs typeface="Arial" panose="020B0604020202020204" pitchFamily="34" charset="0"/>
-              </a:rPr>
-              <a:t>suma</a:t>
-            </a:r>
-            <a:endParaRPr lang="es-ES" sz="900" dirty="0">
-              <a:solidFill>
-                <a:schemeClr val="tx1"/>
-              </a:solidFill>
-              <a:latin typeface="Arial" panose="020B0604020202020204" pitchFamily="34" charset="0"/>
-              <a:cs typeface="Arial" panose="020B0604020202020204" pitchFamily="34" charset="0"/>
-            </a:endParaRPr>
           </a:p>
         </p:txBody>
       </p:sp>
       <p:sp>
         <p:nvSpPr>
-          <p:cNvPr id="184" name="CuadroTexto 183" descr="Conector entre nodos"/>
+          <p:cNvPr id="277" name="CuadroTexto 276" descr="Conector entre nodos"/>
           <p:cNvSpPr txBox="1"/>
           <p:nvPr/>
         </p:nvSpPr>
         <p:spPr>
           <a:xfrm>
-            <a:off x="5480033" y="2966452"/>
-            <a:ext cx="1117174" cy="230832"/>
-          </a:xfrm>
-          <a:prstGeom prst="rect">
-            <a:avLst/>
-          </a:prstGeom>
-          <a:noFill/>
-        </p:spPr>
-        <p:txBody>
-          <a:bodyPr wrap="square" rtlCol="0">
-            <a:spAutoFit/>
-          </a:bodyPr>
-          <a:lstStyle/>
-          <a:p>
-            <a:pPr algn="ctr"/>
-            <a:r>
-              <a:rPr lang="es-ES" sz="900" dirty="0" smtClean="0">
-                <a:latin typeface="Arial" panose="020B0604020202020204" pitchFamily="34" charset="0"/>
-                <a:cs typeface="Arial" panose="020B0604020202020204" pitchFamily="34" charset="0"/>
-              </a:rPr>
-              <a:t>entre el </a:t>
-            </a:r>
-            <a:endParaRPr lang="es-ES" sz="900" dirty="0">
-              <a:latin typeface="Arial" panose="020B0604020202020204" pitchFamily="34" charset="0"/>
-              <a:cs typeface="Arial" panose="020B0604020202020204" pitchFamily="34" charset="0"/>
-            </a:endParaRPr>
-          </a:p>
-        </p:txBody>
-      </p:sp>
-      <p:cxnSp>
-        <p:nvCxnSpPr>
-          <p:cNvPr id="185" name="Conector angular 184"/>
-          <p:cNvCxnSpPr/>
-          <p:nvPr/>
-        </p:nvCxnSpPr>
-        <p:spPr>
-          <a:xfrm rot="5400000">
-            <a:off x="5964195" y="3217535"/>
-            <a:ext cx="144000" cy="0"/>
-          </a:xfrm>
-          <a:prstGeom prst="bentConnector3">
-            <a:avLst>
-              <a:gd name="adj1" fmla="val 50000"/>
-            </a:avLst>
-          </a:prstGeom>
-          <a:ln w="12700">
-            <a:solidFill>
-              <a:schemeClr val="tx1"/>
-            </a:solidFill>
-          </a:ln>
-        </p:spPr>
-        <p:style>
-          <a:lnRef idx="1">
-            <a:schemeClr val="accent1"/>
-          </a:lnRef>
-          <a:fillRef idx="0">
-            <a:schemeClr val="accent1"/>
-          </a:fillRef>
-          <a:effectRef idx="0">
-            <a:schemeClr val="accent1"/>
-          </a:effectRef>
-          <a:fontRef idx="minor">
-            <a:schemeClr val="tx1"/>
-          </a:fontRef>
-        </p:style>
-      </p:cxnSp>
-      <p:sp>
-        <p:nvSpPr>
-          <p:cNvPr id="187" name="Rectángulo 186" descr="Nodo de cuarto nivel&#10;"/>
-          <p:cNvSpPr/>
-          <p:nvPr/>
-        </p:nvSpPr>
-        <p:spPr>
-          <a:xfrm>
-            <a:off x="5480097" y="3261203"/>
-            <a:ext cx="1122431" cy="353519"/>
-          </a:xfrm>
-          <a:prstGeom prst="rect">
-            <a:avLst/>
-          </a:prstGeom>
-          <a:solidFill>
-            <a:schemeClr val="bg1"/>
-          </a:solidFill>
-          <a:ln>
-            <a:solidFill>
-              <a:schemeClr val="tx1"/>
-            </a:solidFill>
-          </a:ln>
-        </p:spPr>
-        <p:style>
-          <a:lnRef idx="2">
-            <a:schemeClr val="accent6"/>
-          </a:lnRef>
-          <a:fillRef idx="1">
-            <a:schemeClr val="lt1"/>
-          </a:fillRef>
-          <a:effectRef idx="0">
-            <a:schemeClr val="accent6"/>
-          </a:effectRef>
-          <a:fontRef idx="minor">
-            <a:schemeClr val="dk1"/>
-          </a:fontRef>
-        </p:style>
-        <p:txBody>
-          <a:bodyPr rtlCol="0" anchor="ctr"/>
-          <a:lstStyle/>
-          <a:p>
-            <a:pPr algn="ctr"/>
-            <a:r>
-              <a:rPr lang="es-ES" sz="900" dirty="0" smtClean="0">
-                <a:solidFill>
-                  <a:schemeClr val="tx1"/>
-                </a:solidFill>
-                <a:latin typeface="Arial" panose="020B0604020202020204" pitchFamily="34" charset="0"/>
-                <a:cs typeface="Arial" panose="020B0604020202020204" pitchFamily="34" charset="0"/>
-              </a:rPr>
-              <a:t>minuendo</a:t>
-            </a:r>
-            <a:endParaRPr lang="es-ES" sz="900" dirty="0">
-              <a:solidFill>
-                <a:schemeClr val="tx1"/>
-              </a:solidFill>
-              <a:latin typeface="Arial" panose="020B0604020202020204" pitchFamily="34" charset="0"/>
-              <a:cs typeface="Arial" panose="020B0604020202020204" pitchFamily="34" charset="0"/>
-            </a:endParaRPr>
-          </a:p>
-        </p:txBody>
-      </p:sp>
-      <p:cxnSp>
-        <p:nvCxnSpPr>
-          <p:cNvPr id="191" name="Conector angular 190"/>
-          <p:cNvCxnSpPr/>
-          <p:nvPr/>
-        </p:nvCxnSpPr>
-        <p:spPr>
-          <a:xfrm rot="5400000">
-            <a:off x="5989595" y="3686540"/>
-            <a:ext cx="144000" cy="0"/>
-          </a:xfrm>
-          <a:prstGeom prst="bentConnector3">
-            <a:avLst>
-              <a:gd name="adj1" fmla="val 50000"/>
-            </a:avLst>
-          </a:prstGeom>
-          <a:ln w="12700">
-            <a:solidFill>
-              <a:schemeClr val="tx1"/>
-            </a:solidFill>
-          </a:ln>
-        </p:spPr>
-        <p:style>
-          <a:lnRef idx="1">
-            <a:schemeClr val="accent1"/>
-          </a:lnRef>
-          <a:fillRef idx="0">
-            <a:schemeClr val="accent1"/>
-          </a:fillRef>
-          <a:effectRef idx="0">
-            <a:schemeClr val="accent1"/>
-          </a:effectRef>
-          <a:fontRef idx="minor">
-            <a:schemeClr val="tx1"/>
-          </a:fontRef>
-        </p:style>
-      </p:cxnSp>
-      <p:cxnSp>
-        <p:nvCxnSpPr>
-          <p:cNvPr id="194" name="Conector angular 193"/>
-          <p:cNvCxnSpPr/>
-          <p:nvPr/>
-        </p:nvCxnSpPr>
-        <p:spPr>
-          <a:xfrm rot="5400000">
-            <a:off x="5927348" y="2391140"/>
-            <a:ext cx="144000" cy="0"/>
-          </a:xfrm>
-          <a:prstGeom prst="bentConnector3">
-            <a:avLst>
-              <a:gd name="adj1" fmla="val 50000"/>
-            </a:avLst>
-          </a:prstGeom>
-          <a:ln w="12700">
-            <a:solidFill>
-              <a:schemeClr val="tx1"/>
-            </a:solidFill>
-          </a:ln>
-        </p:spPr>
-        <p:style>
-          <a:lnRef idx="1">
-            <a:schemeClr val="accent1"/>
-          </a:lnRef>
-          <a:fillRef idx="0">
-            <a:schemeClr val="accent1"/>
-          </a:fillRef>
-          <a:effectRef idx="0">
-            <a:schemeClr val="accent1"/>
-          </a:effectRef>
-          <a:fontRef idx="minor">
-            <a:schemeClr val="tx1"/>
-          </a:fontRef>
-        </p:style>
-      </p:cxnSp>
-      <p:sp>
-        <p:nvSpPr>
-          <p:cNvPr id="195" name="CuadroTexto 194" descr="Conector entre nodos"/>
-          <p:cNvSpPr txBox="1"/>
-          <p:nvPr/>
-        </p:nvSpPr>
-        <p:spPr>
-          <a:xfrm>
-            <a:off x="5514495" y="3762249"/>
+            <a:off x="4621347" y="4682705"/>
             <a:ext cx="1117174" cy="230832"/>
           </a:xfrm>
           <a:prstGeom prst="rect">
@@ -3696,32 +4393,21 @@
                 <a:latin typeface="Arial" panose="020B0604020202020204" pitchFamily="34" charset="0"/>
                 <a:cs typeface="Arial" panose="020B0604020202020204" pitchFamily="34" charset="0"/>
               </a:rPr>
-              <a:t>y</a:t>
+              <a:t>queda con el</a:t>
             </a:r>
-            <a:r>
-              <a:rPr lang="es-ES" sz="900" dirty="0" smtClean="0">
-                <a:latin typeface="Arial" panose="020B0604020202020204" pitchFamily="34" charset="0"/>
-                <a:cs typeface="Arial" panose="020B0604020202020204" pitchFamily="34" charset="0"/>
-              </a:rPr>
-              <a:t> el </a:t>
-            </a:r>
-            <a:endParaRPr lang="es-ES" sz="900" dirty="0">
-              <a:latin typeface="Arial" panose="020B0604020202020204" pitchFamily="34" charset="0"/>
-              <a:cs typeface="Arial" panose="020B0604020202020204" pitchFamily="34" charset="0"/>
-            </a:endParaRPr>
           </a:p>
         </p:txBody>
       </p:sp>
       <p:sp>
         <p:nvSpPr>
-          <p:cNvPr id="197" name="Rectángulo 196" descr="Nodo de quinto nivel"/>
+          <p:cNvPr id="278" name="Rectángulo 277" descr="Nodo de quinto nivel"/>
           <p:cNvSpPr/>
           <p:nvPr/>
         </p:nvSpPr>
         <p:spPr>
           <a:xfrm>
-            <a:off x="5524386" y="4040373"/>
-            <a:ext cx="1118927" cy="353519"/>
+            <a:off x="4618362" y="6008490"/>
+            <a:ext cx="1122431" cy="312382"/>
           </a:xfrm>
           <a:prstGeom prst="rect">
             <a:avLst/>
@@ -3762,112 +4448,21 @@
                 <a:latin typeface="Arial" panose="020B0604020202020204" pitchFamily="34" charset="0"/>
                 <a:cs typeface="Arial" panose="020B0604020202020204" pitchFamily="34" charset="0"/>
               </a:rPr>
-              <a:t>o</a:t>
+              <a:t>mayor valor absoluto</a:t>
             </a:r>
-            <a:r>
-              <a:rPr lang="es-ES" sz="900" dirty="0" smtClean="0">
-                <a:solidFill>
-                  <a:schemeClr val="tx1"/>
-                </a:solidFill>
-                <a:latin typeface="Arial" panose="020B0604020202020204" pitchFamily="34" charset="0"/>
-                <a:cs typeface="Arial" panose="020B0604020202020204" pitchFamily="34" charset="0"/>
-              </a:rPr>
-              <a:t>puesto del sustraendo</a:t>
-            </a:r>
-            <a:endParaRPr lang="es-ES" sz="900" dirty="0">
-              <a:solidFill>
-                <a:schemeClr val="tx1"/>
-              </a:solidFill>
-              <a:latin typeface="Arial" panose="020B0604020202020204" pitchFamily="34" charset="0"/>
-              <a:cs typeface="Arial" panose="020B0604020202020204" pitchFamily="34" charset="0"/>
-            </a:endParaRPr>
           </a:p>
         </p:txBody>
       </p:sp>
-      <p:cxnSp>
-        <p:nvCxnSpPr>
-          <p:cNvPr id="198" name="Conector angular 197"/>
-          <p:cNvCxnSpPr/>
-          <p:nvPr/>
-        </p:nvCxnSpPr>
-        <p:spPr>
-          <a:xfrm rot="5400000">
-            <a:off x="6037180" y="3971872"/>
-            <a:ext cx="72000" cy="0"/>
-          </a:xfrm>
-          <a:prstGeom prst="bentConnector3">
-            <a:avLst>
-              <a:gd name="adj1" fmla="val 148381"/>
-            </a:avLst>
-          </a:prstGeom>
-          <a:ln w="12700">
-            <a:solidFill>
-              <a:schemeClr val="tx1"/>
-            </a:solidFill>
-          </a:ln>
-        </p:spPr>
-        <p:style>
-          <a:lnRef idx="1">
-            <a:schemeClr val="accent1"/>
-          </a:lnRef>
-          <a:fillRef idx="0">
-            <a:schemeClr val="accent1"/>
-          </a:fillRef>
-          <a:effectRef idx="0">
-            <a:schemeClr val="accent1"/>
-          </a:effectRef>
-          <a:fontRef idx="minor">
-            <a:schemeClr val="tx1"/>
-          </a:fontRef>
-        </p:style>
-      </p:cxnSp>
-      <p:cxnSp>
-        <p:nvCxnSpPr>
-          <p:cNvPr id="199" name="Conector angular 198"/>
-          <p:cNvCxnSpPr/>
-          <p:nvPr/>
-        </p:nvCxnSpPr>
-        <p:spPr>
-          <a:xfrm rot="5400000">
-            <a:off x="7759468" y="2001006"/>
-            <a:ext cx="144000" cy="0"/>
-          </a:xfrm>
-          <a:prstGeom prst="bentConnector3">
-            <a:avLst>
-              <a:gd name="adj1" fmla="val 50000"/>
-            </a:avLst>
-          </a:prstGeom>
-          <a:ln w="12700">
-            <a:solidFill>
-              <a:schemeClr val="tx1"/>
-            </a:solidFill>
-          </a:ln>
-        </p:spPr>
-        <p:style>
-          <a:lnRef idx="1">
-            <a:schemeClr val="accent1"/>
-          </a:lnRef>
-          <a:fillRef idx="0">
-            <a:schemeClr val="accent1"/>
-          </a:fillRef>
-          <a:effectRef idx="0">
-            <a:schemeClr val="accent1"/>
-          </a:effectRef>
-          <a:fontRef idx="minor">
-            <a:schemeClr val="tx1"/>
-          </a:fontRef>
-        </p:style>
-      </p:cxnSp>
       <p:sp>
         <p:nvSpPr>
-          <p:cNvPr id="200" name="CuadroTexto 199" descr="Conector entre nodos"/>
+          <p:cNvPr id="279" name="CuadroTexto 278" descr="Conector entre nodos"/>
           <p:cNvSpPr txBox="1"/>
           <p:nvPr/>
         </p:nvSpPr>
         <p:spPr>
           <a:xfrm>
-            <a:off x="7272880" y="2102380"/>
-            <a:ext cx="1117174" cy="230836"/>
+            <a:off x="4621449" y="5654799"/>
+            <a:ext cx="1119343" cy="230832"/>
           </a:xfrm>
           <a:prstGeom prst="rect">
             <a:avLst/>
@@ -3882,29 +4477,28 @@
           <a:p>
             <a:pPr algn="ctr"/>
             <a:r>
-              <a:rPr lang="es-ES" sz="900" dirty="0" smtClean="0">
+              <a:rPr lang="es-ES" sz="900" dirty="0">
                 <a:latin typeface="Arial" panose="020B0604020202020204" pitchFamily="34" charset="0"/>
                 <a:cs typeface="Arial" panose="020B0604020202020204" pitchFamily="34" charset="0"/>
               </a:rPr>
-              <a:t>entre</a:t>
+              <a:t>con </a:t>
             </a:r>
-            <a:endParaRPr lang="es-ES" sz="900" dirty="0">
-              <a:latin typeface="Arial" panose="020B0604020202020204" pitchFamily="34" charset="0"/>
-              <a:cs typeface="Arial" panose="020B0604020202020204" pitchFamily="34" charset="0"/>
-            </a:endParaRPr>
           </a:p>
         </p:txBody>
       </p:sp>
       <p:cxnSp>
         <p:nvCxnSpPr>
-          <p:cNvPr id="201" name="Conector angular 200"/>
-          <p:cNvCxnSpPr/>
+          <p:cNvPr id="294" name="Conector angular 293"/>
+          <p:cNvCxnSpPr>
+            <a:stCxn id="75" idx="2"/>
+            <a:endCxn id="74" idx="0"/>
+          </p:cNvCxnSpPr>
           <p:nvPr/>
         </p:nvCxnSpPr>
         <p:spPr>
-          <a:xfrm rot="5400000">
-            <a:off x="7461497" y="2104309"/>
-            <a:ext cx="152651" cy="610466"/>
+          <a:xfrm rot="16200000" flipH="1">
+            <a:off x="2094714" y="3638955"/>
+            <a:ext cx="361028" cy="725601"/>
           </a:xfrm>
           <a:prstGeom prst="bentConnector3">
             <a:avLst>
@@ -3934,14 +4528,17 @@
       </p:cxnSp>
       <p:cxnSp>
         <p:nvCxnSpPr>
-          <p:cNvPr id="202" name="Conector angular 201"/>
-          <p:cNvCxnSpPr/>
+          <p:cNvPr id="295" name="Conector angular 294"/>
+          <p:cNvCxnSpPr>
+            <a:stCxn id="75" idx="2"/>
+            <a:endCxn id="73" idx="0"/>
+          </p:cNvCxnSpPr>
           <p:nvPr/>
         </p:nvCxnSpPr>
         <p:spPr>
-          <a:xfrm rot="16200000" flipH="1">
-            <a:off x="8092395" y="2090357"/>
-            <a:ext cx="152651" cy="638370"/>
+          <a:xfrm rot="5400000">
+            <a:off x="1395035" y="3664877"/>
+            <a:ext cx="361028" cy="673759"/>
           </a:xfrm>
           <a:prstGeom prst="bentConnector3">
             <a:avLst>
@@ -3969,24 +4566,295 @@
           </a:fontRef>
         </p:style>
       </p:cxnSp>
+      <p:cxnSp>
+        <p:nvCxnSpPr>
+          <p:cNvPr id="297" name="Conector angular 296"/>
+          <p:cNvCxnSpPr>
+            <a:stCxn id="216" idx="2"/>
+            <a:endCxn id="136" idx="0"/>
+          </p:cNvCxnSpPr>
+          <p:nvPr/>
+        </p:nvCxnSpPr>
+        <p:spPr>
+          <a:xfrm rot="5400000">
+            <a:off x="5327524" y="712580"/>
+            <a:ext cx="244108" cy="1753317"/>
+          </a:xfrm>
+          <a:prstGeom prst="bentConnector3">
+            <a:avLst>
+              <a:gd name="adj1" fmla="val 50000"/>
+            </a:avLst>
+          </a:prstGeom>
+          <a:ln w="12700">
+            <a:solidFill>
+              <a:schemeClr val="tx1"/>
+            </a:solidFill>
+          </a:ln>
+        </p:spPr>
+        <p:style>
+          <a:lnRef idx="1">
+            <a:schemeClr val="accent1"/>
+          </a:lnRef>
+          <a:fillRef idx="0">
+            <a:schemeClr val="accent1"/>
+          </a:fillRef>
+          <a:effectRef idx="0">
+            <a:schemeClr val="accent1"/>
+          </a:effectRef>
+          <a:fontRef idx="minor">
+            <a:schemeClr val="tx1"/>
+          </a:fontRef>
+        </p:style>
+      </p:cxnSp>
+      <p:cxnSp>
+        <p:nvCxnSpPr>
+          <p:cNvPr id="298" name="Conector angular 297"/>
+          <p:cNvCxnSpPr>
+            <a:stCxn id="216" idx="2"/>
+            <a:endCxn id="280" idx="0"/>
+          </p:cNvCxnSpPr>
+          <p:nvPr/>
+        </p:nvCxnSpPr>
+        <p:spPr>
+          <a:xfrm rot="16200000" flipH="1">
+            <a:off x="7040800" y="752620"/>
+            <a:ext cx="242897" cy="1672024"/>
+          </a:xfrm>
+          <a:prstGeom prst="bentConnector3">
+            <a:avLst>
+              <a:gd name="adj1" fmla="val 50000"/>
+            </a:avLst>
+          </a:prstGeom>
+          <a:ln w="12700">
+            <a:solidFill>
+              <a:schemeClr val="tx1"/>
+            </a:solidFill>
+          </a:ln>
+        </p:spPr>
+        <p:style>
+          <a:lnRef idx="1">
+            <a:schemeClr val="accent1"/>
+          </a:lnRef>
+          <a:fillRef idx="0">
+            <a:schemeClr val="accent1"/>
+          </a:fillRef>
+          <a:effectRef idx="0">
+            <a:schemeClr val="accent1"/>
+          </a:effectRef>
+          <a:fontRef idx="minor">
+            <a:schemeClr val="tx1"/>
+          </a:fontRef>
+        </p:style>
+      </p:cxnSp>
+      <p:cxnSp>
+        <p:nvCxnSpPr>
+          <p:cNvPr id="299" name="Conector angular 298"/>
+          <p:cNvCxnSpPr>
+            <a:stCxn id="157" idx="2"/>
+            <a:endCxn id="255" idx="0"/>
+          </p:cNvCxnSpPr>
+          <p:nvPr/>
+        </p:nvCxnSpPr>
+        <p:spPr>
+          <a:xfrm rot="5400000">
+            <a:off x="3901653" y="4618005"/>
+            <a:ext cx="126048" cy="1"/>
+          </a:xfrm>
+          <a:prstGeom prst="bentConnector3">
+            <a:avLst>
+              <a:gd name="adj1" fmla="val 50000"/>
+            </a:avLst>
+          </a:prstGeom>
+          <a:ln w="12700">
+            <a:solidFill>
+              <a:schemeClr val="tx1"/>
+            </a:solidFill>
+          </a:ln>
+        </p:spPr>
+        <p:style>
+          <a:lnRef idx="1">
+            <a:schemeClr val="accent1"/>
+          </a:lnRef>
+          <a:fillRef idx="0">
+            <a:schemeClr val="accent1"/>
+          </a:fillRef>
+          <a:effectRef idx="0">
+            <a:schemeClr val="accent1"/>
+          </a:effectRef>
+          <a:fontRef idx="minor">
+            <a:schemeClr val="tx1"/>
+          </a:fontRef>
+        </p:style>
+      </p:cxnSp>
+      <p:cxnSp>
+        <p:nvCxnSpPr>
+          <p:cNvPr id="300" name="Conector angular 299"/>
+          <p:cNvCxnSpPr>
+            <a:stCxn id="318" idx="2"/>
+            <a:endCxn id="320" idx="0"/>
+          </p:cNvCxnSpPr>
+          <p:nvPr/>
+        </p:nvCxnSpPr>
+        <p:spPr>
+          <a:xfrm rot="16200000" flipH="1">
+            <a:off x="1683479" y="5917146"/>
+            <a:ext cx="137474" cy="1"/>
+          </a:xfrm>
+          <a:prstGeom prst="bentConnector3">
+            <a:avLst>
+              <a:gd name="adj1" fmla="val 50000"/>
+            </a:avLst>
+          </a:prstGeom>
+          <a:ln w="12700">
+            <a:solidFill>
+              <a:schemeClr val="tx1"/>
+            </a:solidFill>
+          </a:ln>
+        </p:spPr>
+        <p:style>
+          <a:lnRef idx="1">
+            <a:schemeClr val="accent1"/>
+          </a:lnRef>
+          <a:fillRef idx="0">
+            <a:schemeClr val="accent1"/>
+          </a:fillRef>
+          <a:effectRef idx="0">
+            <a:schemeClr val="accent1"/>
+          </a:effectRef>
+          <a:fontRef idx="minor">
+            <a:schemeClr val="tx1"/>
+          </a:fontRef>
+        </p:style>
+      </p:cxnSp>
       <p:sp>
         <p:nvSpPr>
-          <p:cNvPr id="203" name="Rectángulo 202" descr="Nodo de tercer nivel"/>
+          <p:cNvPr id="301" name="CuadroTexto 300" descr="Conector entre nodos"/>
+          <p:cNvSpPr txBox="1"/>
+          <p:nvPr/>
+        </p:nvSpPr>
+        <p:spPr>
+          <a:xfrm>
+            <a:off x="276275" y="4731045"/>
+            <a:ext cx="898620" cy="230832"/>
+          </a:xfrm>
+          <a:prstGeom prst="rect">
+            <a:avLst/>
+          </a:prstGeom>
+          <a:noFill/>
+        </p:spPr>
+        <p:txBody>
+          <a:bodyPr wrap="square" rtlCol="0">
+            <a:spAutoFit/>
+          </a:bodyPr>
+          <a:lstStyle/>
+          <a:p>
+            <a:pPr algn="ctr"/>
+            <a:r>
+              <a:rPr lang="es-ES" sz="900" dirty="0">
+                <a:latin typeface="Arial" panose="020B0604020202020204" pitchFamily="34" charset="0"/>
+                <a:cs typeface="Arial" panose="020B0604020202020204" pitchFamily="34" charset="0"/>
+              </a:rPr>
+              <a:t>se establecen</a:t>
+            </a:r>
+          </a:p>
+        </p:txBody>
+      </p:sp>
+      <p:cxnSp>
+        <p:nvCxnSpPr>
+          <p:cNvPr id="302" name="Conector angular 301"/>
+          <p:cNvCxnSpPr>
+            <a:stCxn id="73" idx="2"/>
+            <a:endCxn id="301" idx="0"/>
+          </p:cNvCxnSpPr>
+          <p:nvPr/>
+        </p:nvCxnSpPr>
+        <p:spPr>
+          <a:xfrm rot="5400000">
+            <a:off x="892897" y="4385272"/>
+            <a:ext cx="178461" cy="513084"/>
+          </a:xfrm>
+          <a:prstGeom prst="bentConnector3">
+            <a:avLst>
+              <a:gd name="adj1" fmla="val 50000"/>
+            </a:avLst>
+          </a:prstGeom>
+          <a:ln w="12700">
+            <a:solidFill>
+              <a:schemeClr val="tx1"/>
+            </a:solidFill>
+          </a:ln>
+        </p:spPr>
+        <p:style>
+          <a:lnRef idx="1">
+            <a:schemeClr val="accent1"/>
+          </a:lnRef>
+          <a:fillRef idx="0">
+            <a:schemeClr val="accent1"/>
+          </a:fillRef>
+          <a:effectRef idx="0">
+            <a:schemeClr val="accent1"/>
+          </a:effectRef>
+          <a:fontRef idx="minor">
+            <a:schemeClr val="tx1"/>
+          </a:fontRef>
+        </p:style>
+      </p:cxnSp>
+      <p:cxnSp>
+        <p:nvCxnSpPr>
+          <p:cNvPr id="303" name="Conector angular 302"/>
+          <p:cNvCxnSpPr>
+            <a:stCxn id="301" idx="2"/>
+            <a:endCxn id="304" idx="0"/>
+          </p:cNvCxnSpPr>
+          <p:nvPr/>
+        </p:nvCxnSpPr>
+        <p:spPr>
+          <a:xfrm rot="16200000" flipH="1">
+            <a:off x="675969" y="5011492"/>
+            <a:ext cx="100268" cy="1037"/>
+          </a:xfrm>
+          <a:prstGeom prst="bentConnector3">
+            <a:avLst>
+              <a:gd name="adj1" fmla="val 50000"/>
+            </a:avLst>
+          </a:prstGeom>
+          <a:ln w="12700">
+            <a:solidFill>
+              <a:schemeClr val="tx1"/>
+            </a:solidFill>
+          </a:ln>
+        </p:spPr>
+        <p:style>
+          <a:lnRef idx="1">
+            <a:schemeClr val="accent1"/>
+          </a:lnRef>
+          <a:fillRef idx="0">
+            <a:schemeClr val="accent1"/>
+          </a:fillRef>
+          <a:effectRef idx="0">
+            <a:schemeClr val="accent1"/>
+          </a:effectRef>
+          <a:fontRef idx="minor">
+            <a:schemeClr val="tx1"/>
+          </a:fontRef>
+        </p:style>
+      </p:cxnSp>
+      <p:sp>
+        <p:nvSpPr>
+          <p:cNvPr id="304" name="Rectángulo 303" descr="Nodo de quinto nivel"/>
           <p:cNvSpPr/>
           <p:nvPr/>
         </p:nvSpPr>
         <p:spPr>
           <a:xfrm>
-            <a:off x="6688971" y="2498013"/>
-            <a:ext cx="1122431" cy="343441"/>
+            <a:off x="306289" y="5062145"/>
+            <a:ext cx="840666" cy="427450"/>
           </a:xfrm>
           <a:prstGeom prst="rect">
             <a:avLst/>
           </a:prstGeom>
           <a:solidFill>
-            <a:schemeClr val="bg2">
-              <a:lumMod val="90000"/>
-            </a:schemeClr>
+            <a:schemeClr val="bg1"/>
           </a:solidFill>
           <a:ln>
             <a:solidFill>
@@ -4021,46 +4889,27 @@
                 <a:latin typeface="Arial" panose="020B0604020202020204" pitchFamily="34" charset="0"/>
                 <a:cs typeface="Arial" panose="020B0604020202020204" pitchFamily="34" charset="0"/>
               </a:rPr>
-              <a:t>n</a:t>
+              <a:t>relaciones de orden</a:t>
             </a:r>
-            <a:r>
-              <a:rPr lang="es-ES" sz="900" dirty="0" smtClean="0">
-                <a:solidFill>
-                  <a:schemeClr val="tx1"/>
-                </a:solidFill>
-                <a:latin typeface="Arial" panose="020B0604020202020204" pitchFamily="34" charset="0"/>
-                <a:cs typeface="Arial" panose="020B0604020202020204" pitchFamily="34" charset="0"/>
-              </a:rPr>
-              <a:t>úmeros del mismo signo</a:t>
-            </a:r>
-            <a:endParaRPr lang="es-ES" sz="900" dirty="0">
-              <a:solidFill>
-                <a:schemeClr val="tx1"/>
-              </a:solidFill>
-              <a:latin typeface="Arial" panose="020B0604020202020204" pitchFamily="34" charset="0"/>
-              <a:cs typeface="Arial" panose="020B0604020202020204" pitchFamily="34" charset="0"/>
-            </a:endParaRPr>
           </a:p>
         </p:txBody>
       </p:sp>
       <p:sp>
         <p:nvSpPr>
-          <p:cNvPr id="207" name="Rectángulo 206" descr="Nodo de tercer nivel"/>
+          <p:cNvPr id="305" name="Rectángulo 304" descr="Nodo de quinto nivel"/>
           <p:cNvSpPr/>
           <p:nvPr/>
         </p:nvSpPr>
         <p:spPr>
           <a:xfrm>
-            <a:off x="7913811" y="2499943"/>
-            <a:ext cx="1122431" cy="343441"/>
+            <a:off x="308829" y="5987765"/>
+            <a:ext cx="840666" cy="321150"/>
           </a:xfrm>
           <a:prstGeom prst="rect">
             <a:avLst/>
           </a:prstGeom>
           <a:solidFill>
-            <a:schemeClr val="bg2">
-              <a:lumMod val="90000"/>
-            </a:schemeClr>
+            <a:schemeClr val="bg1"/>
           </a:solidFill>
           <a:ln>
             <a:solidFill>
@@ -4095,38 +4944,24 @@
                 <a:latin typeface="Arial" panose="020B0604020202020204" pitchFamily="34" charset="0"/>
                 <a:cs typeface="Arial" panose="020B0604020202020204" pitchFamily="34" charset="0"/>
               </a:rPr>
-              <a:t>n</a:t>
+              <a:t>&lt;, &gt;, =</a:t>
             </a:r>
-            <a:r>
-              <a:rPr lang="es-ES" sz="900" dirty="0" smtClean="0">
-                <a:solidFill>
-                  <a:schemeClr val="tx1"/>
-                </a:solidFill>
-                <a:latin typeface="Arial" panose="020B0604020202020204" pitchFamily="34" charset="0"/>
-                <a:cs typeface="Arial" panose="020B0604020202020204" pitchFamily="34" charset="0"/>
-              </a:rPr>
-              <a:t>úmeros de diferente signo</a:t>
-            </a:r>
-            <a:endParaRPr lang="es-ES" sz="900" dirty="0">
-              <a:solidFill>
-                <a:schemeClr val="tx1"/>
-              </a:solidFill>
-              <a:latin typeface="Arial" panose="020B0604020202020204" pitchFamily="34" charset="0"/>
-              <a:cs typeface="Arial" panose="020B0604020202020204" pitchFamily="34" charset="0"/>
-            </a:endParaRPr>
           </a:p>
         </p:txBody>
       </p:sp>
       <p:cxnSp>
         <p:nvCxnSpPr>
-          <p:cNvPr id="208" name="Conector angular 207"/>
-          <p:cNvCxnSpPr/>
+          <p:cNvPr id="306" name="Conector angular 305"/>
+          <p:cNvCxnSpPr>
+            <a:stCxn id="304" idx="2"/>
+            <a:endCxn id="305" idx="0"/>
+          </p:cNvCxnSpPr>
           <p:nvPr/>
         </p:nvCxnSpPr>
         <p:spPr>
-          <a:xfrm rot="5400000">
-            <a:off x="7239157" y="2896417"/>
-            <a:ext cx="72000" cy="0"/>
+          <a:xfrm rot="16200000" flipH="1">
+            <a:off x="478807" y="5737410"/>
+            <a:ext cx="498170" cy="2540"/>
           </a:xfrm>
           <a:prstGeom prst="bentConnector3">
             <a:avLst>
@@ -4154,94 +4989,23 @@
           </a:fontRef>
         </p:style>
       </p:cxnSp>
-      <p:sp>
-        <p:nvSpPr>
-          <p:cNvPr id="209" name="CuadroTexto 208" descr="Conector entre nodos"/>
-          <p:cNvSpPr txBox="1"/>
-          <p:nvPr/>
-        </p:nvSpPr>
-        <p:spPr>
-          <a:xfrm>
-            <a:off x="6738586" y="2955005"/>
-            <a:ext cx="1117174" cy="230832"/>
-          </a:xfrm>
-          <a:prstGeom prst="rect">
-            <a:avLst/>
-          </a:prstGeom>
-          <a:noFill/>
-        </p:spPr>
-        <p:txBody>
-          <a:bodyPr wrap="square" rtlCol="0">
-            <a:spAutoFit/>
-          </a:bodyPr>
-          <a:lstStyle/>
-          <a:p>
-            <a:pPr algn="ctr"/>
-            <a:r>
-              <a:rPr lang="es-ES" sz="900" dirty="0" smtClean="0">
-                <a:latin typeface="Arial" panose="020B0604020202020204" pitchFamily="34" charset="0"/>
-                <a:cs typeface="Arial" panose="020B0604020202020204" pitchFamily="34" charset="0"/>
-              </a:rPr>
-              <a:t>el</a:t>
-            </a:r>
-            <a:endParaRPr lang="es-ES" sz="900" dirty="0">
-              <a:latin typeface="Arial" panose="020B0604020202020204" pitchFamily="34" charset="0"/>
-              <a:cs typeface="Arial" panose="020B0604020202020204" pitchFamily="34" charset="0"/>
-            </a:endParaRPr>
-          </a:p>
-        </p:txBody>
-      </p:sp>
-      <p:sp>
-        <p:nvSpPr>
-          <p:cNvPr id="213" name="CuadroTexto 212" descr="Conector entre nodos"/>
-          <p:cNvSpPr txBox="1"/>
-          <p:nvPr/>
-        </p:nvSpPr>
-        <p:spPr>
-          <a:xfrm>
-            <a:off x="7904315" y="2990186"/>
-            <a:ext cx="1117174" cy="230832"/>
-          </a:xfrm>
-          <a:prstGeom prst="rect">
-            <a:avLst/>
-          </a:prstGeom>
-          <a:noFill/>
-        </p:spPr>
-        <p:txBody>
-          <a:bodyPr wrap="square" rtlCol="0">
-            <a:spAutoFit/>
-          </a:bodyPr>
-          <a:lstStyle/>
-          <a:p>
-            <a:pPr algn="ctr"/>
-            <a:r>
-              <a:rPr lang="es-ES" sz="900" dirty="0" smtClean="0">
-                <a:latin typeface="Arial" panose="020B0604020202020204" pitchFamily="34" charset="0"/>
-                <a:cs typeface="Arial" panose="020B0604020202020204" pitchFamily="34" charset="0"/>
-              </a:rPr>
-              <a:t>el</a:t>
-            </a:r>
-            <a:endParaRPr lang="es-ES" sz="900" dirty="0">
-              <a:latin typeface="Arial" panose="020B0604020202020204" pitchFamily="34" charset="0"/>
-              <a:cs typeface="Arial" panose="020B0604020202020204" pitchFamily="34" charset="0"/>
-            </a:endParaRPr>
-          </a:p>
-        </p:txBody>
-      </p:sp>
       <p:cxnSp>
         <p:nvCxnSpPr>
-          <p:cNvPr id="214" name="Conector angular 213"/>
-          <p:cNvCxnSpPr/>
+          <p:cNvPr id="307" name="Conector angular 306"/>
+          <p:cNvCxnSpPr>
+            <a:stCxn id="73" idx="2"/>
+            <a:endCxn id="314" idx="0"/>
+          </p:cNvCxnSpPr>
           <p:nvPr/>
         </p:nvCxnSpPr>
         <p:spPr>
-          <a:xfrm rot="5400000">
-            <a:off x="8457283" y="2921817"/>
-            <a:ext cx="72000" cy="0"/>
+          <a:xfrm rot="16200000" flipH="1">
+            <a:off x="1403221" y="4388032"/>
+            <a:ext cx="181905" cy="511008"/>
           </a:xfrm>
           <a:prstGeom prst="bentConnector3">
             <a:avLst>
-              <a:gd name="adj1" fmla="val -3663"/>
+              <a:gd name="adj1" fmla="val 50000"/>
             </a:avLst>
           </a:prstGeom>
           <a:ln w="12700">
@@ -4267,14 +5031,14 @@
       </p:cxnSp>
       <p:sp>
         <p:nvSpPr>
-          <p:cNvPr id="215" name="CuadroTexto 214" descr="Conector entre nodos"/>
+          <p:cNvPr id="314" name="CuadroTexto 313" descr="Conector entre nodos"/>
           <p:cNvSpPr txBox="1"/>
           <p:nvPr/>
         </p:nvSpPr>
         <p:spPr>
           <a:xfrm>
-            <a:off x="6751465" y="3765612"/>
-            <a:ext cx="1117174" cy="230832"/>
+            <a:off x="1287310" y="4734489"/>
+            <a:ext cx="924733" cy="230832"/>
           </a:xfrm>
           <a:prstGeom prst="rect">
             <a:avLst/>
@@ -4293,94 +5057,60 @@
                 <a:latin typeface="Arial" panose="020B0604020202020204" pitchFamily="34" charset="0"/>
                 <a:cs typeface="Arial" panose="020B0604020202020204" pitchFamily="34" charset="0"/>
               </a:rPr>
-              <a:t>e</a:t>
+              <a:t>se define</a:t>
             </a:r>
-            <a:r>
-              <a:rPr lang="es-ES" sz="900" dirty="0" smtClean="0">
-                <a:latin typeface="Arial" panose="020B0604020202020204" pitchFamily="34" charset="0"/>
-                <a:cs typeface="Arial" panose="020B0604020202020204" pitchFamily="34" charset="0"/>
-              </a:rPr>
-              <a:t>s un</a:t>
-            </a:r>
-            <a:endParaRPr lang="es-ES" sz="900" dirty="0">
-              <a:latin typeface="Arial" panose="020B0604020202020204" pitchFamily="34" charset="0"/>
-              <a:cs typeface="Arial" panose="020B0604020202020204" pitchFamily="34" charset="0"/>
-            </a:endParaRPr>
           </a:p>
         </p:txBody>
       </p:sp>
+      <p:cxnSp>
+        <p:nvCxnSpPr>
+          <p:cNvPr id="315" name="Conector angular 314"/>
+          <p:cNvCxnSpPr>
+            <a:endCxn id="316" idx="0"/>
+          </p:cNvCxnSpPr>
+          <p:nvPr/>
+        </p:nvCxnSpPr>
+        <p:spPr>
+          <a:xfrm rot="16200000" flipH="1">
+            <a:off x="1706443" y="5016370"/>
+            <a:ext cx="89009" cy="2540"/>
+          </a:xfrm>
+          <a:prstGeom prst="bentConnector3">
+            <a:avLst>
+              <a:gd name="adj1" fmla="val 50000"/>
+            </a:avLst>
+          </a:prstGeom>
+          <a:ln w="12700">
+            <a:solidFill>
+              <a:schemeClr val="tx1"/>
+            </a:solidFill>
+          </a:ln>
+        </p:spPr>
+        <p:style>
+          <a:lnRef idx="1">
+            <a:schemeClr val="accent1"/>
+          </a:lnRef>
+          <a:fillRef idx="0">
+            <a:schemeClr val="accent1"/>
+          </a:fillRef>
+          <a:effectRef idx="0">
+            <a:schemeClr val="accent1"/>
+          </a:effectRef>
+          <a:fontRef idx="minor">
+            <a:schemeClr val="tx1"/>
+          </a:fontRef>
+        </p:style>
+      </p:cxnSp>
       <p:sp>
         <p:nvSpPr>
-          <p:cNvPr id="241" name="Rectángulo 240" descr="Nodo de cuarto nivel&#10;"/>
+          <p:cNvPr id="316" name="Rectángulo 315" descr="Nodo de quinto nivel"/>
           <p:cNvSpPr/>
           <p:nvPr/>
         </p:nvSpPr>
         <p:spPr>
           <a:xfrm>
-            <a:off x="6761615" y="3258570"/>
-            <a:ext cx="1122431" cy="353519"/>
-          </a:xfrm>
-          <a:prstGeom prst="rect">
-            <a:avLst/>
-          </a:prstGeom>
-          <a:solidFill>
-            <a:schemeClr val="bg1"/>
-          </a:solidFill>
-          <a:ln>
-            <a:solidFill>
-              <a:schemeClr val="tx1"/>
-            </a:solidFill>
-          </a:ln>
-        </p:spPr>
-        <p:style>
-          <a:lnRef idx="2">
-            <a:schemeClr val="accent6"/>
-          </a:lnRef>
-          <a:fillRef idx="1">
-            <a:schemeClr val="lt1"/>
-          </a:fillRef>
-          <a:effectRef idx="0">
-            <a:schemeClr val="accent6"/>
-          </a:effectRef>
-          <a:fontRef idx="minor">
-            <a:schemeClr val="dk1"/>
-          </a:fontRef>
-        </p:style>
-        <p:txBody>
-          <a:bodyPr rtlCol="0" anchor="ctr"/>
-          <a:lstStyle/>
-          <a:p>
-            <a:pPr algn="ctr"/>
-            <a:r>
-              <a:rPr lang="es-ES" sz="900" dirty="0" smtClean="0">
-                <a:solidFill>
-                  <a:schemeClr val="tx1"/>
-                </a:solidFill>
-                <a:latin typeface="Arial" panose="020B0604020202020204" pitchFamily="34" charset="0"/>
-                <a:cs typeface="Arial" panose="020B0604020202020204" pitchFamily="34" charset="0"/>
-              </a:rPr>
-              <a:t>resultado</a:t>
-            </a:r>
-            <a:endParaRPr lang="es-ES" sz="900" dirty="0">
-              <a:solidFill>
-                <a:schemeClr val="tx1"/>
-              </a:solidFill>
-              <a:latin typeface="Arial" panose="020B0604020202020204" pitchFamily="34" charset="0"/>
-              <a:cs typeface="Arial" panose="020B0604020202020204" pitchFamily="34" charset="0"/>
-            </a:endParaRPr>
-          </a:p>
-        </p:txBody>
-      </p:sp>
-      <p:sp>
-        <p:nvSpPr>
-          <p:cNvPr id="242" name="Rectángulo 241" descr="Nodo de quinto nivel"/>
-          <p:cNvSpPr/>
-          <p:nvPr/>
-        </p:nvSpPr>
-        <p:spPr>
-          <a:xfrm>
-            <a:off x="6733405" y="4058536"/>
-            <a:ext cx="1118927" cy="353519"/>
+            <a:off x="1289850" y="5062145"/>
+            <a:ext cx="924733" cy="427450"/>
           </a:xfrm>
           <a:prstGeom prst="rect">
             <a:avLst/>
@@ -4421,100 +5151,61 @@
                 <a:latin typeface="Arial" panose="020B0604020202020204" pitchFamily="34" charset="0"/>
                 <a:cs typeface="Arial" panose="020B0604020202020204" pitchFamily="34" charset="0"/>
               </a:rPr>
-              <a:t>n</a:t>
+              <a:t>valor absoluto</a:t>
             </a:r>
-            <a:r>
-              <a:rPr lang="es-ES" sz="900" dirty="0" smtClean="0">
-                <a:solidFill>
-                  <a:schemeClr val="tx1"/>
-                </a:solidFill>
-                <a:latin typeface="Arial" panose="020B0604020202020204" pitchFamily="34" charset="0"/>
-                <a:cs typeface="Arial" panose="020B0604020202020204" pitchFamily="34" charset="0"/>
-              </a:rPr>
-              <a:t>úmero entero positivo</a:t>
-            </a:r>
-            <a:endParaRPr lang="es-ES" sz="900" dirty="0">
-              <a:solidFill>
-                <a:schemeClr val="tx1"/>
-              </a:solidFill>
-              <a:latin typeface="Arial" panose="020B0604020202020204" pitchFamily="34" charset="0"/>
-              <a:cs typeface="Arial" panose="020B0604020202020204" pitchFamily="34" charset="0"/>
-            </a:endParaRPr>
           </a:p>
         </p:txBody>
       </p:sp>
+      <p:cxnSp>
+        <p:nvCxnSpPr>
+          <p:cNvPr id="317" name="Conector angular 316"/>
+          <p:cNvCxnSpPr>
+            <a:stCxn id="316" idx="2"/>
+            <a:endCxn id="318" idx="0"/>
+          </p:cNvCxnSpPr>
+          <p:nvPr/>
+        </p:nvCxnSpPr>
+        <p:spPr>
+          <a:xfrm rot="5400000">
+            <a:off x="1688226" y="5553586"/>
+            <a:ext cx="127983" cy="1"/>
+          </a:xfrm>
+          <a:prstGeom prst="bentConnector3">
+            <a:avLst>
+              <a:gd name="adj1" fmla="val 50000"/>
+            </a:avLst>
+          </a:prstGeom>
+          <a:ln w="12700">
+            <a:solidFill>
+              <a:schemeClr val="tx1"/>
+            </a:solidFill>
+          </a:ln>
+        </p:spPr>
+        <p:style>
+          <a:lnRef idx="1">
+            <a:schemeClr val="accent1"/>
+          </a:lnRef>
+          <a:fillRef idx="0">
+            <a:schemeClr val="accent1"/>
+          </a:fillRef>
+          <a:effectRef idx="0">
+            <a:schemeClr val="accent1"/>
+          </a:effectRef>
+          <a:fontRef idx="minor">
+            <a:schemeClr val="tx1"/>
+          </a:fontRef>
+        </p:style>
+      </p:cxnSp>
       <p:sp>
         <p:nvSpPr>
-          <p:cNvPr id="246" name="Rectángulo 245" descr="Nodo de cuarto nivel&#10;"/>
-          <p:cNvSpPr/>
+          <p:cNvPr id="318" name="CuadroTexto 317" descr="Conector entre nodos"/>
+          <p:cNvSpPr txBox="1"/>
           <p:nvPr/>
         </p:nvSpPr>
         <p:spPr>
           <a:xfrm>
-            <a:off x="7965165" y="3258569"/>
-            <a:ext cx="1122431" cy="353519"/>
-          </a:xfrm>
-          <a:prstGeom prst="rect">
-            <a:avLst/>
-          </a:prstGeom>
-          <a:solidFill>
-            <a:schemeClr val="bg1"/>
-          </a:solidFill>
-          <a:ln>
-            <a:solidFill>
-              <a:schemeClr val="tx1"/>
-            </a:solidFill>
-          </a:ln>
-        </p:spPr>
-        <p:style>
-          <a:lnRef idx="2">
-            <a:schemeClr val="accent6"/>
-          </a:lnRef>
-          <a:fillRef idx="1">
-            <a:schemeClr val="lt1"/>
-          </a:fillRef>
-          <a:effectRef idx="0">
-            <a:schemeClr val="accent6"/>
-          </a:effectRef>
-          <a:fontRef idx="minor">
-            <a:schemeClr val="dk1"/>
-          </a:fontRef>
-        </p:style>
-        <p:txBody>
-          <a:bodyPr rtlCol="0" anchor="ctr"/>
-          <a:lstStyle/>
-          <a:p>
-            <a:pPr algn="ctr"/>
-            <a:r>
-              <a:rPr lang="es-ES" sz="900" dirty="0" smtClean="0">
-                <a:solidFill>
-                  <a:schemeClr val="tx1"/>
-                </a:solidFill>
-                <a:latin typeface="Arial" panose="020B0604020202020204" pitchFamily="34" charset="0"/>
-                <a:cs typeface="Arial" panose="020B0604020202020204" pitchFamily="34" charset="0"/>
-              </a:rPr>
-              <a:t>resultado</a:t>
-            </a:r>
-            <a:endParaRPr lang="es-ES" sz="900" dirty="0">
-              <a:solidFill>
-                <a:schemeClr val="tx1"/>
-              </a:solidFill>
-              <a:latin typeface="Arial" panose="020B0604020202020204" pitchFamily="34" charset="0"/>
-              <a:cs typeface="Arial" panose="020B0604020202020204" pitchFamily="34" charset="0"/>
-            </a:endParaRPr>
-          </a:p>
-        </p:txBody>
-      </p:sp>
-      <p:sp>
-        <p:nvSpPr>
-          <p:cNvPr id="247" name="CuadroTexto 246" descr="Conector entre nodos"/>
-          <p:cNvSpPr txBox="1"/>
-          <p:nvPr/>
-        </p:nvSpPr>
-        <p:spPr>
-          <a:xfrm>
-            <a:off x="7957543" y="3760749"/>
-            <a:ext cx="1117174" cy="230832"/>
+            <a:off x="1331883" y="5617578"/>
+            <a:ext cx="840666" cy="230832"/>
           </a:xfrm>
           <a:prstGeom prst="rect">
             <a:avLst/>
@@ -4533,32 +5224,61 @@
                 <a:latin typeface="Arial" panose="020B0604020202020204" pitchFamily="34" charset="0"/>
                 <a:cs typeface="Arial" panose="020B0604020202020204" pitchFamily="34" charset="0"/>
               </a:rPr>
-              <a:t>e</a:t>
+              <a:t>como</a:t>
             </a:r>
-            <a:r>
-              <a:rPr lang="es-ES" sz="900" dirty="0" smtClean="0">
-                <a:latin typeface="Arial" panose="020B0604020202020204" pitchFamily="34" charset="0"/>
-                <a:cs typeface="Arial" panose="020B0604020202020204" pitchFamily="34" charset="0"/>
-              </a:rPr>
-              <a:t>s un</a:t>
-            </a:r>
-            <a:endParaRPr lang="es-ES" sz="900" dirty="0">
-              <a:latin typeface="Arial" panose="020B0604020202020204" pitchFamily="34" charset="0"/>
-              <a:cs typeface="Arial" panose="020B0604020202020204" pitchFamily="34" charset="0"/>
-            </a:endParaRPr>
           </a:p>
         </p:txBody>
       </p:sp>
+      <p:cxnSp>
+        <p:nvCxnSpPr>
+          <p:cNvPr id="319" name="Conector angular 318"/>
+          <p:cNvCxnSpPr>
+            <a:stCxn id="255" idx="2"/>
+            <a:endCxn id="252" idx="0"/>
+          </p:cNvCxnSpPr>
+          <p:nvPr/>
+        </p:nvCxnSpPr>
+        <p:spPr>
+          <a:xfrm rot="16200000" flipH="1">
+            <a:off x="3898533" y="4978003"/>
+            <a:ext cx="132286" cy="1"/>
+          </a:xfrm>
+          <a:prstGeom prst="bentConnector3">
+            <a:avLst>
+              <a:gd name="adj1" fmla="val 50000"/>
+            </a:avLst>
+          </a:prstGeom>
+          <a:ln w="12700">
+            <a:solidFill>
+              <a:schemeClr val="tx1"/>
+            </a:solidFill>
+          </a:ln>
+        </p:spPr>
+        <p:style>
+          <a:lnRef idx="1">
+            <a:schemeClr val="accent1"/>
+          </a:lnRef>
+          <a:fillRef idx="0">
+            <a:schemeClr val="accent1"/>
+          </a:fillRef>
+          <a:effectRef idx="0">
+            <a:schemeClr val="accent1"/>
+          </a:effectRef>
+          <a:fontRef idx="minor">
+            <a:schemeClr val="tx1"/>
+          </a:fontRef>
+        </p:style>
+      </p:cxnSp>
       <p:sp>
         <p:nvSpPr>
-          <p:cNvPr id="250" name="Rectángulo 249" descr="Nodo de quinto nivel"/>
+          <p:cNvPr id="320" name="Rectángulo 319" descr="Nodo de quinto nivel"/>
           <p:cNvSpPr/>
           <p:nvPr/>
         </p:nvSpPr>
         <p:spPr>
           <a:xfrm>
-            <a:off x="7944600" y="4056682"/>
-            <a:ext cx="1118927" cy="353519"/>
+            <a:off x="1289850" y="5985884"/>
+            <a:ext cx="924733" cy="321150"/>
           </a:xfrm>
           <a:prstGeom prst="rect">
             <a:avLst/>
@@ -4599,1243 +5319,28 @@
                 <a:latin typeface="Arial" panose="020B0604020202020204" pitchFamily="34" charset="0"/>
                 <a:cs typeface="Arial" panose="020B0604020202020204" pitchFamily="34" charset="0"/>
               </a:rPr>
-              <a:t>n</a:t>
+              <a:t>distancia del número a cero</a:t>
             </a:r>
-            <a:r>
-              <a:rPr lang="es-ES" sz="900" smtClean="0">
-                <a:solidFill>
-                  <a:schemeClr val="tx1"/>
-                </a:solidFill>
-                <a:latin typeface="Arial" panose="020B0604020202020204" pitchFamily="34" charset="0"/>
-                <a:cs typeface="Arial" panose="020B0604020202020204" pitchFamily="34" charset="0"/>
-              </a:rPr>
-              <a:t>úmero </a:t>
-            </a:r>
-            <a:r>
-              <a:rPr lang="es-ES" sz="900" dirty="0" smtClean="0">
-                <a:solidFill>
-                  <a:schemeClr val="tx1"/>
-                </a:solidFill>
-                <a:latin typeface="Arial" panose="020B0604020202020204" pitchFamily="34" charset="0"/>
-                <a:cs typeface="Arial" panose="020B0604020202020204" pitchFamily="34" charset="0"/>
-              </a:rPr>
-              <a:t>entero negativo</a:t>
-            </a:r>
-            <a:endParaRPr lang="es-ES" sz="900" dirty="0">
-              <a:solidFill>
-                <a:schemeClr val="tx1"/>
-              </a:solidFill>
-              <a:latin typeface="Arial" panose="020B0604020202020204" pitchFamily="34" charset="0"/>
-              <a:cs typeface="Arial" panose="020B0604020202020204" pitchFamily="34" charset="0"/>
-            </a:endParaRPr>
-          </a:p>
-        </p:txBody>
-      </p:sp>
-      <p:sp>
-        <p:nvSpPr>
-          <p:cNvPr id="252" name="Rectángulo 251" descr="Nodo de quinto nivel"/>
-          <p:cNvSpPr/>
-          <p:nvPr/>
-        </p:nvSpPr>
-        <p:spPr>
-          <a:xfrm>
-            <a:off x="3029731" y="4836847"/>
-            <a:ext cx="1118927" cy="427450"/>
-          </a:xfrm>
-          <a:prstGeom prst="rect">
-            <a:avLst/>
-          </a:prstGeom>
-          <a:solidFill>
-            <a:schemeClr val="bg1"/>
-          </a:solidFill>
-          <a:ln>
-            <a:solidFill>
-              <a:schemeClr val="tx1"/>
-            </a:solidFill>
-          </a:ln>
-        </p:spPr>
-        <p:style>
-          <a:lnRef idx="2">
-            <a:schemeClr val="accent6"/>
-          </a:lnRef>
-          <a:fillRef idx="1">
-            <a:schemeClr val="lt1"/>
-          </a:fillRef>
-          <a:effectRef idx="0">
-            <a:schemeClr val="accent6"/>
-          </a:effectRef>
-          <a:fontRef idx="minor">
-            <a:schemeClr val="dk1"/>
-          </a:fontRef>
-        </p:style>
-        <p:txBody>
-          <a:bodyPr rtlCol="0" anchor="ctr"/>
-          <a:lstStyle/>
-          <a:p>
-            <a:pPr algn="ctr"/>
-            <a:r>
-              <a:rPr lang="es-ES" sz="900" dirty="0" smtClean="0">
-                <a:solidFill>
-                  <a:schemeClr val="tx1"/>
-                </a:solidFill>
-                <a:latin typeface="Arial" panose="020B0604020202020204" pitchFamily="34" charset="0"/>
-                <a:cs typeface="Arial" panose="020B0604020202020204" pitchFamily="34" charset="0"/>
-              </a:rPr>
-              <a:t>signo de los sumandos</a:t>
-            </a:r>
-            <a:endParaRPr lang="es-ES" sz="900" dirty="0">
-              <a:solidFill>
-                <a:schemeClr val="tx1"/>
-              </a:solidFill>
-              <a:latin typeface="Arial" panose="020B0604020202020204" pitchFamily="34" charset="0"/>
-              <a:cs typeface="Arial" panose="020B0604020202020204" pitchFamily="34" charset="0"/>
-            </a:endParaRPr>
-          </a:p>
-        </p:txBody>
-      </p:sp>
-      <p:sp>
-        <p:nvSpPr>
-          <p:cNvPr id="255" name="CuadroTexto 254" descr="Conector entre nodos"/>
-          <p:cNvSpPr txBox="1"/>
-          <p:nvPr/>
-        </p:nvSpPr>
-        <p:spPr>
-          <a:xfrm>
-            <a:off x="2974619" y="4535469"/>
-            <a:ext cx="1117174" cy="230832"/>
-          </a:xfrm>
-          <a:prstGeom prst="rect">
-            <a:avLst/>
-          </a:prstGeom>
-          <a:noFill/>
-        </p:spPr>
-        <p:txBody>
-          <a:bodyPr wrap="square" rtlCol="0">
-            <a:spAutoFit/>
-          </a:bodyPr>
-          <a:lstStyle/>
-          <a:p>
-            <a:pPr algn="ctr"/>
-            <a:r>
-              <a:rPr lang="es-ES" sz="900" dirty="0">
-                <a:latin typeface="Arial" panose="020B0604020202020204" pitchFamily="34" charset="0"/>
-                <a:cs typeface="Arial" panose="020B0604020202020204" pitchFamily="34" charset="0"/>
-              </a:rPr>
-              <a:t>queda con </a:t>
-            </a:r>
-            <a:r>
-              <a:rPr lang="es-ES" sz="900" dirty="0" smtClean="0">
-                <a:latin typeface="Arial" panose="020B0604020202020204" pitchFamily="34" charset="0"/>
-                <a:cs typeface="Arial" panose="020B0604020202020204" pitchFamily="34" charset="0"/>
-              </a:rPr>
-              <a:t>el</a:t>
-            </a:r>
-            <a:endParaRPr lang="es-ES" sz="900" dirty="0">
-              <a:latin typeface="Arial" panose="020B0604020202020204" pitchFamily="34" charset="0"/>
-              <a:cs typeface="Arial" panose="020B0604020202020204" pitchFamily="34" charset="0"/>
-            </a:endParaRPr>
-          </a:p>
-        </p:txBody>
-      </p:sp>
-      <p:sp>
-        <p:nvSpPr>
-          <p:cNvPr id="276" name="Rectángulo 275" descr="Nodo de quinto nivel"/>
-          <p:cNvSpPr/>
-          <p:nvPr/>
-        </p:nvSpPr>
-        <p:spPr>
-          <a:xfrm>
-            <a:off x="4318294" y="4837663"/>
-            <a:ext cx="1118927" cy="337185"/>
-          </a:xfrm>
-          <a:prstGeom prst="rect">
-            <a:avLst/>
-          </a:prstGeom>
-          <a:solidFill>
-            <a:schemeClr val="bg1"/>
-          </a:solidFill>
-          <a:ln>
-            <a:solidFill>
-              <a:schemeClr val="tx1"/>
-            </a:solidFill>
-          </a:ln>
-        </p:spPr>
-        <p:style>
-          <a:lnRef idx="2">
-            <a:schemeClr val="accent6"/>
-          </a:lnRef>
-          <a:fillRef idx="1">
-            <a:schemeClr val="lt1"/>
-          </a:fillRef>
-          <a:effectRef idx="0">
-            <a:schemeClr val="accent6"/>
-          </a:effectRef>
-          <a:fontRef idx="minor">
-            <a:schemeClr val="dk1"/>
-          </a:fontRef>
-        </p:style>
-        <p:txBody>
-          <a:bodyPr rtlCol="0" anchor="ctr"/>
-          <a:lstStyle/>
-          <a:p>
-            <a:pPr algn="ctr"/>
-            <a:r>
-              <a:rPr lang="es-ES" sz="900" dirty="0" smtClean="0">
-                <a:solidFill>
-                  <a:schemeClr val="tx1"/>
-                </a:solidFill>
-                <a:latin typeface="Arial" panose="020B0604020202020204" pitchFamily="34" charset="0"/>
-                <a:cs typeface="Arial" panose="020B0604020202020204" pitchFamily="34" charset="0"/>
-              </a:rPr>
-              <a:t>signo del sumando</a:t>
-            </a:r>
-            <a:endParaRPr lang="es-ES" sz="900" dirty="0">
-              <a:solidFill>
-                <a:schemeClr val="tx1"/>
-              </a:solidFill>
-              <a:latin typeface="Arial" panose="020B0604020202020204" pitchFamily="34" charset="0"/>
-              <a:cs typeface="Arial" panose="020B0604020202020204" pitchFamily="34" charset="0"/>
-            </a:endParaRPr>
-          </a:p>
-        </p:txBody>
-      </p:sp>
-      <p:sp>
-        <p:nvSpPr>
-          <p:cNvPr id="277" name="CuadroTexto 276" descr="Conector entre nodos"/>
-          <p:cNvSpPr txBox="1"/>
-          <p:nvPr/>
-        </p:nvSpPr>
-        <p:spPr>
-          <a:xfrm>
-            <a:off x="4304355" y="4506665"/>
-            <a:ext cx="1117174" cy="230832"/>
-          </a:xfrm>
-          <a:prstGeom prst="rect">
-            <a:avLst/>
-          </a:prstGeom>
-          <a:noFill/>
-        </p:spPr>
-        <p:txBody>
-          <a:bodyPr wrap="square" rtlCol="0">
-            <a:spAutoFit/>
-          </a:bodyPr>
-          <a:lstStyle/>
-          <a:p>
-            <a:pPr algn="ctr"/>
-            <a:r>
-              <a:rPr lang="es-ES" sz="900" dirty="0">
-                <a:latin typeface="Arial" panose="020B0604020202020204" pitchFamily="34" charset="0"/>
-                <a:cs typeface="Arial" panose="020B0604020202020204" pitchFamily="34" charset="0"/>
-              </a:rPr>
-              <a:t>queda con </a:t>
-            </a:r>
-            <a:r>
-              <a:rPr lang="es-ES" sz="900" dirty="0" smtClean="0">
-                <a:latin typeface="Arial" panose="020B0604020202020204" pitchFamily="34" charset="0"/>
-                <a:cs typeface="Arial" panose="020B0604020202020204" pitchFamily="34" charset="0"/>
-              </a:rPr>
-              <a:t>el</a:t>
-            </a:r>
-            <a:endParaRPr lang="es-ES" sz="900" dirty="0">
-              <a:latin typeface="Arial" panose="020B0604020202020204" pitchFamily="34" charset="0"/>
-              <a:cs typeface="Arial" panose="020B0604020202020204" pitchFamily="34" charset="0"/>
-            </a:endParaRPr>
-          </a:p>
-        </p:txBody>
-      </p:sp>
-      <p:sp>
-        <p:nvSpPr>
-          <p:cNvPr id="278" name="Rectángulo 277" descr="Nodo de quinto nivel"/>
-          <p:cNvSpPr/>
-          <p:nvPr/>
-        </p:nvSpPr>
-        <p:spPr>
-          <a:xfrm>
-            <a:off x="4328185" y="5605959"/>
-            <a:ext cx="1118927" cy="312382"/>
-          </a:xfrm>
-          <a:prstGeom prst="rect">
-            <a:avLst/>
-          </a:prstGeom>
-          <a:solidFill>
-            <a:schemeClr val="bg1"/>
-          </a:solidFill>
-          <a:ln>
-            <a:solidFill>
-              <a:schemeClr val="tx1"/>
-            </a:solidFill>
-          </a:ln>
-        </p:spPr>
-        <p:style>
-          <a:lnRef idx="2">
-            <a:schemeClr val="accent6"/>
-          </a:lnRef>
-          <a:fillRef idx="1">
-            <a:schemeClr val="lt1"/>
-          </a:fillRef>
-          <a:effectRef idx="0">
-            <a:schemeClr val="accent6"/>
-          </a:effectRef>
-          <a:fontRef idx="minor">
-            <a:schemeClr val="dk1"/>
-          </a:fontRef>
-        </p:style>
-        <p:txBody>
-          <a:bodyPr rtlCol="0" anchor="ctr"/>
-          <a:lstStyle/>
-          <a:p>
-            <a:pPr algn="ctr"/>
-            <a:r>
-              <a:rPr lang="es-ES" sz="900" dirty="0" smtClean="0">
-                <a:solidFill>
-                  <a:schemeClr val="tx1"/>
-                </a:solidFill>
-                <a:latin typeface="Arial" panose="020B0604020202020204" pitchFamily="34" charset="0"/>
-                <a:cs typeface="Arial" panose="020B0604020202020204" pitchFamily="34" charset="0"/>
-              </a:rPr>
-              <a:t>mayor valor absoluto</a:t>
-            </a:r>
-            <a:endParaRPr lang="es-ES" sz="900" dirty="0">
-              <a:solidFill>
-                <a:schemeClr val="tx1"/>
-              </a:solidFill>
-              <a:latin typeface="Arial" panose="020B0604020202020204" pitchFamily="34" charset="0"/>
-              <a:cs typeface="Arial" panose="020B0604020202020204" pitchFamily="34" charset="0"/>
-            </a:endParaRPr>
-          </a:p>
-        </p:txBody>
-      </p:sp>
-      <p:sp>
-        <p:nvSpPr>
-          <p:cNvPr id="279" name="CuadroTexto 278" descr="Conector entre nodos"/>
-          <p:cNvSpPr txBox="1"/>
-          <p:nvPr/>
-        </p:nvSpPr>
-        <p:spPr>
-          <a:xfrm>
-            <a:off x="4326604" y="5301269"/>
-            <a:ext cx="1117174" cy="230832"/>
-          </a:xfrm>
-          <a:prstGeom prst="rect">
-            <a:avLst/>
-          </a:prstGeom>
-          <a:noFill/>
-        </p:spPr>
-        <p:txBody>
-          <a:bodyPr wrap="square" rtlCol="0">
-            <a:spAutoFit/>
-          </a:bodyPr>
-          <a:lstStyle/>
-          <a:p>
-            <a:pPr algn="ctr"/>
-            <a:r>
-              <a:rPr lang="es-ES" sz="900" dirty="0" smtClean="0">
-                <a:latin typeface="Arial" panose="020B0604020202020204" pitchFamily="34" charset="0"/>
-                <a:cs typeface="Arial" panose="020B0604020202020204" pitchFamily="34" charset="0"/>
-              </a:rPr>
-              <a:t>con </a:t>
-            </a:r>
-            <a:endParaRPr lang="es-ES" sz="900" dirty="0">
-              <a:latin typeface="Arial" panose="020B0604020202020204" pitchFamily="34" charset="0"/>
-              <a:cs typeface="Arial" panose="020B0604020202020204" pitchFamily="34" charset="0"/>
-            </a:endParaRPr>
-          </a:p>
-        </p:txBody>
-      </p:sp>
-      <p:cxnSp>
-        <p:nvCxnSpPr>
-          <p:cNvPr id="294" name="Conector angular 293"/>
-          <p:cNvCxnSpPr/>
-          <p:nvPr/>
-        </p:nvCxnSpPr>
-        <p:spPr>
-          <a:xfrm rot="16200000" flipH="1">
-            <a:off x="1617862" y="3506351"/>
-            <a:ext cx="152651" cy="638370"/>
-          </a:xfrm>
-          <a:prstGeom prst="bentConnector3">
-            <a:avLst>
-              <a:gd name="adj1" fmla="val 50000"/>
-            </a:avLst>
-          </a:prstGeom>
-          <a:ln w="12700">
-            <a:solidFill>
-              <a:schemeClr val="tx1"/>
-            </a:solidFill>
-          </a:ln>
-        </p:spPr>
-        <p:style>
-          <a:lnRef idx="1">
-            <a:schemeClr val="accent1"/>
-          </a:lnRef>
-          <a:fillRef idx="0">
-            <a:schemeClr val="accent1"/>
-          </a:fillRef>
-          <a:effectRef idx="0">
-            <a:schemeClr val="accent1"/>
-          </a:effectRef>
-          <a:fontRef idx="minor">
-            <a:schemeClr val="tx1"/>
-          </a:fontRef>
-        </p:style>
-      </p:cxnSp>
-      <p:cxnSp>
-        <p:nvCxnSpPr>
-          <p:cNvPr id="295" name="Conector angular 294"/>
-          <p:cNvCxnSpPr/>
-          <p:nvPr/>
-        </p:nvCxnSpPr>
-        <p:spPr>
-          <a:xfrm rot="5400000">
-            <a:off x="1007785" y="3520275"/>
-            <a:ext cx="152651" cy="610466"/>
-          </a:xfrm>
-          <a:prstGeom prst="bentConnector3">
-            <a:avLst>
-              <a:gd name="adj1" fmla="val 50000"/>
-            </a:avLst>
-          </a:prstGeom>
-          <a:ln w="12700">
-            <a:solidFill>
-              <a:schemeClr val="tx1"/>
-            </a:solidFill>
-          </a:ln>
-        </p:spPr>
-        <p:style>
-          <a:lnRef idx="1">
-            <a:schemeClr val="accent1"/>
-          </a:lnRef>
-          <a:fillRef idx="0">
-            <a:schemeClr val="accent1"/>
-          </a:fillRef>
-          <a:effectRef idx="0">
-            <a:schemeClr val="accent1"/>
-          </a:effectRef>
-          <a:fontRef idx="minor">
-            <a:schemeClr val="tx1"/>
-          </a:fontRef>
-        </p:style>
-      </p:cxnSp>
-      <p:cxnSp>
-        <p:nvCxnSpPr>
-          <p:cNvPr id="297" name="Conector angular 296"/>
-          <p:cNvCxnSpPr/>
-          <p:nvPr/>
-        </p:nvCxnSpPr>
-        <p:spPr>
-          <a:xfrm rot="5400000">
-            <a:off x="4950908" y="509742"/>
-            <a:ext cx="144000" cy="1965600"/>
-          </a:xfrm>
-          <a:prstGeom prst="bentConnector3">
-            <a:avLst/>
-          </a:prstGeom>
-          <a:ln w="12700">
-            <a:solidFill>
-              <a:schemeClr val="tx1"/>
-            </a:solidFill>
-          </a:ln>
-        </p:spPr>
-        <p:style>
-          <a:lnRef idx="1">
-            <a:schemeClr val="accent1"/>
-          </a:lnRef>
-          <a:fillRef idx="0">
-            <a:schemeClr val="accent1"/>
-          </a:fillRef>
-          <a:effectRef idx="0">
-            <a:schemeClr val="accent1"/>
-          </a:effectRef>
-          <a:fontRef idx="minor">
-            <a:schemeClr val="tx1"/>
-          </a:fontRef>
-        </p:style>
-      </p:cxnSp>
-      <p:cxnSp>
-        <p:nvCxnSpPr>
-          <p:cNvPr id="298" name="Conector angular 297"/>
-          <p:cNvCxnSpPr/>
-          <p:nvPr/>
-        </p:nvCxnSpPr>
-        <p:spPr>
-          <a:xfrm rot="16200000" flipH="1">
-            <a:off x="6734945" y="688250"/>
-            <a:ext cx="144000" cy="1605600"/>
-          </a:xfrm>
-          <a:prstGeom prst="bentConnector3">
-            <a:avLst/>
-          </a:prstGeom>
-          <a:ln w="12700">
-            <a:solidFill>
-              <a:schemeClr val="tx1"/>
-            </a:solidFill>
-          </a:ln>
-        </p:spPr>
-        <p:style>
-          <a:lnRef idx="1">
-            <a:schemeClr val="accent1"/>
-          </a:lnRef>
-          <a:fillRef idx="0">
-            <a:schemeClr val="accent1"/>
-          </a:fillRef>
-          <a:effectRef idx="0">
-            <a:schemeClr val="accent1"/>
-          </a:effectRef>
-          <a:fontRef idx="minor">
-            <a:schemeClr val="tx1"/>
-          </a:fontRef>
-        </p:style>
-      </p:cxnSp>
-      <p:cxnSp>
-        <p:nvCxnSpPr>
-          <p:cNvPr id="299" name="Conector angular 298"/>
-          <p:cNvCxnSpPr/>
-          <p:nvPr/>
-        </p:nvCxnSpPr>
-        <p:spPr>
-          <a:xfrm rot="5400000">
-            <a:off x="3550104" y="4432953"/>
-            <a:ext cx="72000" cy="0"/>
-          </a:xfrm>
-          <a:prstGeom prst="bentConnector3">
-            <a:avLst>
-              <a:gd name="adj1" fmla="val 148381"/>
-            </a:avLst>
-          </a:prstGeom>
-          <a:ln w="12700">
-            <a:solidFill>
-              <a:schemeClr val="tx1"/>
-            </a:solidFill>
-          </a:ln>
-        </p:spPr>
-        <p:style>
-          <a:lnRef idx="1">
-            <a:schemeClr val="accent1"/>
-          </a:lnRef>
-          <a:fillRef idx="0">
-            <a:schemeClr val="accent1"/>
-          </a:fillRef>
-          <a:effectRef idx="0">
-            <a:schemeClr val="accent1"/>
-          </a:effectRef>
-          <a:fontRef idx="minor">
-            <a:schemeClr val="tx1"/>
-          </a:fontRef>
-        </p:style>
-      </p:cxnSp>
-      <p:cxnSp>
-        <p:nvCxnSpPr>
-          <p:cNvPr id="300" name="Conector angular 299"/>
-          <p:cNvCxnSpPr/>
-          <p:nvPr/>
-        </p:nvCxnSpPr>
-        <p:spPr>
-          <a:xfrm rot="5400000">
-            <a:off x="2025149" y="5418672"/>
-            <a:ext cx="72000" cy="0"/>
-          </a:xfrm>
-          <a:prstGeom prst="bentConnector3">
-            <a:avLst>
-              <a:gd name="adj1" fmla="val 148381"/>
-            </a:avLst>
-          </a:prstGeom>
-          <a:ln w="12700">
-            <a:solidFill>
-              <a:schemeClr val="tx1"/>
-            </a:solidFill>
-          </a:ln>
-        </p:spPr>
-        <p:style>
-          <a:lnRef idx="1">
-            <a:schemeClr val="accent1"/>
-          </a:lnRef>
-          <a:fillRef idx="0">
-            <a:schemeClr val="accent1"/>
-          </a:fillRef>
-          <a:effectRef idx="0">
-            <a:schemeClr val="accent1"/>
-          </a:effectRef>
-          <a:fontRef idx="minor">
-            <a:schemeClr val="tx1"/>
-          </a:fontRef>
-        </p:style>
-      </p:cxnSp>
-      <p:sp>
-        <p:nvSpPr>
-          <p:cNvPr id="301" name="CuadroTexto 300" descr="Conector entre nodos"/>
-          <p:cNvSpPr txBox="1"/>
-          <p:nvPr/>
-        </p:nvSpPr>
-        <p:spPr>
-          <a:xfrm>
-            <a:off x="217661" y="4393892"/>
-            <a:ext cx="1117174" cy="230832"/>
-          </a:xfrm>
-          <a:prstGeom prst="rect">
-            <a:avLst/>
-          </a:prstGeom>
-          <a:noFill/>
-        </p:spPr>
-        <p:txBody>
-          <a:bodyPr wrap="square" rtlCol="0">
-            <a:spAutoFit/>
-          </a:bodyPr>
-          <a:lstStyle/>
-          <a:p>
-            <a:pPr algn="ctr"/>
-            <a:r>
-              <a:rPr lang="es-ES" sz="900" dirty="0">
-                <a:latin typeface="Arial" panose="020B0604020202020204" pitchFamily="34" charset="0"/>
-                <a:cs typeface="Arial" panose="020B0604020202020204" pitchFamily="34" charset="0"/>
-              </a:rPr>
-              <a:t>s</a:t>
-            </a:r>
-            <a:r>
-              <a:rPr lang="es-ES" sz="900" dirty="0" smtClean="0">
-                <a:latin typeface="Arial" panose="020B0604020202020204" pitchFamily="34" charset="0"/>
-                <a:cs typeface="Arial" panose="020B0604020202020204" pitchFamily="34" charset="0"/>
-              </a:rPr>
-              <a:t>e establecen</a:t>
-            </a:r>
-            <a:endParaRPr lang="es-ES" sz="900" dirty="0">
-              <a:latin typeface="Arial" panose="020B0604020202020204" pitchFamily="34" charset="0"/>
-              <a:cs typeface="Arial" panose="020B0604020202020204" pitchFamily="34" charset="0"/>
-            </a:endParaRPr>
-          </a:p>
-        </p:txBody>
-      </p:sp>
-      <p:cxnSp>
-        <p:nvCxnSpPr>
-          <p:cNvPr id="302" name="Conector angular 301"/>
-          <p:cNvCxnSpPr/>
-          <p:nvPr/>
-        </p:nvCxnSpPr>
-        <p:spPr>
-          <a:xfrm rot="5400000">
-            <a:off x="727369" y="4326617"/>
-            <a:ext cx="72000" cy="0"/>
-          </a:xfrm>
-          <a:prstGeom prst="bentConnector3">
-            <a:avLst>
-              <a:gd name="adj1" fmla="val 148381"/>
-            </a:avLst>
-          </a:prstGeom>
-          <a:ln w="12700">
-            <a:solidFill>
-              <a:schemeClr val="tx1"/>
-            </a:solidFill>
-          </a:ln>
-        </p:spPr>
-        <p:style>
-          <a:lnRef idx="1">
-            <a:schemeClr val="accent1"/>
-          </a:lnRef>
-          <a:fillRef idx="0">
-            <a:schemeClr val="accent1"/>
-          </a:fillRef>
-          <a:effectRef idx="0">
-            <a:schemeClr val="accent1"/>
-          </a:effectRef>
-          <a:fontRef idx="minor">
-            <a:schemeClr val="tx1"/>
-          </a:fontRef>
-        </p:style>
-      </p:cxnSp>
-      <p:cxnSp>
-        <p:nvCxnSpPr>
-          <p:cNvPr id="303" name="Conector angular 302"/>
-          <p:cNvCxnSpPr/>
-          <p:nvPr/>
-        </p:nvCxnSpPr>
-        <p:spPr>
-          <a:xfrm rot="5400000">
-            <a:off x="727369" y="4624718"/>
-            <a:ext cx="72000" cy="0"/>
-          </a:xfrm>
-          <a:prstGeom prst="bentConnector3">
-            <a:avLst>
-              <a:gd name="adj1" fmla="val 148381"/>
-            </a:avLst>
-          </a:prstGeom>
-          <a:ln w="12700">
-            <a:solidFill>
-              <a:schemeClr val="tx1"/>
-            </a:solidFill>
-          </a:ln>
-        </p:spPr>
-        <p:style>
-          <a:lnRef idx="1">
-            <a:schemeClr val="accent1"/>
-          </a:lnRef>
-          <a:fillRef idx="0">
-            <a:schemeClr val="accent1"/>
-          </a:fillRef>
-          <a:effectRef idx="0">
-            <a:schemeClr val="accent1"/>
-          </a:effectRef>
-          <a:fontRef idx="minor">
-            <a:schemeClr val="tx1"/>
-          </a:fontRef>
-        </p:style>
-      </p:cxnSp>
-      <p:sp>
-        <p:nvSpPr>
-          <p:cNvPr id="304" name="Rectángulo 303" descr="Nodo de quinto nivel"/>
-          <p:cNvSpPr/>
-          <p:nvPr/>
-        </p:nvSpPr>
-        <p:spPr>
-          <a:xfrm>
-            <a:off x="190604" y="4737497"/>
-            <a:ext cx="1118927" cy="427450"/>
-          </a:xfrm>
-          <a:prstGeom prst="rect">
-            <a:avLst/>
-          </a:prstGeom>
-          <a:solidFill>
-            <a:schemeClr val="bg1"/>
-          </a:solidFill>
-          <a:ln>
-            <a:solidFill>
-              <a:schemeClr val="tx1"/>
-            </a:solidFill>
-          </a:ln>
-        </p:spPr>
-        <p:style>
-          <a:lnRef idx="2">
-            <a:schemeClr val="accent6"/>
-          </a:lnRef>
-          <a:fillRef idx="1">
-            <a:schemeClr val="lt1"/>
-          </a:fillRef>
-          <a:effectRef idx="0">
-            <a:schemeClr val="accent6"/>
-          </a:effectRef>
-          <a:fontRef idx="minor">
-            <a:schemeClr val="dk1"/>
-          </a:fontRef>
-        </p:style>
-        <p:txBody>
-          <a:bodyPr rtlCol="0" anchor="ctr"/>
-          <a:lstStyle/>
-          <a:p>
-            <a:pPr algn="ctr"/>
-            <a:r>
-              <a:rPr lang="es-ES" sz="900" dirty="0">
-                <a:solidFill>
-                  <a:schemeClr val="tx1"/>
-                </a:solidFill>
-                <a:latin typeface="Arial" panose="020B0604020202020204" pitchFamily="34" charset="0"/>
-                <a:cs typeface="Arial" panose="020B0604020202020204" pitchFamily="34" charset="0"/>
-              </a:rPr>
-              <a:t>r</a:t>
-            </a:r>
-            <a:r>
-              <a:rPr lang="es-ES" sz="900" dirty="0" smtClean="0">
-                <a:solidFill>
-                  <a:schemeClr val="tx1"/>
-                </a:solidFill>
-                <a:latin typeface="Arial" panose="020B0604020202020204" pitchFamily="34" charset="0"/>
-                <a:cs typeface="Arial" panose="020B0604020202020204" pitchFamily="34" charset="0"/>
-              </a:rPr>
-              <a:t>elaciones de orden</a:t>
-            </a:r>
-            <a:endParaRPr lang="es-ES" sz="900" dirty="0">
-              <a:solidFill>
-                <a:schemeClr val="tx1"/>
-              </a:solidFill>
-              <a:latin typeface="Arial" panose="020B0604020202020204" pitchFamily="34" charset="0"/>
-              <a:cs typeface="Arial" panose="020B0604020202020204" pitchFamily="34" charset="0"/>
-            </a:endParaRPr>
-          </a:p>
-        </p:txBody>
-      </p:sp>
-      <p:sp>
-        <p:nvSpPr>
-          <p:cNvPr id="305" name="Rectángulo 304" descr="Nodo de quinto nivel"/>
-          <p:cNvSpPr/>
-          <p:nvPr/>
-        </p:nvSpPr>
-        <p:spPr>
-          <a:xfrm>
-            <a:off x="190604" y="5312514"/>
-            <a:ext cx="1118927" cy="427450"/>
-          </a:xfrm>
-          <a:prstGeom prst="rect">
-            <a:avLst/>
-          </a:prstGeom>
-          <a:solidFill>
-            <a:schemeClr val="bg1"/>
-          </a:solidFill>
-          <a:ln>
-            <a:solidFill>
-              <a:schemeClr val="tx1"/>
-            </a:solidFill>
-          </a:ln>
-        </p:spPr>
-        <p:style>
-          <a:lnRef idx="2">
-            <a:schemeClr val="accent6"/>
-          </a:lnRef>
-          <a:fillRef idx="1">
-            <a:schemeClr val="lt1"/>
-          </a:fillRef>
-          <a:effectRef idx="0">
-            <a:schemeClr val="accent6"/>
-          </a:effectRef>
-          <a:fontRef idx="minor">
-            <a:schemeClr val="dk1"/>
-          </a:fontRef>
-        </p:style>
-        <p:txBody>
-          <a:bodyPr rtlCol="0" anchor="ctr"/>
-          <a:lstStyle/>
-          <a:p>
-            <a:pPr algn="ctr"/>
-            <a:r>
-              <a:rPr lang="es-ES" sz="900" dirty="0" smtClean="0">
-                <a:solidFill>
-                  <a:schemeClr val="tx1"/>
-                </a:solidFill>
-                <a:latin typeface="Arial" panose="020B0604020202020204" pitchFamily="34" charset="0"/>
-                <a:cs typeface="Arial" panose="020B0604020202020204" pitchFamily="34" charset="0"/>
-              </a:rPr>
-              <a:t>&lt;, &gt;, =</a:t>
-            </a:r>
-            <a:endParaRPr lang="es-ES" sz="900" dirty="0">
-              <a:solidFill>
-                <a:schemeClr val="tx1"/>
-              </a:solidFill>
-              <a:latin typeface="Arial" panose="020B0604020202020204" pitchFamily="34" charset="0"/>
-              <a:cs typeface="Arial" panose="020B0604020202020204" pitchFamily="34" charset="0"/>
-            </a:endParaRPr>
-          </a:p>
-        </p:txBody>
-      </p:sp>
-      <p:cxnSp>
-        <p:nvCxnSpPr>
-          <p:cNvPr id="306" name="Conector angular 305"/>
-          <p:cNvCxnSpPr/>
-          <p:nvPr/>
-        </p:nvCxnSpPr>
-        <p:spPr>
-          <a:xfrm rot="5400000">
-            <a:off x="714490" y="5210848"/>
-            <a:ext cx="72000" cy="0"/>
-          </a:xfrm>
-          <a:prstGeom prst="bentConnector3">
-            <a:avLst>
-              <a:gd name="adj1" fmla="val 148381"/>
-            </a:avLst>
-          </a:prstGeom>
-          <a:ln w="12700">
-            <a:solidFill>
-              <a:schemeClr val="tx1"/>
-            </a:solidFill>
-          </a:ln>
-        </p:spPr>
-        <p:style>
-          <a:lnRef idx="1">
-            <a:schemeClr val="accent1"/>
-          </a:lnRef>
-          <a:fillRef idx="0">
-            <a:schemeClr val="accent1"/>
-          </a:fillRef>
-          <a:effectRef idx="0">
-            <a:schemeClr val="accent1"/>
-          </a:effectRef>
-          <a:fontRef idx="minor">
-            <a:schemeClr val="tx1"/>
-          </a:fontRef>
-        </p:style>
-      </p:cxnSp>
-      <p:cxnSp>
-        <p:nvCxnSpPr>
-          <p:cNvPr id="307" name="Conector angular 306"/>
-          <p:cNvCxnSpPr/>
-          <p:nvPr/>
-        </p:nvCxnSpPr>
-        <p:spPr>
-          <a:xfrm rot="16200000" flipH="1">
-            <a:off x="1364116" y="3690819"/>
-            <a:ext cx="144000" cy="1357200"/>
-          </a:xfrm>
-          <a:prstGeom prst="bentConnector3">
-            <a:avLst>
-              <a:gd name="adj1" fmla="val 50000"/>
-            </a:avLst>
-          </a:prstGeom>
-          <a:ln w="12700">
-            <a:solidFill>
-              <a:schemeClr val="tx1"/>
-            </a:solidFill>
-          </a:ln>
-        </p:spPr>
-        <p:style>
-          <a:lnRef idx="1">
-            <a:schemeClr val="accent1"/>
-          </a:lnRef>
-          <a:fillRef idx="0">
-            <a:schemeClr val="accent1"/>
-          </a:fillRef>
-          <a:effectRef idx="0">
-            <a:schemeClr val="accent1"/>
-          </a:effectRef>
-          <a:fontRef idx="minor">
-            <a:schemeClr val="tx1"/>
-          </a:fontRef>
-        </p:style>
-      </p:cxnSp>
-      <p:sp>
-        <p:nvSpPr>
-          <p:cNvPr id="314" name="CuadroTexto 313" descr="Conector entre nodos"/>
-          <p:cNvSpPr txBox="1"/>
-          <p:nvPr/>
-        </p:nvSpPr>
-        <p:spPr>
-          <a:xfrm>
-            <a:off x="1472740" y="4417656"/>
-            <a:ext cx="1117174" cy="230832"/>
-          </a:xfrm>
-          <a:prstGeom prst="rect">
-            <a:avLst/>
-          </a:prstGeom>
-          <a:noFill/>
-        </p:spPr>
-        <p:txBody>
-          <a:bodyPr wrap="square" rtlCol="0">
-            <a:spAutoFit/>
-          </a:bodyPr>
-          <a:lstStyle/>
-          <a:p>
-            <a:pPr algn="ctr"/>
-            <a:r>
-              <a:rPr lang="es-ES" sz="900" dirty="0">
-                <a:latin typeface="Arial" panose="020B0604020202020204" pitchFamily="34" charset="0"/>
-                <a:cs typeface="Arial" panose="020B0604020202020204" pitchFamily="34" charset="0"/>
-              </a:rPr>
-              <a:t>s</a:t>
-            </a:r>
-            <a:r>
-              <a:rPr lang="es-ES" sz="900" dirty="0" smtClean="0">
-                <a:latin typeface="Arial" panose="020B0604020202020204" pitchFamily="34" charset="0"/>
-                <a:cs typeface="Arial" panose="020B0604020202020204" pitchFamily="34" charset="0"/>
-              </a:rPr>
-              <a:t>e define</a:t>
-            </a:r>
-            <a:endParaRPr lang="es-ES" sz="900" dirty="0">
-              <a:latin typeface="Arial" panose="020B0604020202020204" pitchFamily="34" charset="0"/>
-              <a:cs typeface="Arial" panose="020B0604020202020204" pitchFamily="34" charset="0"/>
-            </a:endParaRPr>
-          </a:p>
-        </p:txBody>
-      </p:sp>
-      <p:cxnSp>
-        <p:nvCxnSpPr>
-          <p:cNvPr id="315" name="Conector angular 314"/>
-          <p:cNvCxnSpPr/>
-          <p:nvPr/>
-        </p:nvCxnSpPr>
-        <p:spPr>
-          <a:xfrm rot="5400000">
-            <a:off x="2078716" y="4634016"/>
-            <a:ext cx="72000" cy="0"/>
-          </a:xfrm>
-          <a:prstGeom prst="bentConnector3">
-            <a:avLst>
-              <a:gd name="adj1" fmla="val 148381"/>
-            </a:avLst>
-          </a:prstGeom>
-          <a:ln w="12700">
-            <a:solidFill>
-              <a:schemeClr val="tx1"/>
-            </a:solidFill>
-          </a:ln>
-        </p:spPr>
-        <p:style>
-          <a:lnRef idx="1">
-            <a:schemeClr val="accent1"/>
-          </a:lnRef>
-          <a:fillRef idx="0">
-            <a:schemeClr val="accent1"/>
-          </a:fillRef>
-          <a:effectRef idx="0">
-            <a:schemeClr val="accent1"/>
-          </a:effectRef>
-          <a:fontRef idx="minor">
-            <a:schemeClr val="tx1"/>
-          </a:fontRef>
-        </p:style>
-      </p:cxnSp>
-      <p:sp>
-        <p:nvSpPr>
-          <p:cNvPr id="316" name="Rectángulo 315" descr="Nodo de quinto nivel"/>
-          <p:cNvSpPr/>
-          <p:nvPr/>
-        </p:nvSpPr>
-        <p:spPr>
-          <a:xfrm>
-            <a:off x="1505510" y="4716247"/>
-            <a:ext cx="1118927" cy="427450"/>
-          </a:xfrm>
-          <a:prstGeom prst="rect">
-            <a:avLst/>
-          </a:prstGeom>
-          <a:solidFill>
-            <a:schemeClr val="bg1"/>
-          </a:solidFill>
-          <a:ln>
-            <a:solidFill>
-              <a:schemeClr val="tx1"/>
-            </a:solidFill>
-          </a:ln>
-        </p:spPr>
-        <p:style>
-          <a:lnRef idx="2">
-            <a:schemeClr val="accent6"/>
-          </a:lnRef>
-          <a:fillRef idx="1">
-            <a:schemeClr val="lt1"/>
-          </a:fillRef>
-          <a:effectRef idx="0">
-            <a:schemeClr val="accent6"/>
-          </a:effectRef>
-          <a:fontRef idx="minor">
-            <a:schemeClr val="dk1"/>
-          </a:fontRef>
-        </p:style>
-        <p:txBody>
-          <a:bodyPr rtlCol="0" anchor="ctr"/>
-          <a:lstStyle/>
-          <a:p>
-            <a:pPr algn="ctr"/>
-            <a:r>
-              <a:rPr lang="es-ES" sz="900" dirty="0">
-                <a:solidFill>
-                  <a:schemeClr val="tx1"/>
-                </a:solidFill>
-                <a:latin typeface="Arial" panose="020B0604020202020204" pitchFamily="34" charset="0"/>
-                <a:cs typeface="Arial" panose="020B0604020202020204" pitchFamily="34" charset="0"/>
-              </a:rPr>
-              <a:t>v</a:t>
-            </a:r>
-            <a:r>
-              <a:rPr lang="es-ES" sz="900" dirty="0" smtClean="0">
-                <a:solidFill>
-                  <a:schemeClr val="tx1"/>
-                </a:solidFill>
-                <a:latin typeface="Arial" panose="020B0604020202020204" pitchFamily="34" charset="0"/>
-                <a:cs typeface="Arial" panose="020B0604020202020204" pitchFamily="34" charset="0"/>
-              </a:rPr>
-              <a:t>alor absoluto</a:t>
-            </a:r>
-            <a:endParaRPr lang="es-ES" sz="900" dirty="0">
-              <a:solidFill>
-                <a:schemeClr val="tx1"/>
-              </a:solidFill>
-              <a:latin typeface="Arial" panose="020B0604020202020204" pitchFamily="34" charset="0"/>
-              <a:cs typeface="Arial" panose="020B0604020202020204" pitchFamily="34" charset="0"/>
-            </a:endParaRPr>
-          </a:p>
-        </p:txBody>
-      </p:sp>
-      <p:cxnSp>
-        <p:nvCxnSpPr>
-          <p:cNvPr id="317" name="Conector angular 316"/>
-          <p:cNvCxnSpPr/>
-          <p:nvPr/>
-        </p:nvCxnSpPr>
-        <p:spPr>
-          <a:xfrm rot="5400000">
-            <a:off x="2028973" y="5168166"/>
-            <a:ext cx="72000" cy="0"/>
-          </a:xfrm>
-          <a:prstGeom prst="bentConnector3">
-            <a:avLst>
-              <a:gd name="adj1" fmla="val 148381"/>
-            </a:avLst>
-          </a:prstGeom>
-          <a:ln w="12700">
-            <a:solidFill>
-              <a:schemeClr val="tx1"/>
-            </a:solidFill>
-          </a:ln>
-        </p:spPr>
-        <p:style>
-          <a:lnRef idx="1">
-            <a:schemeClr val="accent1"/>
-          </a:lnRef>
-          <a:fillRef idx="0">
-            <a:schemeClr val="accent1"/>
-          </a:fillRef>
-          <a:effectRef idx="0">
-            <a:schemeClr val="accent1"/>
-          </a:effectRef>
-          <a:fontRef idx="minor">
-            <a:schemeClr val="tx1"/>
-          </a:fontRef>
-        </p:style>
-      </p:cxnSp>
-      <p:sp>
-        <p:nvSpPr>
-          <p:cNvPr id="318" name="CuadroTexto 317" descr="Conector entre nodos"/>
-          <p:cNvSpPr txBox="1"/>
-          <p:nvPr/>
-        </p:nvSpPr>
-        <p:spPr>
-          <a:xfrm>
-            <a:off x="1502562" y="5213427"/>
-            <a:ext cx="1117174" cy="230832"/>
-          </a:xfrm>
-          <a:prstGeom prst="rect">
-            <a:avLst/>
-          </a:prstGeom>
-          <a:noFill/>
-        </p:spPr>
-        <p:txBody>
-          <a:bodyPr wrap="square" rtlCol="0">
-            <a:spAutoFit/>
-          </a:bodyPr>
-          <a:lstStyle/>
-          <a:p>
-            <a:pPr algn="ctr"/>
-            <a:r>
-              <a:rPr lang="es-ES" sz="900" dirty="0" smtClean="0">
-                <a:latin typeface="Arial" panose="020B0604020202020204" pitchFamily="34" charset="0"/>
-                <a:cs typeface="Arial" panose="020B0604020202020204" pitchFamily="34" charset="0"/>
-              </a:rPr>
-              <a:t>como</a:t>
-            </a:r>
-            <a:endParaRPr lang="es-ES" sz="900" dirty="0">
-              <a:latin typeface="Arial" panose="020B0604020202020204" pitchFamily="34" charset="0"/>
-              <a:cs typeface="Arial" panose="020B0604020202020204" pitchFamily="34" charset="0"/>
-            </a:endParaRPr>
-          </a:p>
-        </p:txBody>
-      </p:sp>
-      <p:cxnSp>
-        <p:nvCxnSpPr>
-          <p:cNvPr id="319" name="Conector angular 318"/>
-          <p:cNvCxnSpPr/>
-          <p:nvPr/>
-        </p:nvCxnSpPr>
-        <p:spPr>
-          <a:xfrm rot="5400000">
-            <a:off x="3549100" y="4773497"/>
-            <a:ext cx="72000" cy="0"/>
-          </a:xfrm>
-          <a:prstGeom prst="bentConnector3">
-            <a:avLst>
-              <a:gd name="adj1" fmla="val 148381"/>
-            </a:avLst>
-          </a:prstGeom>
-          <a:ln w="12700">
-            <a:solidFill>
-              <a:schemeClr val="tx1"/>
-            </a:solidFill>
-          </a:ln>
-        </p:spPr>
-        <p:style>
-          <a:lnRef idx="1">
-            <a:schemeClr val="accent1"/>
-          </a:lnRef>
-          <a:fillRef idx="0">
-            <a:schemeClr val="accent1"/>
-          </a:fillRef>
-          <a:effectRef idx="0">
-            <a:schemeClr val="accent1"/>
-          </a:effectRef>
-          <a:fontRef idx="minor">
-            <a:schemeClr val="tx1"/>
-          </a:fontRef>
-        </p:style>
-      </p:cxnSp>
-      <p:sp>
-        <p:nvSpPr>
-          <p:cNvPr id="320" name="Rectángulo 319" descr="Nodo de quinto nivel"/>
-          <p:cNvSpPr/>
-          <p:nvPr/>
-        </p:nvSpPr>
-        <p:spPr>
-          <a:xfrm>
-            <a:off x="1522878" y="5516646"/>
-            <a:ext cx="1118927" cy="427450"/>
-          </a:xfrm>
-          <a:prstGeom prst="rect">
-            <a:avLst/>
-          </a:prstGeom>
-          <a:solidFill>
-            <a:schemeClr val="bg1"/>
-          </a:solidFill>
-          <a:ln>
-            <a:solidFill>
-              <a:schemeClr val="tx1"/>
-            </a:solidFill>
-          </a:ln>
-        </p:spPr>
-        <p:style>
-          <a:lnRef idx="2">
-            <a:schemeClr val="accent6"/>
-          </a:lnRef>
-          <a:fillRef idx="1">
-            <a:schemeClr val="lt1"/>
-          </a:fillRef>
-          <a:effectRef idx="0">
-            <a:schemeClr val="accent6"/>
-          </a:effectRef>
-          <a:fontRef idx="minor">
-            <a:schemeClr val="dk1"/>
-          </a:fontRef>
-        </p:style>
-        <p:txBody>
-          <a:bodyPr rtlCol="0" anchor="ctr"/>
-          <a:lstStyle/>
-          <a:p>
-            <a:pPr algn="ctr"/>
-            <a:r>
-              <a:rPr lang="es-ES" sz="900" dirty="0">
-                <a:solidFill>
-                  <a:schemeClr val="tx1"/>
-                </a:solidFill>
-                <a:latin typeface="Arial" panose="020B0604020202020204" pitchFamily="34" charset="0"/>
-                <a:cs typeface="Arial" panose="020B0604020202020204" pitchFamily="34" charset="0"/>
-              </a:rPr>
-              <a:t>d</a:t>
-            </a:r>
-            <a:r>
-              <a:rPr lang="es-ES" sz="900" dirty="0" smtClean="0">
-                <a:solidFill>
-                  <a:schemeClr val="tx1"/>
-                </a:solidFill>
-                <a:latin typeface="Arial" panose="020B0604020202020204" pitchFamily="34" charset="0"/>
-                <a:cs typeface="Arial" panose="020B0604020202020204" pitchFamily="34" charset="0"/>
-              </a:rPr>
-              <a:t>istancia del número a cero</a:t>
-            </a:r>
-            <a:endParaRPr lang="es-ES" sz="900" dirty="0">
-              <a:solidFill>
-                <a:schemeClr val="tx1"/>
-              </a:solidFill>
-              <a:latin typeface="Arial" panose="020B0604020202020204" pitchFamily="34" charset="0"/>
-              <a:cs typeface="Arial" panose="020B0604020202020204" pitchFamily="34" charset="0"/>
-            </a:endParaRPr>
           </a:p>
         </p:txBody>
       </p:sp>
       <p:cxnSp>
         <p:nvCxnSpPr>
           <p:cNvPr id="323" name="Conector angular 322"/>
-          <p:cNvCxnSpPr/>
+          <p:cNvCxnSpPr>
+            <a:stCxn id="183" idx="2"/>
+            <a:endCxn id="277" idx="0"/>
+          </p:cNvCxnSpPr>
           <p:nvPr/>
         </p:nvCxnSpPr>
         <p:spPr>
-          <a:xfrm rot="5400000">
-            <a:off x="4808299" y="4443326"/>
-            <a:ext cx="72000" cy="0"/>
+          <a:xfrm rot="16200000" flipH="1">
+            <a:off x="5113475" y="4616245"/>
+            <a:ext cx="130119" cy="2799"/>
           </a:xfrm>
           <a:prstGeom prst="bentConnector3">
             <a:avLst>
-              <a:gd name="adj1" fmla="val 148381"/>
+              <a:gd name="adj1" fmla="val 50000"/>
             </a:avLst>
           </a:prstGeom>
           <a:ln w="12700">
@@ -5862,17 +5367,20 @@
       <p:cxnSp>
         <p:nvCxnSpPr>
           <p:cNvPr id="324" name="Conector angular 323"/>
-          <p:cNvCxnSpPr/>
+          <p:cNvCxnSpPr>
+            <a:stCxn id="277" idx="2"/>
+            <a:endCxn id="276" idx="0"/>
+          </p:cNvCxnSpPr>
           <p:nvPr/>
         </p:nvCxnSpPr>
         <p:spPr>
           <a:xfrm rot="5400000">
-            <a:off x="4820820" y="4748484"/>
-            <a:ext cx="72000" cy="0"/>
+            <a:off x="5114043" y="4979072"/>
+            <a:ext cx="131426" cy="356"/>
           </a:xfrm>
           <a:prstGeom prst="bentConnector3">
             <a:avLst>
-              <a:gd name="adj1" fmla="val 148381"/>
+              <a:gd name="adj1" fmla="val 50000"/>
             </a:avLst>
           </a:prstGeom>
           <a:ln w="12700">
@@ -5899,17 +5407,20 @@
       <p:cxnSp>
         <p:nvCxnSpPr>
           <p:cNvPr id="325" name="Conector angular 324"/>
-          <p:cNvCxnSpPr/>
+          <p:cNvCxnSpPr>
+            <a:stCxn id="276" idx="2"/>
+            <a:endCxn id="279" idx="0"/>
+          </p:cNvCxnSpPr>
           <p:nvPr/>
         </p:nvCxnSpPr>
         <p:spPr>
-          <a:xfrm rot="5400000">
-            <a:off x="4844788" y="5230726"/>
-            <a:ext cx="72000" cy="0"/>
+          <a:xfrm rot="16200000" flipH="1">
+            <a:off x="5088748" y="5562426"/>
+            <a:ext cx="183202" cy="1543"/>
           </a:xfrm>
           <a:prstGeom prst="bentConnector3">
             <a:avLst>
-              <a:gd name="adj1" fmla="val 148381"/>
+              <a:gd name="adj1" fmla="val 50000"/>
             </a:avLst>
           </a:prstGeom>
           <a:ln w="12700">
@@ -5936,17 +5447,20 @@
       <p:cxnSp>
         <p:nvCxnSpPr>
           <p:cNvPr id="326" name="Conector angular 325"/>
-          <p:cNvCxnSpPr/>
+          <p:cNvCxnSpPr>
+            <a:stCxn id="279" idx="2"/>
+            <a:endCxn id="278" idx="0"/>
+          </p:cNvCxnSpPr>
           <p:nvPr/>
         </p:nvCxnSpPr>
         <p:spPr>
           <a:xfrm rot="5400000">
-            <a:off x="4849191" y="5516646"/>
-            <a:ext cx="72000" cy="0"/>
+            <a:off x="5118921" y="5946289"/>
+            <a:ext cx="122859" cy="1543"/>
           </a:xfrm>
           <a:prstGeom prst="bentConnector3">
             <a:avLst>
-              <a:gd name="adj1" fmla="val 148381"/>
+              <a:gd name="adj1" fmla="val 50000"/>
             </a:avLst>
           </a:prstGeom>
           <a:ln w="12700">
@@ -5973,13 +5487,16 @@
       <p:cxnSp>
         <p:nvCxnSpPr>
           <p:cNvPr id="327" name="Conector angular 326"/>
-          <p:cNvCxnSpPr/>
+          <p:cNvCxnSpPr>
+            <a:stCxn id="209" idx="2"/>
+            <a:endCxn id="241" idx="0"/>
+          </p:cNvCxnSpPr>
           <p:nvPr/>
         </p:nvCxnSpPr>
         <p:spPr>
-          <a:xfrm rot="5400000">
-            <a:off x="7223931" y="3198819"/>
-            <a:ext cx="108000" cy="0"/>
+          <a:xfrm rot="16200000" flipH="1">
+            <a:off x="7399496" y="3345976"/>
+            <a:ext cx="112407" cy="2339"/>
           </a:xfrm>
           <a:prstGeom prst="bentConnector3">
             <a:avLst>
@@ -6010,13 +5527,16 @@
       <p:cxnSp>
         <p:nvCxnSpPr>
           <p:cNvPr id="328" name="Conector angular 327"/>
-          <p:cNvCxnSpPr/>
+          <p:cNvCxnSpPr>
+            <a:stCxn id="241" idx="2"/>
+            <a:endCxn id="215" idx="0"/>
+          </p:cNvCxnSpPr>
           <p:nvPr/>
         </p:nvCxnSpPr>
         <p:spPr>
           <a:xfrm rot="5400000">
-            <a:off x="7242420" y="3687614"/>
-            <a:ext cx="144000" cy="0"/>
+            <a:off x="7389075" y="3822325"/>
+            <a:ext cx="133250" cy="2339"/>
           </a:xfrm>
           <a:prstGeom prst="bentConnector3">
             <a:avLst>
@@ -6047,17 +5567,20 @@
       <p:cxnSp>
         <p:nvCxnSpPr>
           <p:cNvPr id="329" name="Conector angular 328"/>
-          <p:cNvCxnSpPr/>
+          <p:cNvCxnSpPr>
+            <a:stCxn id="215" idx="2"/>
+            <a:endCxn id="242" idx="0"/>
+          </p:cNvCxnSpPr>
           <p:nvPr/>
         </p:nvCxnSpPr>
         <p:spPr>
           <a:xfrm rot="5400000">
-            <a:off x="7260420" y="3999098"/>
-            <a:ext cx="108000" cy="0"/>
+            <a:off x="7413348" y="4162133"/>
+            <a:ext cx="82365" cy="12700"/>
           </a:xfrm>
           <a:prstGeom prst="bentConnector3">
             <a:avLst>
-              <a:gd name="adj1" fmla="val 50000"/>
+              <a:gd name="adj1" fmla="val 91632"/>
             </a:avLst>
           </a:prstGeom>
           <a:ln w="12700">
@@ -6089,7 +5612,7 @@
         </p:nvCxnSpPr>
         <p:spPr>
           <a:xfrm rot="5400000">
-            <a:off x="8441501" y="3673661"/>
+            <a:off x="8441501" y="3818441"/>
             <a:ext cx="144000" cy="0"/>
           </a:xfrm>
           <a:prstGeom prst="bentConnector3">
@@ -6126,7 +5649,7 @@
         </p:nvCxnSpPr>
         <p:spPr>
           <a:xfrm rot="5400000">
-            <a:off x="8457353" y="3999456"/>
+            <a:off x="8457353" y="4144236"/>
             <a:ext cx="108000" cy="0"/>
           </a:xfrm>
           <a:prstGeom prst="bentConnector3">
@@ -6158,13 +5681,56 @@
       <p:cxnSp>
         <p:nvCxnSpPr>
           <p:cNvPr id="333" name="Conector angular 332"/>
-          <p:cNvCxnSpPr/>
+          <p:cNvCxnSpPr>
+            <a:stCxn id="274" idx="2"/>
+            <a:endCxn id="216" idx="0"/>
+          </p:cNvCxnSpPr>
           <p:nvPr/>
         </p:nvCxnSpPr>
         <p:spPr>
+          <a:xfrm rot="5400000">
+            <a:off x="6268892" y="965308"/>
+            <a:ext cx="119439" cy="4749"/>
+          </a:xfrm>
+          <a:prstGeom prst="bentConnector3">
+            <a:avLst>
+              <a:gd name="adj1" fmla="val 50000"/>
+            </a:avLst>
+          </a:prstGeom>
+          <a:ln w="12700">
+            <a:solidFill>
+              <a:schemeClr val="tx1"/>
+            </a:solidFill>
+          </a:ln>
+        </p:spPr>
+        <p:style>
+          <a:lnRef idx="1">
+            <a:schemeClr val="accent1"/>
+          </a:lnRef>
+          <a:fillRef idx="0">
+            <a:schemeClr val="accent1"/>
+          </a:fillRef>
+          <a:effectRef idx="0">
+            <a:schemeClr val="accent1"/>
+          </a:effectRef>
+          <a:fontRef idx="minor">
+            <a:schemeClr val="tx1"/>
+          </a:fontRef>
+        </p:style>
+      </p:cxnSp>
+      <p:cxnSp>
+        <p:nvCxnSpPr>
+          <p:cNvPr id="144" name="Conector angular 143"/>
+          <p:cNvCxnSpPr>
+            <a:stCxn id="213" idx="2"/>
+            <a:endCxn id="246" idx="0"/>
+          </p:cNvCxnSpPr>
+          <p:nvPr/>
+        </p:nvCxnSpPr>
+        <p:spPr>
           <a:xfrm rot="16200000" flipH="1">
-            <a:off x="6002477" y="905227"/>
-            <a:ext cx="52855" cy="1157"/>
+            <a:off x="8481737" y="3339724"/>
+            <a:ext cx="124999" cy="2250"/>
           </a:xfrm>
           <a:prstGeom prst="bentConnector3">
             <a:avLst>
@@ -6202,13 +5768,6 @@
   <p:clrMapOvr>
     <a:masterClrMapping/>
   </p:clrMapOvr>
-  <p:timing>
-    <p:tnLst>
-      <p:par>
-        <p:cTn xmlns:p14="http://schemas.microsoft.com/office/powerpoint/2010/main" id="1" dur="indefinite" restart="never" nodeType="tmRoot"/>
-      </p:par>
-    </p:tnLst>
-  </p:timing>
 </p:sld>
 </file>
 
@@ -6467,7 +6026,7 @@
   <a:extraClrSchemeLst/>
   <a:extLst>
     <a:ext uri="{05A4C25C-085E-4340-85A3-A5531E510DB2}">
-      <thm15:themeFamily xmlns="" xmlns:thm15="http://schemas.microsoft.com/office/thememl/2012/main" name="Office Theme" id="{62F939B6-93AF-4DB8-9C6B-D6C7DFDC589F}" vid="{4A3C46E8-61CC-4603-A589-7422A47A8E4A}"/>
+      <thm15:themeFamily xmlns:thm15="http://schemas.microsoft.com/office/thememl/2012/main" name="Office Theme" id="{62F939B6-93AF-4DB8-9C6B-D6C7DFDC589F}" vid="{4A3C46E8-61CC-4603-A589-7422A47A8E4A}"/>
     </a:ext>
   </a:extLst>
 </a:theme>
